--- a/System Documentation/Open Sesame.pptx
+++ b/System Documentation/Open Sesame.pptx
@@ -9572,11 +9572,11 @@
           <a:p>
             <a:r>
               <a:rPr lang="en-US" dirty="0"/>
-              <a:t>Micheal Hatch &amp; Philip </a:t>
-            </a:r>
-            <a:r>
-              <a:rPr lang="en-US" dirty="0" err="1"/>
-              <a:t>VIckers</a:t>
+              <a:t>Micheal Hatch &amp; </a:t>
+            </a:r>
+            <a:r>
+              <a:rPr lang="en-US"/>
+              <a:t>Philip Vickers</a:t>
             </a:r>
             <a:endParaRPr lang="en-US" dirty="0"/>
           </a:p>
@@ -14150,6 +14150,15 @@
 </file>
 
 <file path=customXml/item1.xml><?xml version="1.0" encoding="utf-8"?>
+<?mso-contentType ?>
+<FormTemplates xmlns="http://schemas.microsoft.com/sharepoint/v3/contenttype/forms">
+  <Display>DocumentLibraryForm</Display>
+  <Edit>DocumentLibraryForm</Edit>
+  <New>DocumentLibraryForm</New>
+</FormTemplates>
+</file>
+
+<file path=customXml/item2.xml><?xml version="1.0" encoding="utf-8"?>
 <p:properties xmlns:p="http://schemas.microsoft.com/office/2006/metadata/properties" xmlns:xsi="http://www.w3.org/2001/XMLSchema-instance" xmlns:pc="http://schemas.microsoft.com/office/infopath/2007/PartnerControls">
   <documentManagement>
     <_ip_UnifiedCompliancePolicyUIAction xmlns="http://schemas.microsoft.com/sharepoint/v3" xsi:nil="true"/>
@@ -14166,15 +14175,6 @@
     <MediaServiceKeyPoints xmlns="71af3243-3dd4-4a8d-8c0d-dd76da1f02a5" xsi:nil="true"/>
   </documentManagement>
 </p:properties>
-</file>
-
-<file path=customXml/item2.xml><?xml version="1.0" encoding="utf-8"?>
-<?mso-contentType ?>
-<FormTemplates xmlns="http://schemas.microsoft.com/sharepoint/v3/contenttype/forms">
-  <Display>DocumentLibraryForm</Display>
-  <Edit>DocumentLibraryForm</Edit>
-  <New>DocumentLibraryForm</New>
-</FormTemplates>
 </file>
 
 <file path=customXml/item3.xml><?xml version="1.0" encoding="utf-8"?>
@@ -14454,6 +14454,14 @@
 </file>
 
 <file path=customXml/itemProps1.xml><?xml version="1.0" encoding="utf-8"?>
+<ds:datastoreItem xmlns:ds="http://schemas.openxmlformats.org/officeDocument/2006/customXml" ds:itemID="{0FD6FE22-81A0-4500-AFD0-342D21BB9A2C}">
+  <ds:schemaRefs>
+    <ds:schemaRef ds:uri="http://schemas.microsoft.com/sharepoint/v3/contenttype/forms"/>
+  </ds:schemaRefs>
+</ds:datastoreItem>
+</file>
+
+<file path=customXml/itemProps2.xml><?xml version="1.0" encoding="utf-8"?>
 <ds:datastoreItem xmlns:ds="http://schemas.openxmlformats.org/officeDocument/2006/customXml" ds:itemID="{29C43685-694E-4579-B109-3C418D49DA65}">
   <ds:schemaRefs>
     <ds:schemaRef ds:uri="http://schemas.microsoft.com/office/2006/metadata/properties"/>
@@ -14461,14 +14469,6 @@
     <ds:schemaRef ds:uri="http://schemas.microsoft.com/sharepoint/v3"/>
     <ds:schemaRef ds:uri="71af3243-3dd4-4a8d-8c0d-dd76da1f02a5"/>
     <ds:schemaRef ds:uri="230e9df3-be65-4c73-a93b-d1236ebd677e"/>
-  </ds:schemaRefs>
-</ds:datastoreItem>
-</file>
-
-<file path=customXml/itemProps2.xml><?xml version="1.0" encoding="utf-8"?>
-<ds:datastoreItem xmlns:ds="http://schemas.openxmlformats.org/officeDocument/2006/customXml" ds:itemID="{0FD6FE22-81A0-4500-AFD0-342D21BB9A2C}">
-  <ds:schemaRefs>
-    <ds:schemaRef ds:uri="http://schemas.microsoft.com/sharepoint/v3/contenttype/forms"/>
   </ds:schemaRefs>
 </ds:datastoreItem>
 </file>

--- a/System Documentation/Open Sesame.pptx
+++ b/System Documentation/Open Sesame.pptx
@@ -5,10 +5,10 @@
     <p:sldMasterId id="2147483648" r:id="rId4"/>
   </p:sldMasterIdLst>
   <p:notesMasterIdLst>
-    <p:notesMasterId r:id="rId16"/>
+    <p:notesMasterId r:id="rId17"/>
   </p:notesMasterIdLst>
   <p:handoutMasterIdLst>
-    <p:handoutMasterId r:id="rId17"/>
+    <p:handoutMasterId r:id="rId18"/>
   </p:handoutMasterIdLst>
   <p:sldIdLst>
     <p:sldId id="256" r:id="rId5"/>
@@ -19,9 +19,10 @@
     <p:sldId id="269" r:id="rId10"/>
     <p:sldId id="272" r:id="rId11"/>
     <p:sldId id="265" r:id="rId12"/>
-    <p:sldId id="273" r:id="rId13"/>
-    <p:sldId id="264" r:id="rId14"/>
-    <p:sldId id="263" r:id="rId15"/>
+    <p:sldId id="274" r:id="rId13"/>
+    <p:sldId id="273" r:id="rId14"/>
+    <p:sldId id="264" r:id="rId15"/>
+    <p:sldId id="263" r:id="rId16"/>
   </p:sldIdLst>
   <p:sldSz cx="12192000" cy="6858000"/>
   <p:notesSz cx="6858000" cy="9144000"/>
@@ -225,7 +226,7 @@
           <a:p>
             <a:fld id="{B56F32FC-4BD9-442A-A8C6-51598C909FE3}" type="datetimeFigureOut">
               <a:rPr lang="en-US" smtClean="0"/>
-              <a:t>11/9/2022</a:t>
+              <a:t>11/13/2022</a:t>
             </a:fld>
             <a:endParaRPr lang="en-US" dirty="0"/>
           </a:p>
@@ -402,7 +403,7 @@
           <a:p>
             <a:fld id="{056371FA-A98D-41E8-93F4-09945841298A}" type="datetimeFigureOut">
               <a:rPr lang="en-US" smtClean="0"/>
-              <a:t>11/9/2022</a:t>
+              <a:t>11/13/2022</a:t>
             </a:fld>
             <a:endParaRPr lang="en-US" dirty="0"/>
           </a:p>
@@ -9614,24 +9615,24 @@
       </p:grpSpPr>
       <p:sp>
         <p:nvSpPr>
-          <p:cNvPr id="2" name="Title 1">
-            <a:extLst>
-              <a:ext uri="{FF2B5EF4-FFF2-40B4-BE49-F238E27FC236}">
-                <a16:creationId xmlns:a16="http://schemas.microsoft.com/office/drawing/2014/main" id="{4F6A2D15-4D68-4BF7-9421-032AE6C8852C}"/>
-              </a:ext>
-            </a:extLst>
-          </p:cNvPr>
-          <p:cNvSpPr>
-            <a:spLocks noGrp="1"/>
-          </p:cNvSpPr>
-          <p:nvPr>
-            <p:ph type="title"/>
-          </p:nvPr>
-        </p:nvSpPr>
-        <p:spPr>
-          <a:xfrm>
-            <a:off x="1885156" y="892177"/>
-            <a:ext cx="8421688" cy="1325563"/>
+          <p:cNvPr id="4" name="Date Placeholder 3">
+            <a:extLst>
+              <a:ext uri="{FF2B5EF4-FFF2-40B4-BE49-F238E27FC236}">
+                <a16:creationId xmlns:a16="http://schemas.microsoft.com/office/drawing/2014/main" id="{DA53D834-F1E2-4848-8093-D412A7B081AF}"/>
+              </a:ext>
+            </a:extLst>
+          </p:cNvPr>
+          <p:cNvSpPr>
+            <a:spLocks noGrp="1"/>
+          </p:cNvSpPr>
+          <p:nvPr>
+            <p:ph type="dt" sz="half" idx="10"/>
+          </p:nvPr>
+        </p:nvSpPr>
+        <p:spPr>
+          <a:xfrm>
+            <a:off x="4676774" y="6356350"/>
+            <a:ext cx="1695450" cy="365125"/>
           </a:xfrm>
         </p:spPr>
         <p:txBody>
@@ -9640,31 +9641,31 @@
           <a:p>
             <a:r>
               <a:rPr lang="en-US" dirty="0"/>
-              <a:t>Website</a:t>
-            </a:r>
-          </a:p>
-        </p:txBody>
-      </p:sp>
-      <p:sp>
-        <p:nvSpPr>
-          <p:cNvPr id="23" name="Date Placeholder 22">
-            <a:extLst>
-              <a:ext uri="{FF2B5EF4-FFF2-40B4-BE49-F238E27FC236}">
-                <a16:creationId xmlns:a16="http://schemas.microsoft.com/office/drawing/2014/main" id="{637DEDF5-3FCD-4BC2-86A5-7BE2BF01EA38}"/>
-              </a:ext>
-            </a:extLst>
-          </p:cNvPr>
-          <p:cNvSpPr>
-            <a:spLocks noGrp="1"/>
-          </p:cNvSpPr>
-          <p:nvPr>
-            <p:ph type="dt" sz="half" idx="10"/>
-          </p:nvPr>
-        </p:nvSpPr>
-        <p:spPr>
-          <a:xfrm>
-            <a:off x="838200" y="6356350"/>
-            <a:ext cx="2743200" cy="365125"/>
+              <a:t>20XX</a:t>
+            </a:r>
+          </a:p>
+        </p:txBody>
+      </p:sp>
+      <p:sp>
+        <p:nvSpPr>
+          <p:cNvPr id="5" name="Footer Placeholder 4">
+            <a:extLst>
+              <a:ext uri="{FF2B5EF4-FFF2-40B4-BE49-F238E27FC236}">
+                <a16:creationId xmlns:a16="http://schemas.microsoft.com/office/drawing/2014/main" id="{3555A49C-96F4-440D-B89E-A0AE94F70108}"/>
+              </a:ext>
+            </a:extLst>
+          </p:cNvPr>
+          <p:cNvSpPr>
+            <a:spLocks noGrp="1"/>
+          </p:cNvSpPr>
+          <p:nvPr>
+            <p:ph type="ftr" sz="quarter" idx="11"/>
+          </p:nvPr>
+        </p:nvSpPr>
+        <p:spPr>
+          <a:xfrm>
+            <a:off x="6743699" y="6356350"/>
+            <a:ext cx="2543175" cy="365125"/>
           </a:xfrm>
         </p:spPr>
         <p:txBody>
@@ -9673,39 +9674,6 @@
           <a:p>
             <a:r>
               <a:rPr lang="en-US" dirty="0"/>
-              <a:t>20XX</a:t>
-            </a:r>
-          </a:p>
-        </p:txBody>
-      </p:sp>
-      <p:sp>
-        <p:nvSpPr>
-          <p:cNvPr id="24" name="Footer Placeholder 23">
-            <a:extLst>
-              <a:ext uri="{FF2B5EF4-FFF2-40B4-BE49-F238E27FC236}">
-                <a16:creationId xmlns:a16="http://schemas.microsoft.com/office/drawing/2014/main" id="{918C3C97-444D-4600-8553-B9C4C1F8483B}"/>
-              </a:ext>
-            </a:extLst>
-          </p:cNvPr>
-          <p:cNvSpPr>
-            <a:spLocks noGrp="1"/>
-          </p:cNvSpPr>
-          <p:nvPr>
-            <p:ph type="ftr" sz="quarter" idx="11"/>
-          </p:nvPr>
-        </p:nvSpPr>
-        <p:spPr>
-          <a:xfrm>
-            <a:off x="4038600" y="6356350"/>
-            <a:ext cx="4114800" cy="365125"/>
-          </a:xfrm>
-        </p:spPr>
-        <p:txBody>
-          <a:bodyPr/>
-          <a:lstStyle/>
-          <a:p>
-            <a:r>
-              <a:rPr lang="en-US" dirty="0"/>
               <a:t>PRESENTATION TITLE</a:t>
             </a:r>
           </a:p>
@@ -9713,10 +9681,10 @@
       </p:sp>
       <p:sp>
         <p:nvSpPr>
-          <p:cNvPr id="25" name="Slide Number Placeholder 24">
-            <a:extLst>
-              <a:ext uri="{FF2B5EF4-FFF2-40B4-BE49-F238E27FC236}">
-                <a16:creationId xmlns:a16="http://schemas.microsoft.com/office/drawing/2014/main" id="{148E9129-4CC6-47BA-ACD8-2C632A8660EC}"/>
+          <p:cNvPr id="6" name="Slide Number Placeholder 5">
+            <a:extLst>
+              <a:ext uri="{FF2B5EF4-FFF2-40B4-BE49-F238E27FC236}">
+                <a16:creationId xmlns:a16="http://schemas.microsoft.com/office/drawing/2014/main" id="{F2A39FA3-9AE3-4689-A469-B7D2DFCCC2D9}"/>
               </a:ext>
             </a:extLst>
           </p:cNvPr>
@@ -9729,8 +9697,8 @@
         </p:nvSpPr>
         <p:spPr>
           <a:xfrm>
-            <a:off x="8610600" y="6356350"/>
-            <a:ext cx="2743200" cy="365125"/>
+            <a:off x="9658350" y="6356350"/>
+            <a:ext cx="1695450" cy="365125"/>
           </a:xfrm>
         </p:spPr>
         <p:txBody>
@@ -9748,10 +9716,10 @@
       </p:sp>
       <p:pic>
         <p:nvPicPr>
-          <p:cNvPr id="43" name="Picture 42">
-            <a:extLst>
-              <a:ext uri="{FF2B5EF4-FFF2-40B4-BE49-F238E27FC236}">
-                <a16:creationId xmlns:a16="http://schemas.microsoft.com/office/drawing/2014/main" id="{BA1CF98E-3EEF-4D6B-94EE-D47613490CFB}"/>
+          <p:cNvPr id="7" name="Picture 6">
+            <a:extLst>
+              <a:ext uri="{FF2B5EF4-FFF2-40B4-BE49-F238E27FC236}">
+                <a16:creationId xmlns:a16="http://schemas.microsoft.com/office/drawing/2014/main" id="{96425852-C763-424D-A32A-2288328A3A8A}"/>
               </a:ext>
             </a:extLst>
           </p:cNvPr>
@@ -9768,8 +9736,8 @@
         </p:blipFill>
         <p:spPr>
           <a:xfrm>
-            <a:off x="3769360" y="2217740"/>
-            <a:ext cx="5080354" cy="3720222"/>
+            <a:off x="4864100" y="581860"/>
+            <a:ext cx="7186491" cy="6073415"/>
           </a:xfrm>
           <a:prstGeom prst="rect">
             <a:avLst/>
@@ -9778,43 +9746,71 @@
       </p:pic>
       <p:sp>
         <p:nvSpPr>
-          <p:cNvPr id="44" name="TextBox 43">
-            <a:extLst>
-              <a:ext uri="{FF2B5EF4-FFF2-40B4-BE49-F238E27FC236}">
-                <a16:creationId xmlns:a16="http://schemas.microsoft.com/office/drawing/2014/main" id="{25D5AF7C-A550-4BF6-98D9-B5D9C37945B8}"/>
-              </a:ext>
-            </a:extLst>
-          </p:cNvPr>
-          <p:cNvSpPr txBox="1"/>
+          <p:cNvPr id="2" name="Title 1">
+            <a:extLst>
+              <a:ext uri="{FF2B5EF4-FFF2-40B4-BE49-F238E27FC236}">
+                <a16:creationId xmlns:a16="http://schemas.microsoft.com/office/drawing/2014/main" id="{D94A2CD4-732A-43E4-BCB9-CBA2055E0AC6}"/>
+              </a:ext>
+            </a:extLst>
+          </p:cNvPr>
+          <p:cNvSpPr>
+            <a:spLocks noGrp="1"/>
+          </p:cNvSpPr>
+          <p:nvPr>
+            <p:ph type="title"/>
+          </p:nvPr>
+        </p:nvSpPr>
+        <p:spPr>
+          <a:xfrm>
+            <a:off x="6096000" y="-1340962"/>
+            <a:ext cx="6696075" cy="1909763"/>
+          </a:xfrm>
+        </p:spPr>
+        <p:txBody>
+          <a:bodyPr/>
+          <a:lstStyle/>
+          <a:p>
+            <a:r>
+              <a:rPr lang="en-US" dirty="0"/>
+              <a:t>Android App</a:t>
+            </a:r>
+          </a:p>
+        </p:txBody>
+      </p:sp>
+      <p:pic>
+        <p:nvPicPr>
+          <p:cNvPr id="9" name="Picture 8">
+            <a:extLst>
+              <a:ext uri="{FF2B5EF4-FFF2-40B4-BE49-F238E27FC236}">
+                <a16:creationId xmlns:a16="http://schemas.microsoft.com/office/drawing/2014/main" id="{4ED1DD61-0511-4351-60AD-862A5111EC3D}"/>
+              </a:ext>
+            </a:extLst>
+          </p:cNvPr>
+          <p:cNvPicPr>
+            <a:picLocks noChangeAspect="1"/>
+          </p:cNvPicPr>
           <p:nvPr/>
-        </p:nvSpPr>
-        <p:spPr>
-          <a:xfrm rot="19480655">
-            <a:off x="3878978" y="2316480"/>
-            <a:ext cx="7319804" cy="1200329"/>
+        </p:nvPicPr>
+        <p:blipFill>
+          <a:blip r:embed="rId3"/>
+          <a:stretch>
+            <a:fillRect/>
+          </a:stretch>
+        </p:blipFill>
+        <p:spPr>
+          <a:xfrm>
+            <a:off x="271584" y="152400"/>
+            <a:ext cx="2892381" cy="3810000"/>
           </a:xfrm>
           <a:prstGeom prst="rect">
             <a:avLst/>
           </a:prstGeom>
-          <a:noFill/>
-        </p:spPr>
-        <p:txBody>
-          <a:bodyPr wrap="square" rtlCol="0">
-            <a:spAutoFit/>
-          </a:bodyPr>
-          <a:lstStyle/>
-          <a:p>
-            <a:r>
-              <a:rPr lang="en-US" sz="7200" dirty="0"/>
-              <a:t>In Process</a:t>
-            </a:r>
-          </a:p>
-        </p:txBody>
-      </p:sp>
+        </p:spPr>
+      </p:pic>
     </p:spTree>
     <p:extLst>
       <p:ext uri="{BB962C8B-B14F-4D97-AF65-F5344CB8AC3E}">
-        <p14:creationId xmlns:p14="http://schemas.microsoft.com/office/powerpoint/2010/main" val="2619301236"/>
+        <p14:creationId xmlns:p14="http://schemas.microsoft.com/office/powerpoint/2010/main" val="1850918978"/>
       </p:ext>
     </p:extLst>
   </p:cSld>
@@ -9846,7 +9842,7 @@
           <p:cNvPr id="2" name="Title 1">
             <a:extLst>
               <a:ext uri="{FF2B5EF4-FFF2-40B4-BE49-F238E27FC236}">
-                <a16:creationId xmlns:a16="http://schemas.microsoft.com/office/drawing/2014/main" id="{42DD0E59-4C68-4F87-9821-23C69713D980}"/>
+                <a16:creationId xmlns:a16="http://schemas.microsoft.com/office/drawing/2014/main" id="{4F6A2D15-4D68-4BF7-9421-032AE6C8852C}"/>
               </a:ext>
             </a:extLst>
           </p:cNvPr>
@@ -9858,8 +9854,8 @@
           </p:nvPr>
         </p:nvSpPr>
         <p:spPr>
-          <a:xfrm rot="19153991">
-            <a:off x="1417797" y="2294257"/>
+          <a:xfrm>
+            <a:off x="1885156" y="892177"/>
             <a:ext cx="8421688" cy="1325563"/>
           </a:xfrm>
         </p:spPr>
@@ -9869,17 +9865,17 @@
           <a:p>
             <a:r>
               <a:rPr lang="en-US" dirty="0"/>
-              <a:t>Any Questions</a:t>
-            </a:r>
-          </a:p>
-        </p:txBody>
-      </p:sp>
-      <p:sp>
-        <p:nvSpPr>
-          <p:cNvPr id="56" name="Date Placeholder 55">
-            <a:extLst>
-              <a:ext uri="{FF2B5EF4-FFF2-40B4-BE49-F238E27FC236}">
-                <a16:creationId xmlns:a16="http://schemas.microsoft.com/office/drawing/2014/main" id="{B289356A-BDA0-4234-84F2-9F2F25D0D7BD}"/>
+              <a:t>Website</a:t>
+            </a:r>
+          </a:p>
+        </p:txBody>
+      </p:sp>
+      <p:sp>
+        <p:nvSpPr>
+          <p:cNvPr id="23" name="Date Placeholder 22">
+            <a:extLst>
+              <a:ext uri="{FF2B5EF4-FFF2-40B4-BE49-F238E27FC236}">
+                <a16:creationId xmlns:a16="http://schemas.microsoft.com/office/drawing/2014/main" id="{637DEDF5-3FCD-4BC2-86A5-7BE2BF01EA38}"/>
               </a:ext>
             </a:extLst>
           </p:cNvPr>
@@ -9909,10 +9905,10 @@
       </p:sp>
       <p:sp>
         <p:nvSpPr>
-          <p:cNvPr id="57" name="Footer Placeholder 56">
-            <a:extLst>
-              <a:ext uri="{FF2B5EF4-FFF2-40B4-BE49-F238E27FC236}">
-                <a16:creationId xmlns:a16="http://schemas.microsoft.com/office/drawing/2014/main" id="{3A38BE84-957B-46B9-A315-4B5064DFF1A1}"/>
+          <p:cNvPr id="24" name="Footer Placeholder 23">
+            <a:extLst>
+              <a:ext uri="{FF2B5EF4-FFF2-40B4-BE49-F238E27FC236}">
+                <a16:creationId xmlns:a16="http://schemas.microsoft.com/office/drawing/2014/main" id="{918C3C97-444D-4600-8553-B9C4C1F8483B}"/>
               </a:ext>
             </a:extLst>
           </p:cNvPr>
@@ -9942,10 +9938,10 @@
       </p:sp>
       <p:sp>
         <p:nvSpPr>
-          <p:cNvPr id="58" name="Slide Number Placeholder 57">
-            <a:extLst>
-              <a:ext uri="{FF2B5EF4-FFF2-40B4-BE49-F238E27FC236}">
-                <a16:creationId xmlns:a16="http://schemas.microsoft.com/office/drawing/2014/main" id="{E1900601-8B04-4FF3-B06F-6BEFAC6556D3}"/>
+          <p:cNvPr id="25" name="Slide Number Placeholder 24">
+            <a:extLst>
+              <a:ext uri="{FF2B5EF4-FFF2-40B4-BE49-F238E27FC236}">
+                <a16:creationId xmlns:a16="http://schemas.microsoft.com/office/drawing/2014/main" id="{148E9129-4CC6-47BA-ACD8-2C632A8660EC}"/>
               </a:ext>
             </a:extLst>
           </p:cNvPr>
@@ -9970,6 +9966,235 @@
               <a:rPr lang="en-US" smtClean="0"/>
               <a:pPr/>
               <a:t>11</a:t>
+            </a:fld>
+            <a:endParaRPr lang="en-US" dirty="0"/>
+          </a:p>
+        </p:txBody>
+      </p:sp>
+      <p:pic>
+        <p:nvPicPr>
+          <p:cNvPr id="43" name="Picture 42">
+            <a:extLst>
+              <a:ext uri="{FF2B5EF4-FFF2-40B4-BE49-F238E27FC236}">
+                <a16:creationId xmlns:a16="http://schemas.microsoft.com/office/drawing/2014/main" id="{BA1CF98E-3EEF-4D6B-94EE-D47613490CFB}"/>
+              </a:ext>
+            </a:extLst>
+          </p:cNvPr>
+          <p:cNvPicPr>
+            <a:picLocks noChangeAspect="1"/>
+          </p:cNvPicPr>
+          <p:nvPr/>
+        </p:nvPicPr>
+        <p:blipFill>
+          <a:blip r:embed="rId2"/>
+          <a:stretch>
+            <a:fillRect/>
+          </a:stretch>
+        </p:blipFill>
+        <p:spPr>
+          <a:xfrm>
+            <a:off x="3769360" y="2217740"/>
+            <a:ext cx="5080354" cy="3720222"/>
+          </a:xfrm>
+          <a:prstGeom prst="rect">
+            <a:avLst/>
+          </a:prstGeom>
+        </p:spPr>
+      </p:pic>
+      <p:sp>
+        <p:nvSpPr>
+          <p:cNvPr id="44" name="TextBox 43">
+            <a:extLst>
+              <a:ext uri="{FF2B5EF4-FFF2-40B4-BE49-F238E27FC236}">
+                <a16:creationId xmlns:a16="http://schemas.microsoft.com/office/drawing/2014/main" id="{25D5AF7C-A550-4BF6-98D9-B5D9C37945B8}"/>
+              </a:ext>
+            </a:extLst>
+          </p:cNvPr>
+          <p:cNvSpPr txBox="1"/>
+          <p:nvPr/>
+        </p:nvSpPr>
+        <p:spPr>
+          <a:xfrm rot="19480655">
+            <a:off x="3878978" y="2316480"/>
+            <a:ext cx="7319804" cy="1200329"/>
+          </a:xfrm>
+          <a:prstGeom prst="rect">
+            <a:avLst/>
+          </a:prstGeom>
+          <a:noFill/>
+        </p:spPr>
+        <p:txBody>
+          <a:bodyPr wrap="square" rtlCol="0">
+            <a:spAutoFit/>
+          </a:bodyPr>
+          <a:lstStyle/>
+          <a:p>
+            <a:r>
+              <a:rPr lang="en-US" sz="7200" dirty="0"/>
+              <a:t>In Process</a:t>
+            </a:r>
+          </a:p>
+        </p:txBody>
+      </p:sp>
+    </p:spTree>
+    <p:extLst>
+      <p:ext uri="{BB962C8B-B14F-4D97-AF65-F5344CB8AC3E}">
+        <p14:creationId xmlns:p14="http://schemas.microsoft.com/office/powerpoint/2010/main" val="2619301236"/>
+      </p:ext>
+    </p:extLst>
+  </p:cSld>
+  <p:clrMapOvr>
+    <a:masterClrMapping/>
+  </p:clrMapOvr>
+</p:sld>
+</file>
+
+<file path=ppt/slides/slide12.xml><?xml version="1.0" encoding="utf-8"?>
+<p:sld xmlns:a="http://schemas.openxmlformats.org/drawingml/2006/main" xmlns:r="http://schemas.openxmlformats.org/officeDocument/2006/relationships" xmlns:p="http://schemas.openxmlformats.org/presentationml/2006/main">
+  <p:cSld>
+    <p:spTree>
+      <p:nvGrpSpPr>
+        <p:cNvPr id="1" name=""/>
+        <p:cNvGrpSpPr/>
+        <p:nvPr/>
+      </p:nvGrpSpPr>
+      <p:grpSpPr>
+        <a:xfrm>
+          <a:off x="0" y="0"/>
+          <a:ext cx="0" cy="0"/>
+          <a:chOff x="0" y="0"/>
+          <a:chExt cx="0" cy="0"/>
+        </a:xfrm>
+      </p:grpSpPr>
+      <p:sp>
+        <p:nvSpPr>
+          <p:cNvPr id="2" name="Title 1">
+            <a:extLst>
+              <a:ext uri="{FF2B5EF4-FFF2-40B4-BE49-F238E27FC236}">
+                <a16:creationId xmlns:a16="http://schemas.microsoft.com/office/drawing/2014/main" id="{42DD0E59-4C68-4F87-9821-23C69713D980}"/>
+              </a:ext>
+            </a:extLst>
+          </p:cNvPr>
+          <p:cNvSpPr>
+            <a:spLocks noGrp="1"/>
+          </p:cNvSpPr>
+          <p:nvPr>
+            <p:ph type="title"/>
+          </p:nvPr>
+        </p:nvSpPr>
+        <p:spPr>
+          <a:xfrm rot="19153991">
+            <a:off x="1417797" y="2294257"/>
+            <a:ext cx="8421688" cy="1325563"/>
+          </a:xfrm>
+        </p:spPr>
+        <p:txBody>
+          <a:bodyPr/>
+          <a:lstStyle/>
+          <a:p>
+            <a:r>
+              <a:rPr lang="en-US" dirty="0"/>
+              <a:t>Any Questions</a:t>
+            </a:r>
+          </a:p>
+        </p:txBody>
+      </p:sp>
+      <p:sp>
+        <p:nvSpPr>
+          <p:cNvPr id="56" name="Date Placeholder 55">
+            <a:extLst>
+              <a:ext uri="{FF2B5EF4-FFF2-40B4-BE49-F238E27FC236}">
+                <a16:creationId xmlns:a16="http://schemas.microsoft.com/office/drawing/2014/main" id="{B289356A-BDA0-4234-84F2-9F2F25D0D7BD}"/>
+              </a:ext>
+            </a:extLst>
+          </p:cNvPr>
+          <p:cNvSpPr>
+            <a:spLocks noGrp="1"/>
+          </p:cNvSpPr>
+          <p:nvPr>
+            <p:ph type="dt" sz="half" idx="10"/>
+          </p:nvPr>
+        </p:nvSpPr>
+        <p:spPr>
+          <a:xfrm>
+            <a:off x="838200" y="6356350"/>
+            <a:ext cx="2743200" cy="365125"/>
+          </a:xfrm>
+        </p:spPr>
+        <p:txBody>
+          <a:bodyPr/>
+          <a:lstStyle/>
+          <a:p>
+            <a:r>
+              <a:rPr lang="en-US" dirty="0"/>
+              <a:t>20XX</a:t>
+            </a:r>
+          </a:p>
+        </p:txBody>
+      </p:sp>
+      <p:sp>
+        <p:nvSpPr>
+          <p:cNvPr id="57" name="Footer Placeholder 56">
+            <a:extLst>
+              <a:ext uri="{FF2B5EF4-FFF2-40B4-BE49-F238E27FC236}">
+                <a16:creationId xmlns:a16="http://schemas.microsoft.com/office/drawing/2014/main" id="{3A38BE84-957B-46B9-A315-4B5064DFF1A1}"/>
+              </a:ext>
+            </a:extLst>
+          </p:cNvPr>
+          <p:cNvSpPr>
+            <a:spLocks noGrp="1"/>
+          </p:cNvSpPr>
+          <p:nvPr>
+            <p:ph type="ftr" sz="quarter" idx="11"/>
+          </p:nvPr>
+        </p:nvSpPr>
+        <p:spPr>
+          <a:xfrm>
+            <a:off x="4038600" y="6356350"/>
+            <a:ext cx="4114800" cy="365125"/>
+          </a:xfrm>
+        </p:spPr>
+        <p:txBody>
+          <a:bodyPr/>
+          <a:lstStyle/>
+          <a:p>
+            <a:r>
+              <a:rPr lang="en-US" dirty="0"/>
+              <a:t>PRESENTATION TITLE</a:t>
+            </a:r>
+          </a:p>
+        </p:txBody>
+      </p:sp>
+      <p:sp>
+        <p:nvSpPr>
+          <p:cNvPr id="58" name="Slide Number Placeholder 57">
+            <a:extLst>
+              <a:ext uri="{FF2B5EF4-FFF2-40B4-BE49-F238E27FC236}">
+                <a16:creationId xmlns:a16="http://schemas.microsoft.com/office/drawing/2014/main" id="{E1900601-8B04-4FF3-B06F-6BEFAC6556D3}"/>
+              </a:ext>
+            </a:extLst>
+          </p:cNvPr>
+          <p:cNvSpPr>
+            <a:spLocks noGrp="1"/>
+          </p:cNvSpPr>
+          <p:nvPr>
+            <p:ph type="sldNum" sz="quarter" idx="12"/>
+          </p:nvPr>
+        </p:nvSpPr>
+        <p:spPr>
+          <a:xfrm>
+            <a:off x="8610600" y="6356350"/>
+            <a:ext cx="2743200" cy="365125"/>
+          </a:xfrm>
+        </p:spPr>
+        <p:txBody>
+          <a:bodyPr/>
+          <a:lstStyle/>
+          <a:p>
+            <a:fld id="{A49DFD55-3C28-40EF-9E31-A92D2E4017FF}" type="slidenum">
+              <a:rPr lang="en-US" smtClean="0"/>
+              <a:pPr/>
+              <a:t>12</a:t>
             </a:fld>
             <a:endParaRPr lang="en-US" dirty="0"/>
           </a:p>
@@ -13183,10 +13408,47 @@
       </p:grpSpPr>
       <p:sp>
         <p:nvSpPr>
+          <p:cNvPr id="7" name="Title 6">
+            <a:extLst>
+              <a:ext uri="{FF2B5EF4-FFF2-40B4-BE49-F238E27FC236}">
+                <a16:creationId xmlns:a16="http://schemas.microsoft.com/office/drawing/2014/main" id="{2BA83E65-B8F7-FA84-AFA1-48726ED2ABEE}"/>
+              </a:ext>
+            </a:extLst>
+          </p:cNvPr>
+          <p:cNvSpPr>
+            <a:spLocks noGrp="1"/>
+          </p:cNvSpPr>
+          <p:nvPr>
+            <p:ph type="title"/>
+          </p:nvPr>
+        </p:nvSpPr>
+        <p:spPr/>
+        <p:txBody>
+          <a:bodyPr>
+            <a:normAutofit/>
+          </a:bodyPr>
+          <a:lstStyle/>
+          <a:p>
+            <a:r>
+              <a:rPr lang="en-US" sz="2800" dirty="0"/>
+              <a:t>Hardware System</a:t>
+            </a:r>
+            <a:br>
+              <a:rPr lang="en-US" sz="2800" dirty="0"/>
+            </a:br>
+            <a:br>
+              <a:rPr lang="en-US" sz="2800" dirty="0"/>
+            </a:br>
+            <a:endParaRPr lang="en-US" dirty="0"/>
+          </a:p>
+        </p:txBody>
+      </p:sp>
+      <p:sp>
+        <p:nvSpPr>
           <p:cNvPr id="4" name="Date Placeholder 3">
             <a:extLst>
               <a:ext uri="{FF2B5EF4-FFF2-40B4-BE49-F238E27FC236}">
-                <a16:creationId xmlns:a16="http://schemas.microsoft.com/office/drawing/2014/main" id="{DA53D834-F1E2-4848-8093-D412A7B081AF}"/>
+                <a16:creationId xmlns:a16="http://schemas.microsoft.com/office/drawing/2014/main" id="{9D6A1131-4F63-0395-48AC-E10515A26265}"/>
               </a:ext>
             </a:extLst>
           </p:cNvPr>
@@ -13197,20 +13459,16 @@
             <p:ph type="dt" sz="half" idx="10"/>
           </p:nvPr>
         </p:nvSpPr>
-        <p:spPr>
-          <a:xfrm>
-            <a:off x="4676774" y="6356350"/>
-            <a:ext cx="1695450" cy="365125"/>
-          </a:xfrm>
-        </p:spPr>
+        <p:spPr/>
         <p:txBody>
           <a:bodyPr/>
           <a:lstStyle/>
           <a:p>
             <a:r>
-              <a:rPr lang="en-US" dirty="0"/>
+              <a:rPr lang="en-US"/>
               <a:t>20XX</a:t>
             </a:r>
+            <a:endParaRPr lang="en-US" dirty="0"/>
           </a:p>
         </p:txBody>
       </p:sp>
@@ -13219,7 +13477,7 @@
           <p:cNvPr id="5" name="Footer Placeholder 4">
             <a:extLst>
               <a:ext uri="{FF2B5EF4-FFF2-40B4-BE49-F238E27FC236}">
-                <a16:creationId xmlns:a16="http://schemas.microsoft.com/office/drawing/2014/main" id="{3555A49C-96F4-440D-B89E-A0AE94F70108}"/>
+                <a16:creationId xmlns:a16="http://schemas.microsoft.com/office/drawing/2014/main" id="{9864B95A-EB4E-A6E6-5F78-B9D9CAB6B7A2}"/>
               </a:ext>
             </a:extLst>
           </p:cNvPr>
@@ -13230,20 +13488,16 @@
             <p:ph type="ftr" sz="quarter" idx="11"/>
           </p:nvPr>
         </p:nvSpPr>
-        <p:spPr>
-          <a:xfrm>
-            <a:off x="6743699" y="6356350"/>
-            <a:ext cx="2543175" cy="365125"/>
-          </a:xfrm>
-        </p:spPr>
+        <p:spPr/>
         <p:txBody>
           <a:bodyPr/>
           <a:lstStyle/>
           <a:p>
             <a:r>
-              <a:rPr lang="en-US" dirty="0"/>
+              <a:rPr lang="en-US"/>
               <a:t>PRESENTATION TITLE</a:t>
             </a:r>
+            <a:endParaRPr lang="en-US" dirty="0"/>
           </a:p>
         </p:txBody>
       </p:sp>
@@ -13252,7 +13506,7 @@
           <p:cNvPr id="6" name="Slide Number Placeholder 5">
             <a:extLst>
               <a:ext uri="{FF2B5EF4-FFF2-40B4-BE49-F238E27FC236}">
-                <a16:creationId xmlns:a16="http://schemas.microsoft.com/office/drawing/2014/main" id="{F2A39FA3-9AE3-4689-A469-B7D2DFCCC2D9}"/>
+                <a16:creationId xmlns:a16="http://schemas.microsoft.com/office/drawing/2014/main" id="{21E96144-970F-2F95-BC15-C77A16B27C71}"/>
               </a:ext>
             </a:extLst>
           </p:cNvPr>
@@ -13263,12 +13517,7 @@
             <p:ph type="sldNum" sz="quarter" idx="12"/>
           </p:nvPr>
         </p:nvSpPr>
-        <p:spPr>
-          <a:xfrm>
-            <a:off x="9658350" y="6356350"/>
-            <a:ext cx="1695450" cy="365125"/>
-          </a:xfrm>
-        </p:spPr>
+        <p:spPr/>
         <p:txBody>
           <a:bodyPr/>
           <a:lstStyle/>
@@ -13284,10 +13533,10 @@
       </p:sp>
       <p:pic>
         <p:nvPicPr>
-          <p:cNvPr id="7" name="Picture 6">
-            <a:extLst>
-              <a:ext uri="{FF2B5EF4-FFF2-40B4-BE49-F238E27FC236}">
-                <a16:creationId xmlns:a16="http://schemas.microsoft.com/office/drawing/2014/main" id="{96425852-C763-424D-A32A-2288328A3A8A}"/>
+          <p:cNvPr id="12" name="Picture 11">
+            <a:extLst>
+              <a:ext uri="{FF2B5EF4-FFF2-40B4-BE49-F238E27FC236}">
+                <a16:creationId xmlns:a16="http://schemas.microsoft.com/office/drawing/2014/main" id="{118980E0-C617-0720-8BAE-73A1A95C39E9}"/>
               </a:ext>
             </a:extLst>
           </p:cNvPr>
@@ -13304,51 +13553,18 @@
         </p:blipFill>
         <p:spPr>
           <a:xfrm>
-            <a:off x="4676774" y="365760"/>
-            <a:ext cx="7405567" cy="6258560"/>
+            <a:off x="1371600" y="786391"/>
+            <a:ext cx="9448800" cy="5569959"/>
           </a:xfrm>
           <a:prstGeom prst="rect">
             <a:avLst/>
           </a:prstGeom>
         </p:spPr>
       </p:pic>
-      <p:sp>
-        <p:nvSpPr>
-          <p:cNvPr id="2" name="Title 1">
-            <a:extLst>
-              <a:ext uri="{FF2B5EF4-FFF2-40B4-BE49-F238E27FC236}">
-                <a16:creationId xmlns:a16="http://schemas.microsoft.com/office/drawing/2014/main" id="{D94A2CD4-732A-43E4-BCB9-CBA2055E0AC6}"/>
-              </a:ext>
-            </a:extLst>
-          </p:cNvPr>
-          <p:cNvSpPr>
-            <a:spLocks noGrp="1"/>
-          </p:cNvSpPr>
-          <p:nvPr>
-            <p:ph type="title"/>
-          </p:nvPr>
-        </p:nvSpPr>
-        <p:spPr>
-          <a:xfrm>
-            <a:off x="6096000" y="-1340962"/>
-            <a:ext cx="6696075" cy="1909763"/>
-          </a:xfrm>
-        </p:spPr>
-        <p:txBody>
-          <a:bodyPr/>
-          <a:lstStyle/>
-          <a:p>
-            <a:r>
-              <a:rPr lang="en-US" dirty="0"/>
-              <a:t>Architecture and Design</a:t>
-            </a:r>
-          </a:p>
-        </p:txBody>
-      </p:sp>
     </p:spTree>
     <p:extLst>
       <p:ext uri="{BB962C8B-B14F-4D97-AF65-F5344CB8AC3E}">
-        <p14:creationId xmlns:p14="http://schemas.microsoft.com/office/powerpoint/2010/main" val="1850918978"/>
+        <p14:creationId xmlns:p14="http://schemas.microsoft.com/office/powerpoint/2010/main" val="516475113"/>
       </p:ext>
     </p:extLst>
   </p:cSld>
@@ -14150,15 +14366,6 @@
 </file>
 
 <file path=customXml/item1.xml><?xml version="1.0" encoding="utf-8"?>
-<?mso-contentType ?>
-<FormTemplates xmlns="http://schemas.microsoft.com/sharepoint/v3/contenttype/forms">
-  <Display>DocumentLibraryForm</Display>
-  <Edit>DocumentLibraryForm</Edit>
-  <New>DocumentLibraryForm</New>
-</FormTemplates>
-</file>
-
-<file path=customXml/item2.xml><?xml version="1.0" encoding="utf-8"?>
 <p:properties xmlns:p="http://schemas.microsoft.com/office/2006/metadata/properties" xmlns:xsi="http://www.w3.org/2001/XMLSchema-instance" xmlns:pc="http://schemas.microsoft.com/office/infopath/2007/PartnerControls">
   <documentManagement>
     <_ip_UnifiedCompliancePolicyUIAction xmlns="http://schemas.microsoft.com/sharepoint/v3" xsi:nil="true"/>
@@ -14175,6 +14382,15 @@
     <MediaServiceKeyPoints xmlns="71af3243-3dd4-4a8d-8c0d-dd76da1f02a5" xsi:nil="true"/>
   </documentManagement>
 </p:properties>
+</file>
+
+<file path=customXml/item2.xml><?xml version="1.0" encoding="utf-8"?>
+<?mso-contentType ?>
+<FormTemplates xmlns="http://schemas.microsoft.com/sharepoint/v3/contenttype/forms">
+  <Display>DocumentLibraryForm</Display>
+  <Edit>DocumentLibraryForm</Edit>
+  <New>DocumentLibraryForm</New>
+</FormTemplates>
 </file>
 
 <file path=customXml/item3.xml><?xml version="1.0" encoding="utf-8"?>
@@ -14454,14 +14670,6 @@
 </file>
 
 <file path=customXml/itemProps1.xml><?xml version="1.0" encoding="utf-8"?>
-<ds:datastoreItem xmlns:ds="http://schemas.openxmlformats.org/officeDocument/2006/customXml" ds:itemID="{0FD6FE22-81A0-4500-AFD0-342D21BB9A2C}">
-  <ds:schemaRefs>
-    <ds:schemaRef ds:uri="http://schemas.microsoft.com/sharepoint/v3/contenttype/forms"/>
-  </ds:schemaRefs>
-</ds:datastoreItem>
-</file>
-
-<file path=customXml/itemProps2.xml><?xml version="1.0" encoding="utf-8"?>
 <ds:datastoreItem xmlns:ds="http://schemas.openxmlformats.org/officeDocument/2006/customXml" ds:itemID="{29C43685-694E-4579-B109-3C418D49DA65}">
   <ds:schemaRefs>
     <ds:schemaRef ds:uri="http://schemas.microsoft.com/office/2006/metadata/properties"/>
@@ -14469,6 +14677,14 @@
     <ds:schemaRef ds:uri="http://schemas.microsoft.com/sharepoint/v3"/>
     <ds:schemaRef ds:uri="71af3243-3dd4-4a8d-8c0d-dd76da1f02a5"/>
     <ds:schemaRef ds:uri="230e9df3-be65-4c73-a93b-d1236ebd677e"/>
+  </ds:schemaRefs>
+</ds:datastoreItem>
+</file>
+
+<file path=customXml/itemProps2.xml><?xml version="1.0" encoding="utf-8"?>
+<ds:datastoreItem xmlns:ds="http://schemas.openxmlformats.org/officeDocument/2006/customXml" ds:itemID="{0FD6FE22-81A0-4500-AFD0-342D21BB9A2C}">
+  <ds:schemaRefs>
+    <ds:schemaRef ds:uri="http://schemas.microsoft.com/sharepoint/v3/contenttype/forms"/>
   </ds:schemaRefs>
 </ds:datastoreItem>
 </file>

--- a/System Documentation/Open Sesame.pptx
+++ b/System Documentation/Open Sesame.pptx
@@ -5,10 +5,10 @@
     <p:sldMasterId id="2147483648" r:id="rId4"/>
   </p:sldMasterIdLst>
   <p:notesMasterIdLst>
-    <p:notesMasterId r:id="rId17"/>
+    <p:notesMasterId r:id="rId18"/>
   </p:notesMasterIdLst>
   <p:handoutMasterIdLst>
-    <p:handoutMasterId r:id="rId18"/>
+    <p:handoutMasterId r:id="rId19"/>
   </p:handoutMasterIdLst>
   <p:sldIdLst>
     <p:sldId id="256" r:id="rId5"/>
@@ -19,10 +19,11 @@
     <p:sldId id="269" r:id="rId10"/>
     <p:sldId id="272" r:id="rId11"/>
     <p:sldId id="265" r:id="rId12"/>
-    <p:sldId id="274" r:id="rId13"/>
-    <p:sldId id="273" r:id="rId14"/>
-    <p:sldId id="264" r:id="rId15"/>
-    <p:sldId id="263" r:id="rId16"/>
+    <p:sldId id="273" r:id="rId13"/>
+    <p:sldId id="274" r:id="rId14"/>
+    <p:sldId id="275" r:id="rId15"/>
+    <p:sldId id="264" r:id="rId16"/>
+    <p:sldId id="263" r:id="rId17"/>
   </p:sldIdLst>
   <p:sldSz cx="12192000" cy="6858000"/>
   <p:notesSz cx="6858000" cy="9144000"/>
@@ -226,7 +227,7 @@
           <a:p>
             <a:fld id="{B56F32FC-4BD9-442A-A8C6-51598C909FE3}" type="datetimeFigureOut">
               <a:rPr lang="en-US" smtClean="0"/>
-              <a:t>11/13/2022</a:t>
+              <a:t>11/14/2022</a:t>
             </a:fld>
             <a:endParaRPr lang="en-US" dirty="0"/>
           </a:p>
@@ -403,7 +404,7 @@
           <a:p>
             <a:fld id="{056371FA-A98D-41E8-93F4-09945841298A}" type="datetimeFigureOut">
               <a:rPr lang="en-US" smtClean="0"/>
-              <a:t>11/13/2022</a:t>
+              <a:t>11/14/2022</a:t>
             </a:fld>
             <a:endParaRPr lang="en-US" dirty="0"/>
           </a:p>
@@ -9615,10 +9616,47 @@
       </p:grpSpPr>
       <p:sp>
         <p:nvSpPr>
+          <p:cNvPr id="7" name="Title 6">
+            <a:extLst>
+              <a:ext uri="{FF2B5EF4-FFF2-40B4-BE49-F238E27FC236}">
+                <a16:creationId xmlns:a16="http://schemas.microsoft.com/office/drawing/2014/main" id="{2BA83E65-B8F7-FA84-AFA1-48726ED2ABEE}"/>
+              </a:ext>
+            </a:extLst>
+          </p:cNvPr>
+          <p:cNvSpPr>
+            <a:spLocks noGrp="1"/>
+          </p:cNvSpPr>
+          <p:nvPr>
+            <p:ph type="title"/>
+          </p:nvPr>
+        </p:nvSpPr>
+        <p:spPr/>
+        <p:txBody>
+          <a:bodyPr>
+            <a:normAutofit/>
+          </a:bodyPr>
+          <a:lstStyle/>
+          <a:p>
+            <a:r>
+              <a:rPr lang="en-US" sz="2800" dirty="0"/>
+              <a:t>Hardware System</a:t>
+            </a:r>
+            <a:br>
+              <a:rPr lang="en-US" sz="2800" dirty="0"/>
+            </a:br>
+            <a:br>
+              <a:rPr lang="en-US" sz="2800" dirty="0"/>
+            </a:br>
+            <a:endParaRPr lang="en-US" dirty="0"/>
+          </a:p>
+        </p:txBody>
+      </p:sp>
+      <p:sp>
+        <p:nvSpPr>
           <p:cNvPr id="4" name="Date Placeholder 3">
             <a:extLst>
               <a:ext uri="{FF2B5EF4-FFF2-40B4-BE49-F238E27FC236}">
-                <a16:creationId xmlns:a16="http://schemas.microsoft.com/office/drawing/2014/main" id="{DA53D834-F1E2-4848-8093-D412A7B081AF}"/>
+                <a16:creationId xmlns:a16="http://schemas.microsoft.com/office/drawing/2014/main" id="{9D6A1131-4F63-0395-48AC-E10515A26265}"/>
               </a:ext>
             </a:extLst>
           </p:cNvPr>
@@ -9629,20 +9667,16 @@
             <p:ph type="dt" sz="half" idx="10"/>
           </p:nvPr>
         </p:nvSpPr>
-        <p:spPr>
-          <a:xfrm>
-            <a:off x="4676774" y="6356350"/>
-            <a:ext cx="1695450" cy="365125"/>
-          </a:xfrm>
-        </p:spPr>
+        <p:spPr/>
         <p:txBody>
           <a:bodyPr/>
           <a:lstStyle/>
           <a:p>
             <a:r>
-              <a:rPr lang="en-US" dirty="0"/>
+              <a:rPr lang="en-US"/>
               <a:t>20XX</a:t>
             </a:r>
+            <a:endParaRPr lang="en-US" dirty="0"/>
           </a:p>
         </p:txBody>
       </p:sp>
@@ -9651,7 +9685,7 @@
           <p:cNvPr id="5" name="Footer Placeholder 4">
             <a:extLst>
               <a:ext uri="{FF2B5EF4-FFF2-40B4-BE49-F238E27FC236}">
-                <a16:creationId xmlns:a16="http://schemas.microsoft.com/office/drawing/2014/main" id="{3555A49C-96F4-440D-B89E-A0AE94F70108}"/>
+                <a16:creationId xmlns:a16="http://schemas.microsoft.com/office/drawing/2014/main" id="{9864B95A-EB4E-A6E6-5F78-B9D9CAB6B7A2}"/>
               </a:ext>
             </a:extLst>
           </p:cNvPr>
@@ -9662,20 +9696,16 @@
             <p:ph type="ftr" sz="quarter" idx="11"/>
           </p:nvPr>
         </p:nvSpPr>
-        <p:spPr>
-          <a:xfrm>
-            <a:off x="6743699" y="6356350"/>
-            <a:ext cx="2543175" cy="365125"/>
-          </a:xfrm>
-        </p:spPr>
+        <p:spPr/>
         <p:txBody>
           <a:bodyPr/>
           <a:lstStyle/>
           <a:p>
             <a:r>
-              <a:rPr lang="en-US" dirty="0"/>
+              <a:rPr lang="en-US"/>
               <a:t>PRESENTATION TITLE</a:t>
             </a:r>
+            <a:endParaRPr lang="en-US" dirty="0"/>
           </a:p>
         </p:txBody>
       </p:sp>
@@ -9684,7 +9714,7 @@
           <p:cNvPr id="6" name="Slide Number Placeholder 5">
             <a:extLst>
               <a:ext uri="{FF2B5EF4-FFF2-40B4-BE49-F238E27FC236}">
-                <a16:creationId xmlns:a16="http://schemas.microsoft.com/office/drawing/2014/main" id="{F2A39FA3-9AE3-4689-A469-B7D2DFCCC2D9}"/>
+                <a16:creationId xmlns:a16="http://schemas.microsoft.com/office/drawing/2014/main" id="{21E96144-970F-2F95-BC15-C77A16B27C71}"/>
               </a:ext>
             </a:extLst>
           </p:cNvPr>
@@ -9695,12 +9725,7 @@
             <p:ph type="sldNum" sz="quarter" idx="12"/>
           </p:nvPr>
         </p:nvSpPr>
-        <p:spPr>
-          <a:xfrm>
-            <a:off x="9658350" y="6356350"/>
-            <a:ext cx="1695450" cy="365125"/>
-          </a:xfrm>
-        </p:spPr>
+        <p:spPr/>
         <p:txBody>
           <a:bodyPr/>
           <a:lstStyle/>
@@ -9716,10 +9741,10 @@
       </p:sp>
       <p:pic>
         <p:nvPicPr>
-          <p:cNvPr id="7" name="Picture 6">
-            <a:extLst>
-              <a:ext uri="{FF2B5EF4-FFF2-40B4-BE49-F238E27FC236}">
-                <a16:creationId xmlns:a16="http://schemas.microsoft.com/office/drawing/2014/main" id="{96425852-C763-424D-A32A-2288328A3A8A}"/>
+          <p:cNvPr id="12" name="Picture 11">
+            <a:extLst>
+              <a:ext uri="{FF2B5EF4-FFF2-40B4-BE49-F238E27FC236}">
+                <a16:creationId xmlns:a16="http://schemas.microsoft.com/office/drawing/2014/main" id="{118980E0-C617-0720-8BAE-73A1A95C39E9}"/>
               </a:ext>
             </a:extLst>
           </p:cNvPr>
@@ -9736,8 +9761,8 @@
         </p:blipFill>
         <p:spPr>
           <a:xfrm>
-            <a:off x="4864100" y="581860"/>
-            <a:ext cx="7186491" cy="6073415"/>
+            <a:off x="3182586" y="1270000"/>
+            <a:ext cx="8628413" cy="5086350"/>
           </a:xfrm>
           <a:prstGeom prst="rect">
             <a:avLst/>
@@ -9746,71 +9771,67 @@
       </p:pic>
       <p:sp>
         <p:nvSpPr>
-          <p:cNvPr id="2" name="Title 1">
-            <a:extLst>
-              <a:ext uri="{FF2B5EF4-FFF2-40B4-BE49-F238E27FC236}">
-                <a16:creationId xmlns:a16="http://schemas.microsoft.com/office/drawing/2014/main" id="{D94A2CD4-732A-43E4-BCB9-CBA2055E0AC6}"/>
-              </a:ext>
-            </a:extLst>
-          </p:cNvPr>
-          <p:cNvSpPr>
-            <a:spLocks noGrp="1"/>
-          </p:cNvSpPr>
-          <p:nvPr>
-            <p:ph type="title"/>
-          </p:nvPr>
-        </p:nvSpPr>
-        <p:spPr>
-          <a:xfrm>
-            <a:off x="6096000" y="-1340962"/>
-            <a:ext cx="6696075" cy="1909763"/>
-          </a:xfrm>
-        </p:spPr>
-        <p:txBody>
-          <a:bodyPr/>
-          <a:lstStyle/>
-          <a:p>
-            <a:r>
-              <a:rPr lang="en-US" dirty="0"/>
-              <a:t>Android App</a:t>
-            </a:r>
-          </a:p>
-        </p:txBody>
-      </p:sp>
-      <p:pic>
-        <p:nvPicPr>
-          <p:cNvPr id="9" name="Picture 8">
-            <a:extLst>
-              <a:ext uri="{FF2B5EF4-FFF2-40B4-BE49-F238E27FC236}">
-                <a16:creationId xmlns:a16="http://schemas.microsoft.com/office/drawing/2014/main" id="{4ED1DD61-0511-4351-60AD-862A5111EC3D}"/>
-              </a:ext>
-            </a:extLst>
-          </p:cNvPr>
-          <p:cNvPicPr>
-            <a:picLocks noChangeAspect="1"/>
-          </p:cNvPicPr>
+          <p:cNvPr id="2" name="TextBox 1">
+            <a:extLst>
+              <a:ext uri="{FF2B5EF4-FFF2-40B4-BE49-F238E27FC236}">
+                <a16:creationId xmlns:a16="http://schemas.microsoft.com/office/drawing/2014/main" id="{BDAA883B-5560-A713-6036-E1B0D718C589}"/>
+              </a:ext>
+            </a:extLst>
+          </p:cNvPr>
+          <p:cNvSpPr txBox="1"/>
           <p:nvPr/>
-        </p:nvPicPr>
-        <p:blipFill>
-          <a:blip r:embed="rId3"/>
-          <a:stretch>
-            <a:fillRect/>
-          </a:stretch>
-        </p:blipFill>
-        <p:spPr>
-          <a:xfrm>
-            <a:off x="271584" y="152400"/>
-            <a:ext cx="2892381" cy="3810000"/>
+        </p:nvSpPr>
+        <p:spPr>
+          <a:xfrm>
+            <a:off x="251014" y="1635919"/>
+            <a:ext cx="2931572" cy="923330"/>
           </a:xfrm>
           <a:prstGeom prst="rect">
             <a:avLst/>
           </a:prstGeom>
-        </p:spPr>
-      </p:pic>
+          <a:noFill/>
+        </p:spPr>
+        <p:txBody>
+          <a:bodyPr wrap="none" rtlCol="0">
+            <a:spAutoFit/>
+          </a:bodyPr>
+          <a:lstStyle/>
+          <a:p>
+            <a:pPr marL="285750" indent="-285750">
+              <a:buFont typeface="Arial" panose="020B0604020202020204" pitchFamily="34" charset="0"/>
+              <a:buChar char="•"/>
+            </a:pPr>
+            <a:r>
+              <a:rPr lang="en-US" dirty="0"/>
+              <a:t>Arduino Uno</a:t>
+            </a:r>
+          </a:p>
+          <a:p>
+            <a:pPr marL="285750" indent="-285750">
+              <a:buFont typeface="Arial" panose="020B0604020202020204" pitchFamily="34" charset="0"/>
+              <a:buChar char="•"/>
+            </a:pPr>
+            <a:r>
+              <a:rPr lang="en-US" dirty="0"/>
+              <a:t>4 Servo motor</a:t>
+            </a:r>
+          </a:p>
+          <a:p>
+            <a:pPr marL="285750" indent="-285750">
+              <a:buFont typeface="Arial" panose="020B0604020202020204" pitchFamily="34" charset="0"/>
+              <a:buChar char="•"/>
+            </a:pPr>
+            <a:r>
+              <a:rPr lang="en-US" dirty="0"/>
+              <a:t>HC-06 Bluetooth module</a:t>
+            </a:r>
+          </a:p>
+        </p:txBody>
+      </p:sp>
     </p:spTree>
     <p:extLst>
       <p:ext uri="{BB962C8B-B14F-4D97-AF65-F5344CB8AC3E}">
-        <p14:creationId xmlns:p14="http://schemas.microsoft.com/office/powerpoint/2010/main" val="1850918978"/>
+        <p14:creationId xmlns:p14="http://schemas.microsoft.com/office/powerpoint/2010/main" val="982439714"/>
       </p:ext>
     </p:extLst>
   </p:cSld>
@@ -9839,10 +9860,10 @@
       </p:grpSpPr>
       <p:sp>
         <p:nvSpPr>
-          <p:cNvPr id="2" name="Title 1">
-            <a:extLst>
-              <a:ext uri="{FF2B5EF4-FFF2-40B4-BE49-F238E27FC236}">
-                <a16:creationId xmlns:a16="http://schemas.microsoft.com/office/drawing/2014/main" id="{4F6A2D15-4D68-4BF7-9421-032AE6C8852C}"/>
+          <p:cNvPr id="7" name="Title 6">
+            <a:extLst>
+              <a:ext uri="{FF2B5EF4-FFF2-40B4-BE49-F238E27FC236}">
+                <a16:creationId xmlns:a16="http://schemas.microsoft.com/office/drawing/2014/main" id="{75B9EB30-4349-4946-536B-CC5FA040E4FD}"/>
               </a:ext>
             </a:extLst>
           </p:cNvPr>
@@ -9853,29 +9874,24 @@
             <p:ph type="title"/>
           </p:nvPr>
         </p:nvSpPr>
-        <p:spPr>
-          <a:xfrm>
-            <a:off x="1885156" y="892177"/>
-            <a:ext cx="8421688" cy="1325563"/>
-          </a:xfrm>
-        </p:spPr>
+        <p:spPr/>
         <p:txBody>
           <a:bodyPr/>
           <a:lstStyle/>
           <a:p>
             <a:r>
               <a:rPr lang="en-US" dirty="0"/>
-              <a:t>Website</a:t>
-            </a:r>
-          </a:p>
-        </p:txBody>
-      </p:sp>
-      <p:sp>
-        <p:nvSpPr>
-          <p:cNvPr id="23" name="Date Placeholder 22">
-            <a:extLst>
-              <a:ext uri="{FF2B5EF4-FFF2-40B4-BE49-F238E27FC236}">
-                <a16:creationId xmlns:a16="http://schemas.microsoft.com/office/drawing/2014/main" id="{637DEDF5-3FCD-4BC2-86A5-7BE2BF01EA38}"/>
+              <a:t>Arduino Code</a:t>
+            </a:r>
+          </a:p>
+        </p:txBody>
+      </p:sp>
+      <p:sp>
+        <p:nvSpPr>
+          <p:cNvPr id="4" name="Date Placeholder 3">
+            <a:extLst>
+              <a:ext uri="{FF2B5EF4-FFF2-40B4-BE49-F238E27FC236}">
+                <a16:creationId xmlns:a16="http://schemas.microsoft.com/office/drawing/2014/main" id="{F74591BE-AAF9-7E65-1F95-7A16B17C9562}"/>
               </a:ext>
             </a:extLst>
           </p:cNvPr>
@@ -9886,29 +9902,24 @@
             <p:ph type="dt" sz="half" idx="10"/>
           </p:nvPr>
         </p:nvSpPr>
-        <p:spPr>
-          <a:xfrm>
-            <a:off x="838200" y="6356350"/>
-            <a:ext cx="2743200" cy="365125"/>
-          </a:xfrm>
-        </p:spPr>
+        <p:spPr/>
         <p:txBody>
           <a:bodyPr/>
           <a:lstStyle/>
           <a:p>
             <a:r>
               <a:rPr lang="en-US" dirty="0"/>
-              <a:t>20XX</a:t>
-            </a:r>
-          </a:p>
-        </p:txBody>
-      </p:sp>
-      <p:sp>
-        <p:nvSpPr>
-          <p:cNvPr id="24" name="Footer Placeholder 23">
-            <a:extLst>
-              <a:ext uri="{FF2B5EF4-FFF2-40B4-BE49-F238E27FC236}">
-                <a16:creationId xmlns:a16="http://schemas.microsoft.com/office/drawing/2014/main" id="{918C3C97-444D-4600-8553-B9C4C1F8483B}"/>
+              <a:t>Fall 2022</a:t>
+            </a:r>
+          </a:p>
+        </p:txBody>
+      </p:sp>
+      <p:sp>
+        <p:nvSpPr>
+          <p:cNvPr id="5" name="Footer Placeholder 4">
+            <a:extLst>
+              <a:ext uri="{FF2B5EF4-FFF2-40B4-BE49-F238E27FC236}">
+                <a16:creationId xmlns:a16="http://schemas.microsoft.com/office/drawing/2014/main" id="{2582C329-FA2D-E416-9DE7-0A5F0BB7BE32}"/>
               </a:ext>
             </a:extLst>
           </p:cNvPr>
@@ -9919,29 +9930,24 @@
             <p:ph type="ftr" sz="quarter" idx="11"/>
           </p:nvPr>
         </p:nvSpPr>
-        <p:spPr>
-          <a:xfrm>
-            <a:off x="4038600" y="6356350"/>
-            <a:ext cx="4114800" cy="365125"/>
-          </a:xfrm>
-        </p:spPr>
+        <p:spPr/>
         <p:txBody>
           <a:bodyPr/>
           <a:lstStyle/>
           <a:p>
             <a:r>
               <a:rPr lang="en-US" dirty="0"/>
-              <a:t>PRESENTATION TITLE</a:t>
-            </a:r>
-          </a:p>
-        </p:txBody>
-      </p:sp>
-      <p:sp>
-        <p:nvSpPr>
-          <p:cNvPr id="25" name="Slide Number Placeholder 24">
-            <a:extLst>
-              <a:ext uri="{FF2B5EF4-FFF2-40B4-BE49-F238E27FC236}">
-                <a16:creationId xmlns:a16="http://schemas.microsoft.com/office/drawing/2014/main" id="{148E9129-4CC6-47BA-ACD8-2C632A8660EC}"/>
+              <a:t>Open Sesame</a:t>
+            </a:r>
+          </a:p>
+        </p:txBody>
+      </p:sp>
+      <p:sp>
+        <p:nvSpPr>
+          <p:cNvPr id="6" name="Slide Number Placeholder 5">
+            <a:extLst>
+              <a:ext uri="{FF2B5EF4-FFF2-40B4-BE49-F238E27FC236}">
+                <a16:creationId xmlns:a16="http://schemas.microsoft.com/office/drawing/2014/main" id="{D6C31DC7-B5E1-42DB-5936-72A29A9959CB}"/>
               </a:ext>
             </a:extLst>
           </p:cNvPr>
@@ -9952,12 +9958,7 @@
             <p:ph type="sldNum" sz="quarter" idx="12"/>
           </p:nvPr>
         </p:nvSpPr>
-        <p:spPr>
-          <a:xfrm>
-            <a:off x="8610600" y="6356350"/>
-            <a:ext cx="2743200" cy="365125"/>
-          </a:xfrm>
-        </p:spPr>
+        <p:spPr/>
         <p:txBody>
           <a:bodyPr/>
           <a:lstStyle/>
@@ -9973,10 +9974,10 @@
       </p:sp>
       <p:pic>
         <p:nvPicPr>
-          <p:cNvPr id="43" name="Picture 42">
-            <a:extLst>
-              <a:ext uri="{FF2B5EF4-FFF2-40B4-BE49-F238E27FC236}">
-                <a16:creationId xmlns:a16="http://schemas.microsoft.com/office/drawing/2014/main" id="{BA1CF98E-3EEF-4D6B-94EE-D47613490CFB}"/>
+          <p:cNvPr id="10" name="Picture 9">
+            <a:extLst>
+              <a:ext uri="{FF2B5EF4-FFF2-40B4-BE49-F238E27FC236}">
+                <a16:creationId xmlns:a16="http://schemas.microsoft.com/office/drawing/2014/main" id="{B581149D-A3F3-113F-061D-BBE096F4D7AE}"/>
               </a:ext>
             </a:extLst>
           </p:cNvPr>
@@ -9985,61 +9986,25 @@
           </p:cNvPicPr>
           <p:nvPr/>
         </p:nvPicPr>
-        <p:blipFill>
+        <p:blipFill rotWithShape="1">
           <a:blip r:embed="rId2"/>
-          <a:stretch>
-            <a:fillRect/>
-          </a:stretch>
+          <a:srcRect t="13793" r="9121"/>
+          <a:stretch/>
         </p:blipFill>
         <p:spPr>
           <a:xfrm>
-            <a:off x="3769360" y="2217740"/>
-            <a:ext cx="5080354" cy="3720222"/>
+            <a:off x="1666875" y="1244601"/>
+            <a:ext cx="9261510" cy="4879974"/>
           </a:xfrm>
           <a:prstGeom prst="rect">
             <a:avLst/>
           </a:prstGeom>
         </p:spPr>
       </p:pic>
-      <p:sp>
-        <p:nvSpPr>
-          <p:cNvPr id="44" name="TextBox 43">
-            <a:extLst>
-              <a:ext uri="{FF2B5EF4-FFF2-40B4-BE49-F238E27FC236}">
-                <a16:creationId xmlns:a16="http://schemas.microsoft.com/office/drawing/2014/main" id="{25D5AF7C-A550-4BF6-98D9-B5D9C37945B8}"/>
-              </a:ext>
-            </a:extLst>
-          </p:cNvPr>
-          <p:cNvSpPr txBox="1"/>
-          <p:nvPr/>
-        </p:nvSpPr>
-        <p:spPr>
-          <a:xfrm rot="19480655">
-            <a:off x="3878978" y="2316480"/>
-            <a:ext cx="7319804" cy="1200329"/>
-          </a:xfrm>
-          <a:prstGeom prst="rect">
-            <a:avLst/>
-          </a:prstGeom>
-          <a:noFill/>
-        </p:spPr>
-        <p:txBody>
-          <a:bodyPr wrap="square" rtlCol="0">
-            <a:spAutoFit/>
-          </a:bodyPr>
-          <a:lstStyle/>
-          <a:p>
-            <a:r>
-              <a:rPr lang="en-US" sz="7200" dirty="0"/>
-              <a:t>In Process</a:t>
-            </a:r>
-          </a:p>
-        </p:txBody>
-      </p:sp>
     </p:spTree>
     <p:extLst>
       <p:ext uri="{BB962C8B-B14F-4D97-AF65-F5344CB8AC3E}">
-        <p14:creationId xmlns:p14="http://schemas.microsoft.com/office/powerpoint/2010/main" val="2619301236"/>
+        <p14:creationId xmlns:p14="http://schemas.microsoft.com/office/powerpoint/2010/main" val="4273940783"/>
       </p:ext>
     </p:extLst>
   </p:cSld>
@@ -10071,7 +10036,7 @@
           <p:cNvPr id="2" name="Title 1">
             <a:extLst>
               <a:ext uri="{FF2B5EF4-FFF2-40B4-BE49-F238E27FC236}">
-                <a16:creationId xmlns:a16="http://schemas.microsoft.com/office/drawing/2014/main" id="{42DD0E59-4C68-4F87-9821-23C69713D980}"/>
+                <a16:creationId xmlns:a16="http://schemas.microsoft.com/office/drawing/2014/main" id="{4F6A2D15-4D68-4BF7-9421-032AE6C8852C}"/>
               </a:ext>
             </a:extLst>
           </p:cNvPr>
@@ -10083,8 +10048,8 @@
           </p:nvPr>
         </p:nvSpPr>
         <p:spPr>
-          <a:xfrm rot="19153991">
-            <a:off x="1417797" y="2294257"/>
+          <a:xfrm>
+            <a:off x="1885156" y="892177"/>
             <a:ext cx="8421688" cy="1325563"/>
           </a:xfrm>
         </p:spPr>
@@ -10094,17 +10059,17 @@
           <a:p>
             <a:r>
               <a:rPr lang="en-US" dirty="0"/>
-              <a:t>Any Questions</a:t>
-            </a:r>
-          </a:p>
-        </p:txBody>
-      </p:sp>
-      <p:sp>
-        <p:nvSpPr>
-          <p:cNvPr id="56" name="Date Placeholder 55">
-            <a:extLst>
-              <a:ext uri="{FF2B5EF4-FFF2-40B4-BE49-F238E27FC236}">
-                <a16:creationId xmlns:a16="http://schemas.microsoft.com/office/drawing/2014/main" id="{B289356A-BDA0-4234-84F2-9F2F25D0D7BD}"/>
+              <a:t>Website</a:t>
+            </a:r>
+          </a:p>
+        </p:txBody>
+      </p:sp>
+      <p:sp>
+        <p:nvSpPr>
+          <p:cNvPr id="23" name="Date Placeholder 22">
+            <a:extLst>
+              <a:ext uri="{FF2B5EF4-FFF2-40B4-BE49-F238E27FC236}">
+                <a16:creationId xmlns:a16="http://schemas.microsoft.com/office/drawing/2014/main" id="{637DEDF5-3FCD-4BC2-86A5-7BE2BF01EA38}"/>
               </a:ext>
             </a:extLst>
           </p:cNvPr>
@@ -10134,10 +10099,10 @@
       </p:sp>
       <p:sp>
         <p:nvSpPr>
-          <p:cNvPr id="57" name="Footer Placeholder 56">
-            <a:extLst>
-              <a:ext uri="{FF2B5EF4-FFF2-40B4-BE49-F238E27FC236}">
-                <a16:creationId xmlns:a16="http://schemas.microsoft.com/office/drawing/2014/main" id="{3A38BE84-957B-46B9-A315-4B5064DFF1A1}"/>
+          <p:cNvPr id="24" name="Footer Placeholder 23">
+            <a:extLst>
+              <a:ext uri="{FF2B5EF4-FFF2-40B4-BE49-F238E27FC236}">
+                <a16:creationId xmlns:a16="http://schemas.microsoft.com/office/drawing/2014/main" id="{918C3C97-444D-4600-8553-B9C4C1F8483B}"/>
               </a:ext>
             </a:extLst>
           </p:cNvPr>
@@ -10167,10 +10132,10 @@
       </p:sp>
       <p:sp>
         <p:nvSpPr>
-          <p:cNvPr id="58" name="Slide Number Placeholder 57">
-            <a:extLst>
-              <a:ext uri="{FF2B5EF4-FFF2-40B4-BE49-F238E27FC236}">
-                <a16:creationId xmlns:a16="http://schemas.microsoft.com/office/drawing/2014/main" id="{E1900601-8B04-4FF3-B06F-6BEFAC6556D3}"/>
+          <p:cNvPr id="25" name="Slide Number Placeholder 24">
+            <a:extLst>
+              <a:ext uri="{FF2B5EF4-FFF2-40B4-BE49-F238E27FC236}">
+                <a16:creationId xmlns:a16="http://schemas.microsoft.com/office/drawing/2014/main" id="{148E9129-4CC6-47BA-ACD8-2C632A8660EC}"/>
               </a:ext>
             </a:extLst>
           </p:cNvPr>
@@ -10195,6 +10160,235 @@
               <a:rPr lang="en-US" smtClean="0"/>
               <a:pPr/>
               <a:t>12</a:t>
+            </a:fld>
+            <a:endParaRPr lang="en-US" dirty="0"/>
+          </a:p>
+        </p:txBody>
+      </p:sp>
+      <p:pic>
+        <p:nvPicPr>
+          <p:cNvPr id="43" name="Picture 42">
+            <a:extLst>
+              <a:ext uri="{FF2B5EF4-FFF2-40B4-BE49-F238E27FC236}">
+                <a16:creationId xmlns:a16="http://schemas.microsoft.com/office/drawing/2014/main" id="{BA1CF98E-3EEF-4D6B-94EE-D47613490CFB}"/>
+              </a:ext>
+            </a:extLst>
+          </p:cNvPr>
+          <p:cNvPicPr>
+            <a:picLocks noChangeAspect="1"/>
+          </p:cNvPicPr>
+          <p:nvPr/>
+        </p:nvPicPr>
+        <p:blipFill>
+          <a:blip r:embed="rId2"/>
+          <a:stretch>
+            <a:fillRect/>
+          </a:stretch>
+        </p:blipFill>
+        <p:spPr>
+          <a:xfrm>
+            <a:off x="3769360" y="2217740"/>
+            <a:ext cx="5080354" cy="3720222"/>
+          </a:xfrm>
+          <a:prstGeom prst="rect">
+            <a:avLst/>
+          </a:prstGeom>
+        </p:spPr>
+      </p:pic>
+      <p:sp>
+        <p:nvSpPr>
+          <p:cNvPr id="44" name="TextBox 43">
+            <a:extLst>
+              <a:ext uri="{FF2B5EF4-FFF2-40B4-BE49-F238E27FC236}">
+                <a16:creationId xmlns:a16="http://schemas.microsoft.com/office/drawing/2014/main" id="{25D5AF7C-A550-4BF6-98D9-B5D9C37945B8}"/>
+              </a:ext>
+            </a:extLst>
+          </p:cNvPr>
+          <p:cNvSpPr txBox="1"/>
+          <p:nvPr/>
+        </p:nvSpPr>
+        <p:spPr>
+          <a:xfrm rot="19480655">
+            <a:off x="3878978" y="2316480"/>
+            <a:ext cx="7319804" cy="1200329"/>
+          </a:xfrm>
+          <a:prstGeom prst="rect">
+            <a:avLst/>
+          </a:prstGeom>
+          <a:noFill/>
+        </p:spPr>
+        <p:txBody>
+          <a:bodyPr wrap="square" rtlCol="0">
+            <a:spAutoFit/>
+          </a:bodyPr>
+          <a:lstStyle/>
+          <a:p>
+            <a:r>
+              <a:rPr lang="en-US" sz="7200" dirty="0"/>
+              <a:t>In Process</a:t>
+            </a:r>
+          </a:p>
+        </p:txBody>
+      </p:sp>
+    </p:spTree>
+    <p:extLst>
+      <p:ext uri="{BB962C8B-B14F-4D97-AF65-F5344CB8AC3E}">
+        <p14:creationId xmlns:p14="http://schemas.microsoft.com/office/powerpoint/2010/main" val="2619301236"/>
+      </p:ext>
+    </p:extLst>
+  </p:cSld>
+  <p:clrMapOvr>
+    <a:masterClrMapping/>
+  </p:clrMapOvr>
+</p:sld>
+</file>
+
+<file path=ppt/slides/slide13.xml><?xml version="1.0" encoding="utf-8"?>
+<p:sld xmlns:a="http://schemas.openxmlformats.org/drawingml/2006/main" xmlns:r="http://schemas.openxmlformats.org/officeDocument/2006/relationships" xmlns:p="http://schemas.openxmlformats.org/presentationml/2006/main">
+  <p:cSld>
+    <p:spTree>
+      <p:nvGrpSpPr>
+        <p:cNvPr id="1" name=""/>
+        <p:cNvGrpSpPr/>
+        <p:nvPr/>
+      </p:nvGrpSpPr>
+      <p:grpSpPr>
+        <a:xfrm>
+          <a:off x="0" y="0"/>
+          <a:ext cx="0" cy="0"/>
+          <a:chOff x="0" y="0"/>
+          <a:chExt cx="0" cy="0"/>
+        </a:xfrm>
+      </p:grpSpPr>
+      <p:sp>
+        <p:nvSpPr>
+          <p:cNvPr id="2" name="Title 1">
+            <a:extLst>
+              <a:ext uri="{FF2B5EF4-FFF2-40B4-BE49-F238E27FC236}">
+                <a16:creationId xmlns:a16="http://schemas.microsoft.com/office/drawing/2014/main" id="{42DD0E59-4C68-4F87-9821-23C69713D980}"/>
+              </a:ext>
+            </a:extLst>
+          </p:cNvPr>
+          <p:cNvSpPr>
+            <a:spLocks noGrp="1"/>
+          </p:cNvSpPr>
+          <p:nvPr>
+            <p:ph type="title"/>
+          </p:nvPr>
+        </p:nvSpPr>
+        <p:spPr>
+          <a:xfrm rot="19153991">
+            <a:off x="1417797" y="2294257"/>
+            <a:ext cx="8421688" cy="1325563"/>
+          </a:xfrm>
+        </p:spPr>
+        <p:txBody>
+          <a:bodyPr/>
+          <a:lstStyle/>
+          <a:p>
+            <a:r>
+              <a:rPr lang="en-US" dirty="0"/>
+              <a:t>Any Questions</a:t>
+            </a:r>
+          </a:p>
+        </p:txBody>
+      </p:sp>
+      <p:sp>
+        <p:nvSpPr>
+          <p:cNvPr id="56" name="Date Placeholder 55">
+            <a:extLst>
+              <a:ext uri="{FF2B5EF4-FFF2-40B4-BE49-F238E27FC236}">
+                <a16:creationId xmlns:a16="http://schemas.microsoft.com/office/drawing/2014/main" id="{B289356A-BDA0-4234-84F2-9F2F25D0D7BD}"/>
+              </a:ext>
+            </a:extLst>
+          </p:cNvPr>
+          <p:cNvSpPr>
+            <a:spLocks noGrp="1"/>
+          </p:cNvSpPr>
+          <p:nvPr>
+            <p:ph type="dt" sz="half" idx="10"/>
+          </p:nvPr>
+        </p:nvSpPr>
+        <p:spPr>
+          <a:xfrm>
+            <a:off x="838200" y="6356350"/>
+            <a:ext cx="2743200" cy="365125"/>
+          </a:xfrm>
+        </p:spPr>
+        <p:txBody>
+          <a:bodyPr/>
+          <a:lstStyle/>
+          <a:p>
+            <a:r>
+              <a:rPr lang="en-US" dirty="0"/>
+              <a:t>20XX</a:t>
+            </a:r>
+          </a:p>
+        </p:txBody>
+      </p:sp>
+      <p:sp>
+        <p:nvSpPr>
+          <p:cNvPr id="57" name="Footer Placeholder 56">
+            <a:extLst>
+              <a:ext uri="{FF2B5EF4-FFF2-40B4-BE49-F238E27FC236}">
+                <a16:creationId xmlns:a16="http://schemas.microsoft.com/office/drawing/2014/main" id="{3A38BE84-957B-46B9-A315-4B5064DFF1A1}"/>
+              </a:ext>
+            </a:extLst>
+          </p:cNvPr>
+          <p:cNvSpPr>
+            <a:spLocks noGrp="1"/>
+          </p:cNvSpPr>
+          <p:nvPr>
+            <p:ph type="ftr" sz="quarter" idx="11"/>
+          </p:nvPr>
+        </p:nvSpPr>
+        <p:spPr>
+          <a:xfrm>
+            <a:off x="4038600" y="6356350"/>
+            <a:ext cx="4114800" cy="365125"/>
+          </a:xfrm>
+        </p:spPr>
+        <p:txBody>
+          <a:bodyPr/>
+          <a:lstStyle/>
+          <a:p>
+            <a:r>
+              <a:rPr lang="en-US" dirty="0"/>
+              <a:t>PRESENTATION TITLE</a:t>
+            </a:r>
+          </a:p>
+        </p:txBody>
+      </p:sp>
+      <p:sp>
+        <p:nvSpPr>
+          <p:cNvPr id="58" name="Slide Number Placeholder 57">
+            <a:extLst>
+              <a:ext uri="{FF2B5EF4-FFF2-40B4-BE49-F238E27FC236}">
+                <a16:creationId xmlns:a16="http://schemas.microsoft.com/office/drawing/2014/main" id="{E1900601-8B04-4FF3-B06F-6BEFAC6556D3}"/>
+              </a:ext>
+            </a:extLst>
+          </p:cNvPr>
+          <p:cNvSpPr>
+            <a:spLocks noGrp="1"/>
+          </p:cNvSpPr>
+          <p:nvPr>
+            <p:ph type="sldNum" sz="quarter" idx="12"/>
+          </p:nvPr>
+        </p:nvSpPr>
+        <p:spPr>
+          <a:xfrm>
+            <a:off x="8610600" y="6356350"/>
+            <a:ext cx="2743200" cy="365125"/>
+          </a:xfrm>
+        </p:spPr>
+        <p:txBody>
+          <a:bodyPr/>
+          <a:lstStyle/>
+          <a:p>
+            <a:fld id="{A49DFD55-3C28-40EF-9E31-A92D2E4017FF}" type="slidenum">
+              <a:rPr lang="en-US" smtClean="0"/>
+              <a:pPr/>
+              <a:t>13</a:t>
             </a:fld>
             <a:endParaRPr lang="en-US" dirty="0"/>
           </a:p>
@@ -13408,47 +13602,10 @@
       </p:grpSpPr>
       <p:sp>
         <p:nvSpPr>
-          <p:cNvPr id="7" name="Title 6">
-            <a:extLst>
-              <a:ext uri="{FF2B5EF4-FFF2-40B4-BE49-F238E27FC236}">
-                <a16:creationId xmlns:a16="http://schemas.microsoft.com/office/drawing/2014/main" id="{2BA83E65-B8F7-FA84-AFA1-48726ED2ABEE}"/>
-              </a:ext>
-            </a:extLst>
-          </p:cNvPr>
-          <p:cNvSpPr>
-            <a:spLocks noGrp="1"/>
-          </p:cNvSpPr>
-          <p:nvPr>
-            <p:ph type="title"/>
-          </p:nvPr>
-        </p:nvSpPr>
-        <p:spPr/>
-        <p:txBody>
-          <a:bodyPr>
-            <a:normAutofit/>
-          </a:bodyPr>
-          <a:lstStyle/>
-          <a:p>
-            <a:r>
-              <a:rPr lang="en-US" sz="2800" dirty="0"/>
-              <a:t>Hardware System</a:t>
-            </a:r>
-            <a:br>
-              <a:rPr lang="en-US" sz="2800" dirty="0"/>
-            </a:br>
-            <a:br>
-              <a:rPr lang="en-US" sz="2800" dirty="0"/>
-            </a:br>
-            <a:endParaRPr lang="en-US" dirty="0"/>
-          </a:p>
-        </p:txBody>
-      </p:sp>
-      <p:sp>
-        <p:nvSpPr>
           <p:cNvPr id="4" name="Date Placeholder 3">
             <a:extLst>
               <a:ext uri="{FF2B5EF4-FFF2-40B4-BE49-F238E27FC236}">
-                <a16:creationId xmlns:a16="http://schemas.microsoft.com/office/drawing/2014/main" id="{9D6A1131-4F63-0395-48AC-E10515A26265}"/>
+                <a16:creationId xmlns:a16="http://schemas.microsoft.com/office/drawing/2014/main" id="{DA53D834-F1E2-4848-8093-D412A7B081AF}"/>
               </a:ext>
             </a:extLst>
           </p:cNvPr>
@@ -13459,16 +13616,20 @@
             <p:ph type="dt" sz="half" idx="10"/>
           </p:nvPr>
         </p:nvSpPr>
-        <p:spPr/>
+        <p:spPr>
+          <a:xfrm>
+            <a:off x="4676774" y="6356350"/>
+            <a:ext cx="1695450" cy="365125"/>
+          </a:xfrm>
+        </p:spPr>
         <p:txBody>
           <a:bodyPr/>
           <a:lstStyle/>
           <a:p>
             <a:r>
-              <a:rPr lang="en-US"/>
+              <a:rPr lang="en-US" dirty="0"/>
               <a:t>20XX</a:t>
             </a:r>
-            <a:endParaRPr lang="en-US" dirty="0"/>
           </a:p>
         </p:txBody>
       </p:sp>
@@ -13477,7 +13638,7 @@
           <p:cNvPr id="5" name="Footer Placeholder 4">
             <a:extLst>
               <a:ext uri="{FF2B5EF4-FFF2-40B4-BE49-F238E27FC236}">
-                <a16:creationId xmlns:a16="http://schemas.microsoft.com/office/drawing/2014/main" id="{9864B95A-EB4E-A6E6-5F78-B9D9CAB6B7A2}"/>
+                <a16:creationId xmlns:a16="http://schemas.microsoft.com/office/drawing/2014/main" id="{3555A49C-96F4-440D-B89E-A0AE94F70108}"/>
               </a:ext>
             </a:extLst>
           </p:cNvPr>
@@ -13488,16 +13649,20 @@
             <p:ph type="ftr" sz="quarter" idx="11"/>
           </p:nvPr>
         </p:nvSpPr>
-        <p:spPr/>
+        <p:spPr>
+          <a:xfrm>
+            <a:off x="6743699" y="6356350"/>
+            <a:ext cx="2543175" cy="365125"/>
+          </a:xfrm>
+        </p:spPr>
         <p:txBody>
           <a:bodyPr/>
           <a:lstStyle/>
           <a:p>
             <a:r>
-              <a:rPr lang="en-US"/>
+              <a:rPr lang="en-US" dirty="0"/>
               <a:t>PRESENTATION TITLE</a:t>
             </a:r>
-            <a:endParaRPr lang="en-US" dirty="0"/>
           </a:p>
         </p:txBody>
       </p:sp>
@@ -13506,7 +13671,7 @@
           <p:cNvPr id="6" name="Slide Number Placeholder 5">
             <a:extLst>
               <a:ext uri="{FF2B5EF4-FFF2-40B4-BE49-F238E27FC236}">
-                <a16:creationId xmlns:a16="http://schemas.microsoft.com/office/drawing/2014/main" id="{21E96144-970F-2F95-BC15-C77A16B27C71}"/>
+                <a16:creationId xmlns:a16="http://schemas.microsoft.com/office/drawing/2014/main" id="{F2A39FA3-9AE3-4689-A469-B7D2DFCCC2D9}"/>
               </a:ext>
             </a:extLst>
           </p:cNvPr>
@@ -13517,7 +13682,12 @@
             <p:ph type="sldNum" sz="quarter" idx="12"/>
           </p:nvPr>
         </p:nvSpPr>
-        <p:spPr/>
+        <p:spPr>
+          <a:xfrm>
+            <a:off x="9658350" y="6356350"/>
+            <a:ext cx="1695450" cy="365125"/>
+          </a:xfrm>
+        </p:spPr>
         <p:txBody>
           <a:bodyPr/>
           <a:lstStyle/>
@@ -13533,10 +13703,10 @@
       </p:sp>
       <p:pic>
         <p:nvPicPr>
-          <p:cNvPr id="12" name="Picture 11">
-            <a:extLst>
-              <a:ext uri="{FF2B5EF4-FFF2-40B4-BE49-F238E27FC236}">
-                <a16:creationId xmlns:a16="http://schemas.microsoft.com/office/drawing/2014/main" id="{118980E0-C617-0720-8BAE-73A1A95C39E9}"/>
+          <p:cNvPr id="7" name="Picture 6">
+            <a:extLst>
+              <a:ext uri="{FF2B5EF4-FFF2-40B4-BE49-F238E27FC236}">
+                <a16:creationId xmlns:a16="http://schemas.microsoft.com/office/drawing/2014/main" id="{96425852-C763-424D-A32A-2288328A3A8A}"/>
               </a:ext>
             </a:extLst>
           </p:cNvPr>
@@ -13553,8 +13723,71 @@
         </p:blipFill>
         <p:spPr>
           <a:xfrm>
-            <a:off x="1371600" y="786391"/>
-            <a:ext cx="9448800" cy="5569959"/>
+            <a:off x="4864100" y="581860"/>
+            <a:ext cx="7186491" cy="6073415"/>
+          </a:xfrm>
+          <a:prstGeom prst="rect">
+            <a:avLst/>
+          </a:prstGeom>
+        </p:spPr>
+      </p:pic>
+      <p:sp>
+        <p:nvSpPr>
+          <p:cNvPr id="2" name="Title 1">
+            <a:extLst>
+              <a:ext uri="{FF2B5EF4-FFF2-40B4-BE49-F238E27FC236}">
+                <a16:creationId xmlns:a16="http://schemas.microsoft.com/office/drawing/2014/main" id="{D94A2CD4-732A-43E4-BCB9-CBA2055E0AC6}"/>
+              </a:ext>
+            </a:extLst>
+          </p:cNvPr>
+          <p:cNvSpPr>
+            <a:spLocks noGrp="1"/>
+          </p:cNvSpPr>
+          <p:nvPr>
+            <p:ph type="title"/>
+          </p:nvPr>
+        </p:nvSpPr>
+        <p:spPr>
+          <a:xfrm>
+            <a:off x="6096000" y="-1340962"/>
+            <a:ext cx="6696075" cy="1909763"/>
+          </a:xfrm>
+        </p:spPr>
+        <p:txBody>
+          <a:bodyPr/>
+          <a:lstStyle/>
+          <a:p>
+            <a:r>
+              <a:rPr lang="en-US" dirty="0"/>
+              <a:t>Android App</a:t>
+            </a:r>
+          </a:p>
+        </p:txBody>
+      </p:sp>
+      <p:pic>
+        <p:nvPicPr>
+          <p:cNvPr id="9" name="Picture 8">
+            <a:extLst>
+              <a:ext uri="{FF2B5EF4-FFF2-40B4-BE49-F238E27FC236}">
+                <a16:creationId xmlns:a16="http://schemas.microsoft.com/office/drawing/2014/main" id="{4ED1DD61-0511-4351-60AD-862A5111EC3D}"/>
+              </a:ext>
+            </a:extLst>
+          </p:cNvPr>
+          <p:cNvPicPr>
+            <a:picLocks noChangeAspect="1"/>
+          </p:cNvPicPr>
+          <p:nvPr/>
+        </p:nvPicPr>
+        <p:blipFill>
+          <a:blip r:embed="rId3"/>
+          <a:stretch>
+            <a:fillRect/>
+          </a:stretch>
+        </p:blipFill>
+        <p:spPr>
+          <a:xfrm>
+            <a:off x="271584" y="152400"/>
+            <a:ext cx="2892381" cy="3810000"/>
           </a:xfrm>
           <a:prstGeom prst="rect">
             <a:avLst/>
@@ -13564,7 +13797,7 @@
     </p:spTree>
     <p:extLst>
       <p:ext uri="{BB962C8B-B14F-4D97-AF65-F5344CB8AC3E}">
-        <p14:creationId xmlns:p14="http://schemas.microsoft.com/office/powerpoint/2010/main" val="516475113"/>
+        <p14:creationId xmlns:p14="http://schemas.microsoft.com/office/powerpoint/2010/main" val="1850918978"/>
       </p:ext>
     </p:extLst>
   </p:cSld>
@@ -14366,34 +14599,6 @@
 </file>
 
 <file path=customXml/item1.xml><?xml version="1.0" encoding="utf-8"?>
-<p:properties xmlns:p="http://schemas.microsoft.com/office/2006/metadata/properties" xmlns:xsi="http://www.w3.org/2001/XMLSchema-instance" xmlns:pc="http://schemas.microsoft.com/office/infopath/2007/PartnerControls">
-  <documentManagement>
-    <_ip_UnifiedCompliancePolicyUIAction xmlns="http://schemas.microsoft.com/sharepoint/v3" xsi:nil="true"/>
-    <Image xmlns="71af3243-3dd4-4a8d-8c0d-dd76da1f02a5">
-      <Url xsi:nil="true"/>
-      <Description xsi:nil="true"/>
-    </Image>
-    <Status xmlns="71af3243-3dd4-4a8d-8c0d-dd76da1f02a5">Not started</Status>
-    <_ip_UnifiedCompliancePolicyProperties xmlns="http://schemas.microsoft.com/sharepoint/v3" xsi:nil="true"/>
-    <ImageTagsTaxHTField xmlns="71af3243-3dd4-4a8d-8c0d-dd76da1f02a5">
-      <Terms xmlns="http://schemas.microsoft.com/office/infopath/2007/PartnerControls"/>
-    </ImageTagsTaxHTField>
-    <TaxCatchAll xmlns="230e9df3-be65-4c73-a93b-d1236ebd677e"/>
-    <MediaServiceKeyPoints xmlns="71af3243-3dd4-4a8d-8c0d-dd76da1f02a5" xsi:nil="true"/>
-  </documentManagement>
-</p:properties>
-</file>
-
-<file path=customXml/item2.xml><?xml version="1.0" encoding="utf-8"?>
-<?mso-contentType ?>
-<FormTemplates xmlns="http://schemas.microsoft.com/sharepoint/v3/contenttype/forms">
-  <Display>DocumentLibraryForm</Display>
-  <Edit>DocumentLibraryForm</Edit>
-  <New>DocumentLibraryForm</New>
-</FormTemplates>
-</file>
-
-<file path=customXml/item3.xml><?xml version="1.0" encoding="utf-8"?>
 <ct:contentTypeSchema xmlns:ct="http://schemas.microsoft.com/office/2006/metadata/contentType" xmlns:ma="http://schemas.microsoft.com/office/2006/metadata/properties/metaAttributes" ct:_="" ma:_="" ma:contentTypeName="Document" ma:contentTypeID="0x01010079F111ED35F8CC479449609E8A0923A6" ma:contentTypeVersion="20" ma:contentTypeDescription="Create a new document." ma:contentTypeScope="" ma:versionID="1267097ee5f5874adfcc408041ae252e">
   <xsd:schema xmlns:xsd="http://www.w3.org/2001/XMLSchema" xmlns:xs="http://www.w3.org/2001/XMLSchema" xmlns:p="http://schemas.microsoft.com/office/2006/metadata/properties" xmlns:ns1="http://schemas.microsoft.com/sharepoint/v3" xmlns:ns2="71af3243-3dd4-4a8d-8c0d-dd76da1f02a5" xmlns:ns3="16c05727-aa75-4e4a-9b5f-8a80a1165891" xmlns:ns4="230e9df3-be65-4c73-a93b-d1236ebd677e" targetNamespace="http://schemas.microsoft.com/office/2006/metadata/properties" ma:root="true" ma:fieldsID="395891a93df65b14727750f2c06c306c" ns1:_="" ns2:_="" ns3:_="" ns4:_="">
     <xsd:import namespace="http://schemas.microsoft.com/sharepoint/v3"/>
@@ -14669,27 +14874,35 @@
 </ct:contentTypeSchema>
 </file>
 
-<file path=customXml/itemProps1.xml><?xml version="1.0" encoding="utf-8"?>
-<ds:datastoreItem xmlns:ds="http://schemas.openxmlformats.org/officeDocument/2006/customXml" ds:itemID="{29C43685-694E-4579-B109-3C418D49DA65}">
-  <ds:schemaRefs>
-    <ds:schemaRef ds:uri="http://schemas.microsoft.com/office/2006/metadata/properties"/>
-    <ds:schemaRef ds:uri="http://schemas.microsoft.com/office/infopath/2007/PartnerControls"/>
-    <ds:schemaRef ds:uri="http://schemas.microsoft.com/sharepoint/v3"/>
-    <ds:schemaRef ds:uri="71af3243-3dd4-4a8d-8c0d-dd76da1f02a5"/>
-    <ds:schemaRef ds:uri="230e9df3-be65-4c73-a93b-d1236ebd677e"/>
-  </ds:schemaRefs>
-</ds:datastoreItem>
+<file path=customXml/item2.xml><?xml version="1.0" encoding="utf-8"?>
+<?mso-contentType ?>
+<FormTemplates xmlns="http://schemas.microsoft.com/sharepoint/v3/contenttype/forms">
+  <Display>DocumentLibraryForm</Display>
+  <Edit>DocumentLibraryForm</Edit>
+  <New>DocumentLibraryForm</New>
+</FormTemplates>
 </file>
 
-<file path=customXml/itemProps2.xml><?xml version="1.0" encoding="utf-8"?>
-<ds:datastoreItem xmlns:ds="http://schemas.openxmlformats.org/officeDocument/2006/customXml" ds:itemID="{0FD6FE22-81A0-4500-AFD0-342D21BB9A2C}">
-  <ds:schemaRefs>
-    <ds:schemaRef ds:uri="http://schemas.microsoft.com/sharepoint/v3/contenttype/forms"/>
-  </ds:schemaRefs>
-</ds:datastoreItem>
+<file path=customXml/item3.xml><?xml version="1.0" encoding="utf-8"?>
+<p:properties xmlns:p="http://schemas.microsoft.com/office/2006/metadata/properties" xmlns:xsi="http://www.w3.org/2001/XMLSchema-instance" xmlns:pc="http://schemas.microsoft.com/office/infopath/2007/PartnerControls">
+  <documentManagement>
+    <_ip_UnifiedCompliancePolicyUIAction xmlns="http://schemas.microsoft.com/sharepoint/v3" xsi:nil="true"/>
+    <Image xmlns="71af3243-3dd4-4a8d-8c0d-dd76da1f02a5">
+      <Url xsi:nil="true"/>
+      <Description xsi:nil="true"/>
+    </Image>
+    <Status xmlns="71af3243-3dd4-4a8d-8c0d-dd76da1f02a5">Not started</Status>
+    <_ip_UnifiedCompliancePolicyProperties xmlns="http://schemas.microsoft.com/sharepoint/v3" xsi:nil="true"/>
+    <ImageTagsTaxHTField xmlns="71af3243-3dd4-4a8d-8c0d-dd76da1f02a5">
+      <Terms xmlns="http://schemas.microsoft.com/office/infopath/2007/PartnerControls"/>
+    </ImageTagsTaxHTField>
+    <TaxCatchAll xmlns="230e9df3-be65-4c73-a93b-d1236ebd677e"/>
+    <MediaServiceKeyPoints xmlns="71af3243-3dd4-4a8d-8c0d-dd76da1f02a5" xsi:nil="true"/>
+  </documentManagement>
+</p:properties>
 </file>
 
-<file path=customXml/itemProps3.xml><?xml version="1.0" encoding="utf-8"?>
+<file path=customXml/itemProps1.xml><?xml version="1.0" encoding="utf-8"?>
 <ds:datastoreItem xmlns:ds="http://schemas.openxmlformats.org/officeDocument/2006/customXml" ds:itemID="{CC96B61E-1B64-430F-934F-7D1B90028029}">
   <ds:schemaRefs>
     <ds:schemaRef ds:uri="http://schemas.microsoft.com/office/2006/metadata/contentType"/>
@@ -14710,6 +14923,26 @@
 </ds:datastoreItem>
 </file>
 
+<file path=customXml/itemProps2.xml><?xml version="1.0" encoding="utf-8"?>
+<ds:datastoreItem xmlns:ds="http://schemas.openxmlformats.org/officeDocument/2006/customXml" ds:itemID="{0FD6FE22-81A0-4500-AFD0-342D21BB9A2C}">
+  <ds:schemaRefs>
+    <ds:schemaRef ds:uri="http://schemas.microsoft.com/sharepoint/v3/contenttype/forms"/>
+  </ds:schemaRefs>
+</ds:datastoreItem>
+</file>
+
+<file path=customXml/itemProps3.xml><?xml version="1.0" encoding="utf-8"?>
+<ds:datastoreItem xmlns:ds="http://schemas.openxmlformats.org/officeDocument/2006/customXml" ds:itemID="{29C43685-694E-4579-B109-3C418D49DA65}">
+  <ds:schemaRefs>
+    <ds:schemaRef ds:uri="http://schemas.microsoft.com/office/2006/metadata/properties"/>
+    <ds:schemaRef ds:uri="http://schemas.microsoft.com/office/infopath/2007/PartnerControls"/>
+    <ds:schemaRef ds:uri="http://schemas.microsoft.com/sharepoint/v3"/>
+    <ds:schemaRef ds:uri="71af3243-3dd4-4a8d-8c0d-dd76da1f02a5"/>
+    <ds:schemaRef ds:uri="230e9df3-be65-4c73-a93b-d1236ebd677e"/>
+  </ds:schemaRefs>
+</ds:datastoreItem>
+</file>
+
 <file path=docMetadata/LabelInfo.xml><?xml version="1.0" encoding="utf-8"?>
 <clbl:labelList xmlns:clbl="http://schemas.microsoft.com/office/2020/mipLabelMetadata">
   <clbl:label id="{f42aa342-8706-4288-bd11-ebb85995028c}" enabled="1" method="Standard" siteId="{72f988bf-86f1-41af-91ab-2d7cd011db47}" removed="0"/>

--- a/System Documentation/Open Sesame.pptx
+++ b/System Documentation/Open Sesame.pptx
@@ -5,10 +5,10 @@
     <p:sldMasterId id="2147483648" r:id="rId4"/>
   </p:sldMasterIdLst>
   <p:notesMasterIdLst>
-    <p:notesMasterId r:id="rId18"/>
+    <p:notesMasterId r:id="rId20"/>
   </p:notesMasterIdLst>
   <p:handoutMasterIdLst>
-    <p:handoutMasterId r:id="rId19"/>
+    <p:handoutMasterId r:id="rId21"/>
   </p:handoutMasterIdLst>
   <p:sldIdLst>
     <p:sldId id="256" r:id="rId5"/>
@@ -18,12 +18,14 @@
     <p:sldId id="268" r:id="rId9"/>
     <p:sldId id="269" r:id="rId10"/>
     <p:sldId id="272" r:id="rId11"/>
-    <p:sldId id="265" r:id="rId12"/>
-    <p:sldId id="273" r:id="rId13"/>
-    <p:sldId id="274" r:id="rId14"/>
-    <p:sldId id="275" r:id="rId15"/>
-    <p:sldId id="264" r:id="rId16"/>
-    <p:sldId id="263" r:id="rId17"/>
+    <p:sldId id="276" r:id="rId12"/>
+    <p:sldId id="277" r:id="rId13"/>
+    <p:sldId id="265" r:id="rId14"/>
+    <p:sldId id="273" r:id="rId15"/>
+    <p:sldId id="274" r:id="rId16"/>
+    <p:sldId id="275" r:id="rId17"/>
+    <p:sldId id="264" r:id="rId18"/>
+    <p:sldId id="263" r:id="rId19"/>
   </p:sldIdLst>
   <p:sldSz cx="12192000" cy="6858000"/>
   <p:notesSz cx="6858000" cy="9144000"/>
@@ -227,7 +229,7 @@
           <a:p>
             <a:fld id="{B56F32FC-4BD9-442A-A8C6-51598C909FE3}" type="datetimeFigureOut">
               <a:rPr lang="en-US" smtClean="0"/>
-              <a:t>11/14/2022</a:t>
+              <a:t>12/6/2022</a:t>
             </a:fld>
             <a:endParaRPr lang="en-US" dirty="0"/>
           </a:p>
@@ -404,7 +406,7 @@
           <a:p>
             <a:fld id="{056371FA-A98D-41E8-93F4-09945841298A}" type="datetimeFigureOut">
               <a:rPr lang="en-US" smtClean="0"/>
-              <a:t>11/14/2022</a:t>
+              <a:t>12/6/2022</a:t>
             </a:fld>
             <a:endParaRPr lang="en-US" dirty="0"/>
           </a:p>
@@ -9616,10 +9618,10 @@
       </p:grpSpPr>
       <p:sp>
         <p:nvSpPr>
-          <p:cNvPr id="7" name="Title 6">
-            <a:extLst>
-              <a:ext uri="{FF2B5EF4-FFF2-40B4-BE49-F238E27FC236}">
-                <a16:creationId xmlns:a16="http://schemas.microsoft.com/office/drawing/2014/main" id="{2BA83E65-B8F7-FA84-AFA1-48726ED2ABEE}"/>
+          <p:cNvPr id="2" name="Title 1">
+            <a:extLst>
+              <a:ext uri="{FF2B5EF4-FFF2-40B4-BE49-F238E27FC236}">
+                <a16:creationId xmlns:a16="http://schemas.microsoft.com/office/drawing/2014/main" id="{D94A2CD4-732A-43E4-BCB9-CBA2055E0AC6}"/>
               </a:ext>
             </a:extLst>
           </p:cNvPr>
@@ -9630,82 +9632,86 @@
             <p:ph type="title"/>
           </p:nvPr>
         </p:nvSpPr>
-        <p:spPr/>
-        <p:txBody>
-          <a:bodyPr>
-            <a:normAutofit/>
-          </a:bodyPr>
-          <a:lstStyle/>
-          <a:p>
-            <a:r>
-              <a:rPr lang="en-US" sz="2800" dirty="0"/>
-              <a:t>Hardware System</a:t>
-            </a:r>
-            <a:br>
-              <a:rPr lang="en-US" sz="2800" dirty="0"/>
-            </a:br>
-            <a:br>
-              <a:rPr lang="en-US" sz="2800" dirty="0"/>
-            </a:br>
-            <a:endParaRPr lang="en-US" dirty="0"/>
-          </a:p>
-        </p:txBody>
-      </p:sp>
-      <p:sp>
-        <p:nvSpPr>
-          <p:cNvPr id="4" name="Date Placeholder 3">
-            <a:extLst>
-              <a:ext uri="{FF2B5EF4-FFF2-40B4-BE49-F238E27FC236}">
-                <a16:creationId xmlns:a16="http://schemas.microsoft.com/office/drawing/2014/main" id="{9D6A1131-4F63-0395-48AC-E10515A26265}"/>
-              </a:ext>
-            </a:extLst>
-          </p:cNvPr>
-          <p:cNvSpPr>
-            <a:spLocks noGrp="1"/>
-          </p:cNvSpPr>
-          <p:nvPr>
-            <p:ph type="dt" sz="half" idx="10"/>
-          </p:nvPr>
-        </p:nvSpPr>
-        <p:spPr/>
+        <p:spPr>
+          <a:xfrm>
+            <a:off x="6096000" y="-954882"/>
+            <a:ext cx="6696075" cy="1909763"/>
+          </a:xfrm>
+        </p:spPr>
         <p:txBody>
           <a:bodyPr/>
           <a:lstStyle/>
           <a:p>
             <a:r>
-              <a:rPr lang="en-US"/>
-              <a:t>20XX</a:t>
-            </a:r>
-            <a:endParaRPr lang="en-US" dirty="0"/>
-          </a:p>
-        </p:txBody>
-      </p:sp>
-      <p:sp>
-        <p:nvSpPr>
-          <p:cNvPr id="5" name="Footer Placeholder 4">
-            <a:extLst>
-              <a:ext uri="{FF2B5EF4-FFF2-40B4-BE49-F238E27FC236}">
-                <a16:creationId xmlns:a16="http://schemas.microsoft.com/office/drawing/2014/main" id="{9864B95A-EB4E-A6E6-5F78-B9D9CAB6B7A2}"/>
-              </a:ext>
-            </a:extLst>
-          </p:cNvPr>
-          <p:cNvSpPr>
-            <a:spLocks noGrp="1"/>
-          </p:cNvSpPr>
-          <p:nvPr>
-            <p:ph type="ftr" sz="quarter" idx="11"/>
-          </p:nvPr>
-        </p:nvSpPr>
-        <p:spPr/>
+              <a:rPr lang="en-US" dirty="0"/>
+              <a:t>Architecture and Design</a:t>
+            </a:r>
+          </a:p>
+        </p:txBody>
+      </p:sp>
+      <p:sp>
+        <p:nvSpPr>
+          <p:cNvPr id="4" name="Date Placeholder 3">
+            <a:extLst>
+              <a:ext uri="{FF2B5EF4-FFF2-40B4-BE49-F238E27FC236}">
+                <a16:creationId xmlns:a16="http://schemas.microsoft.com/office/drawing/2014/main" id="{DA53D834-F1E2-4848-8093-D412A7B081AF}"/>
+              </a:ext>
+            </a:extLst>
+          </p:cNvPr>
+          <p:cNvSpPr>
+            <a:spLocks noGrp="1"/>
+          </p:cNvSpPr>
+          <p:nvPr>
+            <p:ph type="dt" sz="half" idx="10"/>
+          </p:nvPr>
+        </p:nvSpPr>
+        <p:spPr>
+          <a:xfrm>
+            <a:off x="4676774" y="6356350"/>
+            <a:ext cx="1695450" cy="365125"/>
+          </a:xfrm>
+        </p:spPr>
         <p:txBody>
           <a:bodyPr/>
           <a:lstStyle/>
           <a:p>
             <a:r>
-              <a:rPr lang="en-US"/>
+              <a:rPr lang="en-US" dirty="0"/>
+              <a:t>20XX</a:t>
+            </a:r>
+          </a:p>
+        </p:txBody>
+      </p:sp>
+      <p:sp>
+        <p:nvSpPr>
+          <p:cNvPr id="5" name="Footer Placeholder 4">
+            <a:extLst>
+              <a:ext uri="{FF2B5EF4-FFF2-40B4-BE49-F238E27FC236}">
+                <a16:creationId xmlns:a16="http://schemas.microsoft.com/office/drawing/2014/main" id="{3555A49C-96F4-440D-B89E-A0AE94F70108}"/>
+              </a:ext>
+            </a:extLst>
+          </p:cNvPr>
+          <p:cNvSpPr>
+            <a:spLocks noGrp="1"/>
+          </p:cNvSpPr>
+          <p:nvPr>
+            <p:ph type="ftr" sz="quarter" idx="11"/>
+          </p:nvPr>
+        </p:nvSpPr>
+        <p:spPr>
+          <a:xfrm>
+            <a:off x="6743699" y="6356350"/>
+            <a:ext cx="2543175" cy="365125"/>
+          </a:xfrm>
+        </p:spPr>
+        <p:txBody>
+          <a:bodyPr/>
+          <a:lstStyle/>
+          <a:p>
+            <a:r>
+              <a:rPr lang="en-US" dirty="0"/>
               <a:t>PRESENTATION TITLE</a:t>
             </a:r>
-            <a:endParaRPr lang="en-US" dirty="0"/>
           </a:p>
         </p:txBody>
       </p:sp>
@@ -9714,7 +9720,7 @@
           <p:cNvPr id="6" name="Slide Number Placeholder 5">
             <a:extLst>
               <a:ext uri="{FF2B5EF4-FFF2-40B4-BE49-F238E27FC236}">
-                <a16:creationId xmlns:a16="http://schemas.microsoft.com/office/drawing/2014/main" id="{21E96144-970F-2F95-BC15-C77A16B27C71}"/>
+                <a16:creationId xmlns:a16="http://schemas.microsoft.com/office/drawing/2014/main" id="{F2A39FA3-9AE3-4689-A469-B7D2DFCCC2D9}"/>
               </a:ext>
             </a:extLst>
           </p:cNvPr>
@@ -9725,7 +9731,12 @@
             <p:ph type="sldNum" sz="quarter" idx="12"/>
           </p:nvPr>
         </p:nvSpPr>
-        <p:spPr/>
+        <p:spPr>
+          <a:xfrm>
+            <a:off x="9658350" y="6356350"/>
+            <a:ext cx="1695450" cy="365125"/>
+          </a:xfrm>
+        </p:spPr>
         <p:txBody>
           <a:bodyPr/>
           <a:lstStyle/>
@@ -9741,10 +9752,10 @@
       </p:sp>
       <p:pic>
         <p:nvPicPr>
-          <p:cNvPr id="12" name="Picture 11">
-            <a:extLst>
-              <a:ext uri="{FF2B5EF4-FFF2-40B4-BE49-F238E27FC236}">
-                <a16:creationId xmlns:a16="http://schemas.microsoft.com/office/drawing/2014/main" id="{118980E0-C617-0720-8BAE-73A1A95C39E9}"/>
+          <p:cNvPr id="10" name="Picture 9">
+            <a:extLst>
+              <a:ext uri="{FF2B5EF4-FFF2-40B4-BE49-F238E27FC236}">
+                <a16:creationId xmlns:a16="http://schemas.microsoft.com/office/drawing/2014/main" id="{B3133C7A-9735-4110-8DDF-3CDF233F37C0}"/>
               </a:ext>
             </a:extLst>
           </p:cNvPr>
@@ -9761,8 +9772,8 @@
         </p:blipFill>
         <p:spPr>
           <a:xfrm>
-            <a:off x="3182586" y="1270000"/>
-            <a:ext cx="8628413" cy="5086350"/>
+            <a:off x="5892733" y="1634252"/>
+            <a:ext cx="1701932" cy="2591002"/>
           </a:xfrm>
           <a:prstGeom prst="rect">
             <a:avLst/>
@@ -9771,10 +9782,10 @@
       </p:pic>
       <p:sp>
         <p:nvSpPr>
-          <p:cNvPr id="2" name="TextBox 1">
-            <a:extLst>
-              <a:ext uri="{FF2B5EF4-FFF2-40B4-BE49-F238E27FC236}">
-                <a16:creationId xmlns:a16="http://schemas.microsoft.com/office/drawing/2014/main" id="{BDAA883B-5560-A713-6036-E1B0D718C589}"/>
+          <p:cNvPr id="11" name="TextBox 10">
+            <a:extLst>
+              <a:ext uri="{FF2B5EF4-FFF2-40B4-BE49-F238E27FC236}">
+                <a16:creationId xmlns:a16="http://schemas.microsoft.com/office/drawing/2014/main" id="{FDA8DA55-FFB8-4E1D-98C5-904A0D4FFBEA}"/>
               </a:ext>
             </a:extLst>
           </p:cNvPr>
@@ -9783,8 +9794,8 @@
         </p:nvSpPr>
         <p:spPr>
           <a:xfrm>
-            <a:off x="251014" y="1635919"/>
-            <a:ext cx="2931572" cy="923330"/>
+            <a:off x="5952806" y="1154668"/>
+            <a:ext cx="2062480" cy="369332"/>
           </a:xfrm>
           <a:prstGeom prst="rect">
             <a:avLst/>
@@ -9792,38 +9803,144 @@
           <a:noFill/>
         </p:spPr>
         <p:txBody>
-          <a:bodyPr wrap="none" rtlCol="0">
+          <a:bodyPr wrap="square" rtlCol="0">
             <a:spAutoFit/>
           </a:bodyPr>
           <a:lstStyle/>
           <a:p>
-            <a:pPr marL="285750" indent="-285750">
-              <a:buFont typeface="Arial" panose="020B0604020202020204" pitchFamily="34" charset="0"/>
-              <a:buChar char="•"/>
-            </a:pPr>
             <a:r>
               <a:rPr lang="en-US" dirty="0"/>
-              <a:t>Arduino Uno</a:t>
-            </a:r>
-          </a:p>
-          <a:p>
-            <a:pPr marL="285750" indent="-285750">
-              <a:buFont typeface="Arial" panose="020B0604020202020204" pitchFamily="34" charset="0"/>
-              <a:buChar char="•"/>
-            </a:pPr>
+              <a:t>User Interface</a:t>
+            </a:r>
+          </a:p>
+        </p:txBody>
+      </p:sp>
+      <p:pic>
+        <p:nvPicPr>
+          <p:cNvPr id="13" name="Picture 12">
+            <a:extLst>
+              <a:ext uri="{FF2B5EF4-FFF2-40B4-BE49-F238E27FC236}">
+                <a16:creationId xmlns:a16="http://schemas.microsoft.com/office/drawing/2014/main" id="{B460806F-54E2-408F-9C8B-3CD0AE26EF13}"/>
+              </a:ext>
+            </a:extLst>
+          </p:cNvPr>
+          <p:cNvPicPr>
+            <a:picLocks noChangeAspect="1"/>
+          </p:cNvPicPr>
+          <p:nvPr/>
+        </p:nvPicPr>
+        <p:blipFill>
+          <a:blip r:embed="rId3"/>
+          <a:stretch>
+            <a:fillRect/>
+          </a:stretch>
+        </p:blipFill>
+        <p:spPr>
+          <a:xfrm>
+            <a:off x="8812003" y="1537833"/>
+            <a:ext cx="3018958" cy="2591002"/>
+          </a:xfrm>
+          <a:prstGeom prst="rect">
+            <a:avLst/>
+          </a:prstGeom>
+        </p:spPr>
+      </p:pic>
+      <p:sp>
+        <p:nvSpPr>
+          <p:cNvPr id="14" name="TextBox 13">
+            <a:extLst>
+              <a:ext uri="{FF2B5EF4-FFF2-40B4-BE49-F238E27FC236}">
+                <a16:creationId xmlns:a16="http://schemas.microsoft.com/office/drawing/2014/main" id="{001BA39C-6C18-4089-A7B8-BA208FD1DDFB}"/>
+              </a:ext>
+            </a:extLst>
+          </p:cNvPr>
+          <p:cNvSpPr txBox="1"/>
+          <p:nvPr/>
+        </p:nvSpPr>
+        <p:spPr>
+          <a:xfrm>
+            <a:off x="9712960" y="1154668"/>
+            <a:ext cx="2479040" cy="369332"/>
+          </a:xfrm>
+          <a:prstGeom prst="rect">
+            <a:avLst/>
+          </a:prstGeom>
+          <a:noFill/>
+        </p:spPr>
+        <p:txBody>
+          <a:bodyPr wrap="square" rtlCol="0">
+            <a:spAutoFit/>
+          </a:bodyPr>
+          <a:lstStyle/>
+          <a:p>
             <a:r>
               <a:rPr lang="en-US" dirty="0"/>
-              <a:t>4 Servo motor</a:t>
-            </a:r>
-          </a:p>
-          <a:p>
-            <a:pPr marL="285750" indent="-285750">
-              <a:buFont typeface="Arial" panose="020B0604020202020204" pitchFamily="34" charset="0"/>
-              <a:buChar char="•"/>
-            </a:pPr>
+              <a:t>Schematic </a:t>
+            </a:r>
+          </a:p>
+        </p:txBody>
+      </p:sp>
+      <p:pic>
+        <p:nvPicPr>
+          <p:cNvPr id="16" name="Picture 15">
+            <a:extLst>
+              <a:ext uri="{FF2B5EF4-FFF2-40B4-BE49-F238E27FC236}">
+                <a16:creationId xmlns:a16="http://schemas.microsoft.com/office/drawing/2014/main" id="{E8560A36-97FE-41FA-BE6B-6A89639C0988}"/>
+              </a:ext>
+            </a:extLst>
+          </p:cNvPr>
+          <p:cNvPicPr>
+            <a:picLocks noChangeAspect="1"/>
+          </p:cNvPicPr>
+          <p:nvPr/>
+        </p:nvPicPr>
+        <p:blipFill>
+          <a:blip r:embed="rId4"/>
+          <a:stretch>
+            <a:fillRect/>
+          </a:stretch>
+        </p:blipFill>
+        <p:spPr>
+          <a:xfrm rot="5400000">
+            <a:off x="7539139" y="3223992"/>
+            <a:ext cx="1689221" cy="4575498"/>
+          </a:xfrm>
+          <a:prstGeom prst="rect">
+            <a:avLst/>
+          </a:prstGeom>
+        </p:spPr>
+      </p:pic>
+      <p:sp>
+        <p:nvSpPr>
+          <p:cNvPr id="17" name="TextBox 16">
+            <a:extLst>
+              <a:ext uri="{FF2B5EF4-FFF2-40B4-BE49-F238E27FC236}">
+                <a16:creationId xmlns:a16="http://schemas.microsoft.com/office/drawing/2014/main" id="{3BD39DBA-81E2-46BB-91ED-7554C7C90691}"/>
+              </a:ext>
+            </a:extLst>
+          </p:cNvPr>
+          <p:cNvSpPr txBox="1"/>
+          <p:nvPr/>
+        </p:nvSpPr>
+        <p:spPr>
+          <a:xfrm>
+            <a:off x="4345939" y="5359316"/>
+            <a:ext cx="2357120" cy="369332"/>
+          </a:xfrm>
+          <a:prstGeom prst="rect">
+            <a:avLst/>
+          </a:prstGeom>
+          <a:noFill/>
+        </p:spPr>
+        <p:txBody>
+          <a:bodyPr wrap="square" rtlCol="0">
+            <a:spAutoFit/>
+          </a:bodyPr>
+          <a:lstStyle/>
+          <a:p>
             <a:r>
               <a:rPr lang="en-US" dirty="0"/>
-              <a:t>HC-06 Bluetooth module</a:t>
+              <a:t>Circuit Board</a:t>
             </a:r>
           </a:p>
         </p:txBody>
@@ -9831,7 +9948,7 @@
     </p:spTree>
     <p:extLst>
       <p:ext uri="{BB962C8B-B14F-4D97-AF65-F5344CB8AC3E}">
-        <p14:creationId xmlns:p14="http://schemas.microsoft.com/office/powerpoint/2010/main" val="982439714"/>
+        <p14:creationId xmlns:p14="http://schemas.microsoft.com/office/powerpoint/2010/main" val="744379741"/>
       </p:ext>
     </p:extLst>
   </p:cSld>
@@ -9860,84 +9977,66 @@
       </p:grpSpPr>
       <p:sp>
         <p:nvSpPr>
-          <p:cNvPr id="7" name="Title 6">
-            <a:extLst>
-              <a:ext uri="{FF2B5EF4-FFF2-40B4-BE49-F238E27FC236}">
-                <a16:creationId xmlns:a16="http://schemas.microsoft.com/office/drawing/2014/main" id="{75B9EB30-4349-4946-536B-CC5FA040E4FD}"/>
-              </a:ext>
-            </a:extLst>
-          </p:cNvPr>
-          <p:cNvSpPr>
-            <a:spLocks noGrp="1"/>
-          </p:cNvSpPr>
-          <p:nvPr>
-            <p:ph type="title"/>
-          </p:nvPr>
-        </p:nvSpPr>
-        <p:spPr/>
+          <p:cNvPr id="4" name="Date Placeholder 3">
+            <a:extLst>
+              <a:ext uri="{FF2B5EF4-FFF2-40B4-BE49-F238E27FC236}">
+                <a16:creationId xmlns:a16="http://schemas.microsoft.com/office/drawing/2014/main" id="{DA53D834-F1E2-4848-8093-D412A7B081AF}"/>
+              </a:ext>
+            </a:extLst>
+          </p:cNvPr>
+          <p:cNvSpPr>
+            <a:spLocks noGrp="1"/>
+          </p:cNvSpPr>
+          <p:nvPr>
+            <p:ph type="dt" sz="half" idx="10"/>
+          </p:nvPr>
+        </p:nvSpPr>
+        <p:spPr>
+          <a:xfrm>
+            <a:off x="4676774" y="6356350"/>
+            <a:ext cx="1695450" cy="365125"/>
+          </a:xfrm>
+        </p:spPr>
         <p:txBody>
           <a:bodyPr/>
           <a:lstStyle/>
           <a:p>
             <a:r>
               <a:rPr lang="en-US" dirty="0"/>
-              <a:t>Arduino Code</a:t>
-            </a:r>
-          </a:p>
-        </p:txBody>
-      </p:sp>
-      <p:sp>
-        <p:nvSpPr>
-          <p:cNvPr id="4" name="Date Placeholder 3">
-            <a:extLst>
-              <a:ext uri="{FF2B5EF4-FFF2-40B4-BE49-F238E27FC236}">
-                <a16:creationId xmlns:a16="http://schemas.microsoft.com/office/drawing/2014/main" id="{F74591BE-AAF9-7E65-1F95-7A16B17C9562}"/>
-              </a:ext>
-            </a:extLst>
-          </p:cNvPr>
-          <p:cNvSpPr>
-            <a:spLocks noGrp="1"/>
-          </p:cNvSpPr>
-          <p:nvPr>
-            <p:ph type="dt" sz="half" idx="10"/>
-          </p:nvPr>
-        </p:nvSpPr>
-        <p:spPr/>
+              <a:t>20XX</a:t>
+            </a:r>
+          </a:p>
+        </p:txBody>
+      </p:sp>
+      <p:sp>
+        <p:nvSpPr>
+          <p:cNvPr id="5" name="Footer Placeholder 4">
+            <a:extLst>
+              <a:ext uri="{FF2B5EF4-FFF2-40B4-BE49-F238E27FC236}">
+                <a16:creationId xmlns:a16="http://schemas.microsoft.com/office/drawing/2014/main" id="{3555A49C-96F4-440D-B89E-A0AE94F70108}"/>
+              </a:ext>
+            </a:extLst>
+          </p:cNvPr>
+          <p:cNvSpPr>
+            <a:spLocks noGrp="1"/>
+          </p:cNvSpPr>
+          <p:nvPr>
+            <p:ph type="ftr" sz="quarter" idx="11"/>
+          </p:nvPr>
+        </p:nvSpPr>
+        <p:spPr>
+          <a:xfrm>
+            <a:off x="6743699" y="6356350"/>
+            <a:ext cx="2543175" cy="365125"/>
+          </a:xfrm>
+        </p:spPr>
         <p:txBody>
           <a:bodyPr/>
           <a:lstStyle/>
           <a:p>
             <a:r>
               <a:rPr lang="en-US" dirty="0"/>
-              <a:t>Fall 2022</a:t>
-            </a:r>
-          </a:p>
-        </p:txBody>
-      </p:sp>
-      <p:sp>
-        <p:nvSpPr>
-          <p:cNvPr id="5" name="Footer Placeholder 4">
-            <a:extLst>
-              <a:ext uri="{FF2B5EF4-FFF2-40B4-BE49-F238E27FC236}">
-                <a16:creationId xmlns:a16="http://schemas.microsoft.com/office/drawing/2014/main" id="{2582C329-FA2D-E416-9DE7-0A5F0BB7BE32}"/>
-              </a:ext>
-            </a:extLst>
-          </p:cNvPr>
-          <p:cNvSpPr>
-            <a:spLocks noGrp="1"/>
-          </p:cNvSpPr>
-          <p:nvPr>
-            <p:ph type="ftr" sz="quarter" idx="11"/>
-          </p:nvPr>
-        </p:nvSpPr>
-        <p:spPr/>
-        <p:txBody>
-          <a:bodyPr/>
-          <a:lstStyle/>
-          <a:p>
-            <a:r>
-              <a:rPr lang="en-US" dirty="0"/>
-              <a:t>Open Sesame</a:t>
+              <a:t>PRESENTATION TITLE</a:t>
             </a:r>
           </a:p>
         </p:txBody>
@@ -9947,7 +10046,7 @@
           <p:cNvPr id="6" name="Slide Number Placeholder 5">
             <a:extLst>
               <a:ext uri="{FF2B5EF4-FFF2-40B4-BE49-F238E27FC236}">
-                <a16:creationId xmlns:a16="http://schemas.microsoft.com/office/drawing/2014/main" id="{D6C31DC7-B5E1-42DB-5936-72A29A9959CB}"/>
+                <a16:creationId xmlns:a16="http://schemas.microsoft.com/office/drawing/2014/main" id="{F2A39FA3-9AE3-4689-A469-B7D2DFCCC2D9}"/>
               </a:ext>
             </a:extLst>
           </p:cNvPr>
@@ -9958,7 +10057,12 @@
             <p:ph type="sldNum" sz="quarter" idx="12"/>
           </p:nvPr>
         </p:nvSpPr>
-        <p:spPr/>
+        <p:spPr>
+          <a:xfrm>
+            <a:off x="9658350" y="6356350"/>
+            <a:ext cx="1695450" cy="365125"/>
+          </a:xfrm>
+        </p:spPr>
         <p:txBody>
           <a:bodyPr/>
           <a:lstStyle/>
@@ -9974,10 +10078,10 @@
       </p:sp>
       <p:pic>
         <p:nvPicPr>
-          <p:cNvPr id="10" name="Picture 9">
-            <a:extLst>
-              <a:ext uri="{FF2B5EF4-FFF2-40B4-BE49-F238E27FC236}">
-                <a16:creationId xmlns:a16="http://schemas.microsoft.com/office/drawing/2014/main" id="{B581149D-A3F3-113F-061D-BBE096F4D7AE}"/>
+          <p:cNvPr id="7" name="Picture 6">
+            <a:extLst>
+              <a:ext uri="{FF2B5EF4-FFF2-40B4-BE49-F238E27FC236}">
+                <a16:creationId xmlns:a16="http://schemas.microsoft.com/office/drawing/2014/main" id="{96425852-C763-424D-A32A-2288328A3A8A}"/>
               </a:ext>
             </a:extLst>
           </p:cNvPr>
@@ -9986,15 +10090,79 @@
           </p:cNvPicPr>
           <p:nvPr/>
         </p:nvPicPr>
-        <p:blipFill rotWithShape="1">
+        <p:blipFill>
           <a:blip r:embed="rId2"/>
-          <a:srcRect t="13793" r="9121"/>
-          <a:stretch/>
+          <a:stretch>
+            <a:fillRect/>
+          </a:stretch>
         </p:blipFill>
         <p:spPr>
           <a:xfrm>
-            <a:off x="1666875" y="1244601"/>
-            <a:ext cx="9261510" cy="4879974"/>
+            <a:off x="4864100" y="581860"/>
+            <a:ext cx="7186491" cy="6073415"/>
+          </a:xfrm>
+          <a:prstGeom prst="rect">
+            <a:avLst/>
+          </a:prstGeom>
+        </p:spPr>
+      </p:pic>
+      <p:sp>
+        <p:nvSpPr>
+          <p:cNvPr id="2" name="Title 1">
+            <a:extLst>
+              <a:ext uri="{FF2B5EF4-FFF2-40B4-BE49-F238E27FC236}">
+                <a16:creationId xmlns:a16="http://schemas.microsoft.com/office/drawing/2014/main" id="{D94A2CD4-732A-43E4-BCB9-CBA2055E0AC6}"/>
+              </a:ext>
+            </a:extLst>
+          </p:cNvPr>
+          <p:cNvSpPr>
+            <a:spLocks noGrp="1"/>
+          </p:cNvSpPr>
+          <p:nvPr>
+            <p:ph type="title"/>
+          </p:nvPr>
+        </p:nvSpPr>
+        <p:spPr>
+          <a:xfrm>
+            <a:off x="6096000" y="-1340962"/>
+            <a:ext cx="6696075" cy="1909763"/>
+          </a:xfrm>
+        </p:spPr>
+        <p:txBody>
+          <a:bodyPr/>
+          <a:lstStyle/>
+          <a:p>
+            <a:r>
+              <a:rPr lang="en-US" dirty="0"/>
+              <a:t>Android App</a:t>
+            </a:r>
+          </a:p>
+        </p:txBody>
+      </p:sp>
+      <p:pic>
+        <p:nvPicPr>
+          <p:cNvPr id="9" name="Picture 8">
+            <a:extLst>
+              <a:ext uri="{FF2B5EF4-FFF2-40B4-BE49-F238E27FC236}">
+                <a16:creationId xmlns:a16="http://schemas.microsoft.com/office/drawing/2014/main" id="{4ED1DD61-0511-4351-60AD-862A5111EC3D}"/>
+              </a:ext>
+            </a:extLst>
+          </p:cNvPr>
+          <p:cNvPicPr>
+            <a:picLocks noChangeAspect="1"/>
+          </p:cNvPicPr>
+          <p:nvPr/>
+        </p:nvPicPr>
+        <p:blipFill>
+          <a:blip r:embed="rId3"/>
+          <a:stretch>
+            <a:fillRect/>
+          </a:stretch>
+        </p:blipFill>
+        <p:spPr>
+          <a:xfrm>
+            <a:off x="271584" y="152400"/>
+            <a:ext cx="3374445" cy="4445000"/>
           </a:xfrm>
           <a:prstGeom prst="rect">
             <a:avLst/>
@@ -10004,7 +10172,7 @@
     </p:spTree>
     <p:extLst>
       <p:ext uri="{BB962C8B-B14F-4D97-AF65-F5344CB8AC3E}">
-        <p14:creationId xmlns:p14="http://schemas.microsoft.com/office/powerpoint/2010/main" val="4273940783"/>
+        <p14:creationId xmlns:p14="http://schemas.microsoft.com/office/powerpoint/2010/main" val="1850918978"/>
       </p:ext>
     </p:extLst>
   </p:cSld>
@@ -10033,10 +10201,10 @@
       </p:grpSpPr>
       <p:sp>
         <p:nvSpPr>
-          <p:cNvPr id="2" name="Title 1">
-            <a:extLst>
-              <a:ext uri="{FF2B5EF4-FFF2-40B4-BE49-F238E27FC236}">
-                <a16:creationId xmlns:a16="http://schemas.microsoft.com/office/drawing/2014/main" id="{4F6A2D15-4D68-4BF7-9421-032AE6C8852C}"/>
+          <p:cNvPr id="7" name="Title 6">
+            <a:extLst>
+              <a:ext uri="{FF2B5EF4-FFF2-40B4-BE49-F238E27FC236}">
+                <a16:creationId xmlns:a16="http://schemas.microsoft.com/office/drawing/2014/main" id="{2BA83E65-B8F7-FA84-AFA1-48726ED2ABEE}"/>
               </a:ext>
             </a:extLst>
           </p:cNvPr>
@@ -10047,95 +10215,91 @@
             <p:ph type="title"/>
           </p:nvPr>
         </p:nvSpPr>
-        <p:spPr>
-          <a:xfrm>
-            <a:off x="1885156" y="892177"/>
-            <a:ext cx="8421688" cy="1325563"/>
-          </a:xfrm>
-        </p:spPr>
+        <p:spPr/>
+        <p:txBody>
+          <a:bodyPr>
+            <a:normAutofit/>
+          </a:bodyPr>
+          <a:lstStyle/>
+          <a:p>
+            <a:r>
+              <a:rPr lang="en-US" sz="2800" dirty="0"/>
+              <a:t>Hardware System</a:t>
+            </a:r>
+            <a:br>
+              <a:rPr lang="en-US" sz="2800" dirty="0"/>
+            </a:br>
+            <a:br>
+              <a:rPr lang="en-US" sz="2800" dirty="0"/>
+            </a:br>
+            <a:endParaRPr lang="en-US" dirty="0"/>
+          </a:p>
+        </p:txBody>
+      </p:sp>
+      <p:sp>
+        <p:nvSpPr>
+          <p:cNvPr id="4" name="Date Placeholder 3">
+            <a:extLst>
+              <a:ext uri="{FF2B5EF4-FFF2-40B4-BE49-F238E27FC236}">
+                <a16:creationId xmlns:a16="http://schemas.microsoft.com/office/drawing/2014/main" id="{9D6A1131-4F63-0395-48AC-E10515A26265}"/>
+              </a:ext>
+            </a:extLst>
+          </p:cNvPr>
+          <p:cNvSpPr>
+            <a:spLocks noGrp="1"/>
+          </p:cNvSpPr>
+          <p:nvPr>
+            <p:ph type="dt" sz="half" idx="10"/>
+          </p:nvPr>
+        </p:nvSpPr>
+        <p:spPr/>
         <p:txBody>
           <a:bodyPr/>
           <a:lstStyle/>
           <a:p>
             <a:r>
-              <a:rPr lang="en-US" dirty="0"/>
-              <a:t>Website</a:t>
-            </a:r>
-          </a:p>
-        </p:txBody>
-      </p:sp>
-      <p:sp>
-        <p:nvSpPr>
-          <p:cNvPr id="23" name="Date Placeholder 22">
-            <a:extLst>
-              <a:ext uri="{FF2B5EF4-FFF2-40B4-BE49-F238E27FC236}">
-                <a16:creationId xmlns:a16="http://schemas.microsoft.com/office/drawing/2014/main" id="{637DEDF5-3FCD-4BC2-86A5-7BE2BF01EA38}"/>
-              </a:ext>
-            </a:extLst>
-          </p:cNvPr>
-          <p:cNvSpPr>
-            <a:spLocks noGrp="1"/>
-          </p:cNvSpPr>
-          <p:nvPr>
-            <p:ph type="dt" sz="half" idx="10"/>
-          </p:nvPr>
-        </p:nvSpPr>
-        <p:spPr>
-          <a:xfrm>
-            <a:off x="838200" y="6356350"/>
-            <a:ext cx="2743200" cy="365125"/>
-          </a:xfrm>
-        </p:spPr>
+              <a:rPr lang="en-US"/>
+              <a:t>20XX</a:t>
+            </a:r>
+            <a:endParaRPr lang="en-US" dirty="0"/>
+          </a:p>
+        </p:txBody>
+      </p:sp>
+      <p:sp>
+        <p:nvSpPr>
+          <p:cNvPr id="5" name="Footer Placeholder 4">
+            <a:extLst>
+              <a:ext uri="{FF2B5EF4-FFF2-40B4-BE49-F238E27FC236}">
+                <a16:creationId xmlns:a16="http://schemas.microsoft.com/office/drawing/2014/main" id="{9864B95A-EB4E-A6E6-5F78-B9D9CAB6B7A2}"/>
+              </a:ext>
+            </a:extLst>
+          </p:cNvPr>
+          <p:cNvSpPr>
+            <a:spLocks noGrp="1"/>
+          </p:cNvSpPr>
+          <p:nvPr>
+            <p:ph type="ftr" sz="quarter" idx="11"/>
+          </p:nvPr>
+        </p:nvSpPr>
+        <p:spPr/>
         <p:txBody>
           <a:bodyPr/>
           <a:lstStyle/>
           <a:p>
             <a:r>
-              <a:rPr lang="en-US" dirty="0"/>
-              <a:t>20XX</a:t>
-            </a:r>
-          </a:p>
-        </p:txBody>
-      </p:sp>
-      <p:sp>
-        <p:nvSpPr>
-          <p:cNvPr id="24" name="Footer Placeholder 23">
-            <a:extLst>
-              <a:ext uri="{FF2B5EF4-FFF2-40B4-BE49-F238E27FC236}">
-                <a16:creationId xmlns:a16="http://schemas.microsoft.com/office/drawing/2014/main" id="{918C3C97-444D-4600-8553-B9C4C1F8483B}"/>
-              </a:ext>
-            </a:extLst>
-          </p:cNvPr>
-          <p:cNvSpPr>
-            <a:spLocks noGrp="1"/>
-          </p:cNvSpPr>
-          <p:nvPr>
-            <p:ph type="ftr" sz="quarter" idx="11"/>
-          </p:nvPr>
-        </p:nvSpPr>
-        <p:spPr>
-          <a:xfrm>
-            <a:off x="4038600" y="6356350"/>
-            <a:ext cx="4114800" cy="365125"/>
-          </a:xfrm>
-        </p:spPr>
-        <p:txBody>
-          <a:bodyPr/>
-          <a:lstStyle/>
-          <a:p>
-            <a:r>
-              <a:rPr lang="en-US" dirty="0"/>
+              <a:rPr lang="en-US"/>
               <a:t>PRESENTATION TITLE</a:t>
             </a:r>
-          </a:p>
-        </p:txBody>
-      </p:sp>
-      <p:sp>
-        <p:nvSpPr>
-          <p:cNvPr id="25" name="Slide Number Placeholder 24">
-            <a:extLst>
-              <a:ext uri="{FF2B5EF4-FFF2-40B4-BE49-F238E27FC236}">
-                <a16:creationId xmlns:a16="http://schemas.microsoft.com/office/drawing/2014/main" id="{148E9129-4CC6-47BA-ACD8-2C632A8660EC}"/>
+            <a:endParaRPr lang="en-US" dirty="0"/>
+          </a:p>
+        </p:txBody>
+      </p:sp>
+      <p:sp>
+        <p:nvSpPr>
+          <p:cNvPr id="6" name="Slide Number Placeholder 5">
+            <a:extLst>
+              <a:ext uri="{FF2B5EF4-FFF2-40B4-BE49-F238E27FC236}">
+                <a16:creationId xmlns:a16="http://schemas.microsoft.com/office/drawing/2014/main" id="{21E96144-970F-2F95-BC15-C77A16B27C71}"/>
               </a:ext>
             </a:extLst>
           </p:cNvPr>
@@ -10146,12 +10310,7 @@
             <p:ph type="sldNum" sz="quarter" idx="12"/>
           </p:nvPr>
         </p:nvSpPr>
-        <p:spPr>
-          <a:xfrm>
-            <a:off x="8610600" y="6356350"/>
-            <a:ext cx="2743200" cy="365125"/>
-          </a:xfrm>
-        </p:spPr>
+        <p:spPr/>
         <p:txBody>
           <a:bodyPr/>
           <a:lstStyle/>
@@ -10167,10 +10326,10 @@
       </p:sp>
       <p:pic>
         <p:nvPicPr>
-          <p:cNvPr id="43" name="Picture 42">
-            <a:extLst>
-              <a:ext uri="{FF2B5EF4-FFF2-40B4-BE49-F238E27FC236}">
-                <a16:creationId xmlns:a16="http://schemas.microsoft.com/office/drawing/2014/main" id="{BA1CF98E-3EEF-4D6B-94EE-D47613490CFB}"/>
+          <p:cNvPr id="12" name="Picture 11">
+            <a:extLst>
+              <a:ext uri="{FF2B5EF4-FFF2-40B4-BE49-F238E27FC236}">
+                <a16:creationId xmlns:a16="http://schemas.microsoft.com/office/drawing/2014/main" id="{118980E0-C617-0720-8BAE-73A1A95C39E9}"/>
               </a:ext>
             </a:extLst>
           </p:cNvPr>
@@ -10187,8 +10346,8 @@
         </p:blipFill>
         <p:spPr>
           <a:xfrm>
-            <a:off x="3769360" y="2217740"/>
-            <a:ext cx="5080354" cy="3720222"/>
+            <a:off x="3182586" y="1270000"/>
+            <a:ext cx="8628413" cy="5086350"/>
           </a:xfrm>
           <a:prstGeom prst="rect">
             <a:avLst/>
@@ -10197,10 +10356,10 @@
       </p:pic>
       <p:sp>
         <p:nvSpPr>
-          <p:cNvPr id="44" name="TextBox 43">
-            <a:extLst>
-              <a:ext uri="{FF2B5EF4-FFF2-40B4-BE49-F238E27FC236}">
-                <a16:creationId xmlns:a16="http://schemas.microsoft.com/office/drawing/2014/main" id="{25D5AF7C-A550-4BF6-98D9-B5D9C37945B8}"/>
+          <p:cNvPr id="2" name="TextBox 1">
+            <a:extLst>
+              <a:ext uri="{FF2B5EF4-FFF2-40B4-BE49-F238E27FC236}">
+                <a16:creationId xmlns:a16="http://schemas.microsoft.com/office/drawing/2014/main" id="{BDAA883B-5560-A713-6036-E1B0D718C589}"/>
               </a:ext>
             </a:extLst>
           </p:cNvPr>
@@ -10208,9 +10367,9 @@
           <p:nvPr/>
         </p:nvSpPr>
         <p:spPr>
-          <a:xfrm rot="19480655">
-            <a:off x="3878978" y="2316480"/>
-            <a:ext cx="7319804" cy="1200329"/>
+          <a:xfrm>
+            <a:off x="251014" y="1635919"/>
+            <a:ext cx="2931572" cy="923330"/>
           </a:xfrm>
           <a:prstGeom prst="rect">
             <a:avLst/>
@@ -10218,14 +10377,38 @@
           <a:noFill/>
         </p:spPr>
         <p:txBody>
-          <a:bodyPr wrap="square" rtlCol="0">
+          <a:bodyPr wrap="none" rtlCol="0">
             <a:spAutoFit/>
           </a:bodyPr>
           <a:lstStyle/>
           <a:p>
-            <a:r>
-              <a:rPr lang="en-US" sz="7200" dirty="0"/>
-              <a:t>In Process</a:t>
+            <a:pPr marL="285750" indent="-285750">
+              <a:buFont typeface="Arial" panose="020B0604020202020204" pitchFamily="34" charset="0"/>
+              <a:buChar char="•"/>
+            </a:pPr>
+            <a:r>
+              <a:rPr lang="en-US" dirty="0"/>
+              <a:t>Arduino Uno</a:t>
+            </a:r>
+          </a:p>
+          <a:p>
+            <a:pPr marL="285750" indent="-285750">
+              <a:buFont typeface="Arial" panose="020B0604020202020204" pitchFamily="34" charset="0"/>
+              <a:buChar char="•"/>
+            </a:pPr>
+            <a:r>
+              <a:rPr lang="en-US" dirty="0"/>
+              <a:t>4 Servo motor</a:t>
+            </a:r>
+          </a:p>
+          <a:p>
+            <a:pPr marL="285750" indent="-285750">
+              <a:buFont typeface="Arial" panose="020B0604020202020204" pitchFamily="34" charset="0"/>
+              <a:buChar char="•"/>
+            </a:pPr>
+            <a:r>
+              <a:rPr lang="en-US" dirty="0"/>
+              <a:t>HC-06 Bluetooth module</a:t>
             </a:r>
           </a:p>
         </p:txBody>
@@ -10233,7 +10416,7 @@
     </p:spTree>
     <p:extLst>
       <p:ext uri="{BB962C8B-B14F-4D97-AF65-F5344CB8AC3E}">
-        <p14:creationId xmlns:p14="http://schemas.microsoft.com/office/powerpoint/2010/main" val="2619301236"/>
+        <p14:creationId xmlns:p14="http://schemas.microsoft.com/office/powerpoint/2010/main" val="982439714"/>
       </p:ext>
     </p:extLst>
   </p:cSld>
@@ -10262,10 +10445,10 @@
       </p:grpSpPr>
       <p:sp>
         <p:nvSpPr>
-          <p:cNvPr id="2" name="Title 1">
-            <a:extLst>
-              <a:ext uri="{FF2B5EF4-FFF2-40B4-BE49-F238E27FC236}">
-                <a16:creationId xmlns:a16="http://schemas.microsoft.com/office/drawing/2014/main" id="{42DD0E59-4C68-4F87-9821-23C69713D980}"/>
+          <p:cNvPr id="7" name="Title 6">
+            <a:extLst>
+              <a:ext uri="{FF2B5EF4-FFF2-40B4-BE49-F238E27FC236}">
+                <a16:creationId xmlns:a16="http://schemas.microsoft.com/office/drawing/2014/main" id="{75B9EB30-4349-4946-536B-CC5FA040E4FD}"/>
               </a:ext>
             </a:extLst>
           </p:cNvPr>
@@ -10276,29 +10459,24 @@
             <p:ph type="title"/>
           </p:nvPr>
         </p:nvSpPr>
-        <p:spPr>
-          <a:xfrm rot="19153991">
-            <a:off x="1417797" y="2294257"/>
-            <a:ext cx="8421688" cy="1325563"/>
-          </a:xfrm>
-        </p:spPr>
+        <p:spPr/>
         <p:txBody>
           <a:bodyPr/>
           <a:lstStyle/>
           <a:p>
             <a:r>
               <a:rPr lang="en-US" dirty="0"/>
-              <a:t>Any Questions</a:t>
-            </a:r>
-          </a:p>
-        </p:txBody>
-      </p:sp>
-      <p:sp>
-        <p:nvSpPr>
-          <p:cNvPr id="56" name="Date Placeholder 55">
-            <a:extLst>
-              <a:ext uri="{FF2B5EF4-FFF2-40B4-BE49-F238E27FC236}">
-                <a16:creationId xmlns:a16="http://schemas.microsoft.com/office/drawing/2014/main" id="{B289356A-BDA0-4234-84F2-9F2F25D0D7BD}"/>
+              <a:t>Arduino Code</a:t>
+            </a:r>
+          </a:p>
+        </p:txBody>
+      </p:sp>
+      <p:sp>
+        <p:nvSpPr>
+          <p:cNvPr id="4" name="Date Placeholder 3">
+            <a:extLst>
+              <a:ext uri="{FF2B5EF4-FFF2-40B4-BE49-F238E27FC236}">
+                <a16:creationId xmlns:a16="http://schemas.microsoft.com/office/drawing/2014/main" id="{F74591BE-AAF9-7E65-1F95-7A16B17C9562}"/>
               </a:ext>
             </a:extLst>
           </p:cNvPr>
@@ -10309,29 +10487,24 @@
             <p:ph type="dt" sz="half" idx="10"/>
           </p:nvPr>
         </p:nvSpPr>
-        <p:spPr>
-          <a:xfrm>
-            <a:off x="838200" y="6356350"/>
-            <a:ext cx="2743200" cy="365125"/>
-          </a:xfrm>
-        </p:spPr>
+        <p:spPr/>
         <p:txBody>
           <a:bodyPr/>
           <a:lstStyle/>
           <a:p>
             <a:r>
               <a:rPr lang="en-US" dirty="0"/>
-              <a:t>20XX</a:t>
-            </a:r>
-          </a:p>
-        </p:txBody>
-      </p:sp>
-      <p:sp>
-        <p:nvSpPr>
-          <p:cNvPr id="57" name="Footer Placeholder 56">
-            <a:extLst>
-              <a:ext uri="{FF2B5EF4-FFF2-40B4-BE49-F238E27FC236}">
-                <a16:creationId xmlns:a16="http://schemas.microsoft.com/office/drawing/2014/main" id="{3A38BE84-957B-46B9-A315-4B5064DFF1A1}"/>
+              <a:t>Fall 2022</a:t>
+            </a:r>
+          </a:p>
+        </p:txBody>
+      </p:sp>
+      <p:sp>
+        <p:nvSpPr>
+          <p:cNvPr id="5" name="Footer Placeholder 4">
+            <a:extLst>
+              <a:ext uri="{FF2B5EF4-FFF2-40B4-BE49-F238E27FC236}">
+                <a16:creationId xmlns:a16="http://schemas.microsoft.com/office/drawing/2014/main" id="{2582C329-FA2D-E416-9DE7-0A5F0BB7BE32}"/>
               </a:ext>
             </a:extLst>
           </p:cNvPr>
@@ -10342,29 +10515,24 @@
             <p:ph type="ftr" sz="quarter" idx="11"/>
           </p:nvPr>
         </p:nvSpPr>
-        <p:spPr>
-          <a:xfrm>
-            <a:off x="4038600" y="6356350"/>
-            <a:ext cx="4114800" cy="365125"/>
-          </a:xfrm>
-        </p:spPr>
+        <p:spPr/>
         <p:txBody>
           <a:bodyPr/>
           <a:lstStyle/>
           <a:p>
             <a:r>
               <a:rPr lang="en-US" dirty="0"/>
-              <a:t>PRESENTATION TITLE</a:t>
-            </a:r>
-          </a:p>
-        </p:txBody>
-      </p:sp>
-      <p:sp>
-        <p:nvSpPr>
-          <p:cNvPr id="58" name="Slide Number Placeholder 57">
-            <a:extLst>
-              <a:ext uri="{FF2B5EF4-FFF2-40B4-BE49-F238E27FC236}">
-                <a16:creationId xmlns:a16="http://schemas.microsoft.com/office/drawing/2014/main" id="{E1900601-8B04-4FF3-B06F-6BEFAC6556D3}"/>
+              <a:t>Open Sesame</a:t>
+            </a:r>
+          </a:p>
+        </p:txBody>
+      </p:sp>
+      <p:sp>
+        <p:nvSpPr>
+          <p:cNvPr id="6" name="Slide Number Placeholder 5">
+            <a:extLst>
+              <a:ext uri="{FF2B5EF4-FFF2-40B4-BE49-F238E27FC236}">
+                <a16:creationId xmlns:a16="http://schemas.microsoft.com/office/drawing/2014/main" id="{D6C31DC7-B5E1-42DB-5936-72A29A9959CB}"/>
               </a:ext>
             </a:extLst>
           </p:cNvPr>
@@ -10375,12 +10543,7 @@
             <p:ph type="sldNum" sz="quarter" idx="12"/>
           </p:nvPr>
         </p:nvSpPr>
-        <p:spPr>
-          <a:xfrm>
-            <a:off x="8610600" y="6356350"/>
-            <a:ext cx="2743200" cy="365125"/>
-          </a:xfrm>
-        </p:spPr>
+        <p:spPr/>
         <p:txBody>
           <a:bodyPr/>
           <a:lstStyle/>
@@ -10389,6 +10552,428 @@
               <a:rPr lang="en-US" smtClean="0"/>
               <a:pPr/>
               <a:t>13</a:t>
+            </a:fld>
+            <a:endParaRPr lang="en-US" dirty="0"/>
+          </a:p>
+        </p:txBody>
+      </p:sp>
+      <p:pic>
+        <p:nvPicPr>
+          <p:cNvPr id="10" name="Picture 9">
+            <a:extLst>
+              <a:ext uri="{FF2B5EF4-FFF2-40B4-BE49-F238E27FC236}">
+                <a16:creationId xmlns:a16="http://schemas.microsoft.com/office/drawing/2014/main" id="{B581149D-A3F3-113F-061D-BBE096F4D7AE}"/>
+              </a:ext>
+            </a:extLst>
+          </p:cNvPr>
+          <p:cNvPicPr>
+            <a:picLocks noChangeAspect="1"/>
+          </p:cNvPicPr>
+          <p:nvPr/>
+        </p:nvPicPr>
+        <p:blipFill rotWithShape="1">
+          <a:blip r:embed="rId2"/>
+          <a:srcRect t="13793" r="9121"/>
+          <a:stretch/>
+        </p:blipFill>
+        <p:spPr>
+          <a:xfrm>
+            <a:off x="1666875" y="1244601"/>
+            <a:ext cx="9261510" cy="4879974"/>
+          </a:xfrm>
+          <a:prstGeom prst="rect">
+            <a:avLst/>
+          </a:prstGeom>
+        </p:spPr>
+      </p:pic>
+    </p:spTree>
+    <p:extLst>
+      <p:ext uri="{BB962C8B-B14F-4D97-AF65-F5344CB8AC3E}">
+        <p14:creationId xmlns:p14="http://schemas.microsoft.com/office/powerpoint/2010/main" val="4273940783"/>
+      </p:ext>
+    </p:extLst>
+  </p:cSld>
+  <p:clrMapOvr>
+    <a:masterClrMapping/>
+  </p:clrMapOvr>
+</p:sld>
+</file>
+
+<file path=ppt/slides/slide14.xml><?xml version="1.0" encoding="utf-8"?>
+<p:sld xmlns:a="http://schemas.openxmlformats.org/drawingml/2006/main" xmlns:r="http://schemas.openxmlformats.org/officeDocument/2006/relationships" xmlns:p="http://schemas.openxmlformats.org/presentationml/2006/main">
+  <p:cSld>
+    <p:spTree>
+      <p:nvGrpSpPr>
+        <p:cNvPr id="1" name=""/>
+        <p:cNvGrpSpPr/>
+        <p:nvPr/>
+      </p:nvGrpSpPr>
+      <p:grpSpPr>
+        <a:xfrm>
+          <a:off x="0" y="0"/>
+          <a:ext cx="0" cy="0"/>
+          <a:chOff x="0" y="0"/>
+          <a:chExt cx="0" cy="0"/>
+        </a:xfrm>
+      </p:grpSpPr>
+      <p:sp>
+        <p:nvSpPr>
+          <p:cNvPr id="2" name="Title 1">
+            <a:extLst>
+              <a:ext uri="{FF2B5EF4-FFF2-40B4-BE49-F238E27FC236}">
+                <a16:creationId xmlns:a16="http://schemas.microsoft.com/office/drawing/2014/main" id="{4F6A2D15-4D68-4BF7-9421-032AE6C8852C}"/>
+              </a:ext>
+            </a:extLst>
+          </p:cNvPr>
+          <p:cNvSpPr>
+            <a:spLocks noGrp="1"/>
+          </p:cNvSpPr>
+          <p:nvPr>
+            <p:ph type="title"/>
+          </p:nvPr>
+        </p:nvSpPr>
+        <p:spPr>
+          <a:xfrm>
+            <a:off x="1885156" y="892177"/>
+            <a:ext cx="8421688" cy="1325563"/>
+          </a:xfrm>
+        </p:spPr>
+        <p:txBody>
+          <a:bodyPr/>
+          <a:lstStyle/>
+          <a:p>
+            <a:r>
+              <a:rPr lang="en-US" dirty="0"/>
+              <a:t>Website</a:t>
+            </a:r>
+          </a:p>
+        </p:txBody>
+      </p:sp>
+      <p:sp>
+        <p:nvSpPr>
+          <p:cNvPr id="23" name="Date Placeholder 22">
+            <a:extLst>
+              <a:ext uri="{FF2B5EF4-FFF2-40B4-BE49-F238E27FC236}">
+                <a16:creationId xmlns:a16="http://schemas.microsoft.com/office/drawing/2014/main" id="{637DEDF5-3FCD-4BC2-86A5-7BE2BF01EA38}"/>
+              </a:ext>
+            </a:extLst>
+          </p:cNvPr>
+          <p:cNvSpPr>
+            <a:spLocks noGrp="1"/>
+          </p:cNvSpPr>
+          <p:nvPr>
+            <p:ph type="dt" sz="half" idx="10"/>
+          </p:nvPr>
+        </p:nvSpPr>
+        <p:spPr>
+          <a:xfrm>
+            <a:off x="838200" y="6356350"/>
+            <a:ext cx="2743200" cy="365125"/>
+          </a:xfrm>
+        </p:spPr>
+        <p:txBody>
+          <a:bodyPr/>
+          <a:lstStyle/>
+          <a:p>
+            <a:r>
+              <a:rPr lang="en-US" dirty="0"/>
+              <a:t>20XX</a:t>
+            </a:r>
+          </a:p>
+        </p:txBody>
+      </p:sp>
+      <p:sp>
+        <p:nvSpPr>
+          <p:cNvPr id="24" name="Footer Placeholder 23">
+            <a:extLst>
+              <a:ext uri="{FF2B5EF4-FFF2-40B4-BE49-F238E27FC236}">
+                <a16:creationId xmlns:a16="http://schemas.microsoft.com/office/drawing/2014/main" id="{918C3C97-444D-4600-8553-B9C4C1F8483B}"/>
+              </a:ext>
+            </a:extLst>
+          </p:cNvPr>
+          <p:cNvSpPr>
+            <a:spLocks noGrp="1"/>
+          </p:cNvSpPr>
+          <p:nvPr>
+            <p:ph type="ftr" sz="quarter" idx="11"/>
+          </p:nvPr>
+        </p:nvSpPr>
+        <p:spPr>
+          <a:xfrm>
+            <a:off x="4038600" y="6356350"/>
+            <a:ext cx="4114800" cy="365125"/>
+          </a:xfrm>
+        </p:spPr>
+        <p:txBody>
+          <a:bodyPr/>
+          <a:lstStyle/>
+          <a:p>
+            <a:r>
+              <a:rPr lang="en-US" dirty="0"/>
+              <a:t>PRESENTATION TITLE</a:t>
+            </a:r>
+          </a:p>
+        </p:txBody>
+      </p:sp>
+      <p:sp>
+        <p:nvSpPr>
+          <p:cNvPr id="25" name="Slide Number Placeholder 24">
+            <a:extLst>
+              <a:ext uri="{FF2B5EF4-FFF2-40B4-BE49-F238E27FC236}">
+                <a16:creationId xmlns:a16="http://schemas.microsoft.com/office/drawing/2014/main" id="{148E9129-4CC6-47BA-ACD8-2C632A8660EC}"/>
+              </a:ext>
+            </a:extLst>
+          </p:cNvPr>
+          <p:cNvSpPr>
+            <a:spLocks noGrp="1"/>
+          </p:cNvSpPr>
+          <p:nvPr>
+            <p:ph type="sldNum" sz="quarter" idx="12"/>
+          </p:nvPr>
+        </p:nvSpPr>
+        <p:spPr>
+          <a:xfrm>
+            <a:off x="8610600" y="6356350"/>
+            <a:ext cx="2743200" cy="365125"/>
+          </a:xfrm>
+        </p:spPr>
+        <p:txBody>
+          <a:bodyPr/>
+          <a:lstStyle/>
+          <a:p>
+            <a:fld id="{A49DFD55-3C28-40EF-9E31-A92D2E4017FF}" type="slidenum">
+              <a:rPr lang="en-US" smtClean="0"/>
+              <a:pPr/>
+              <a:t>14</a:t>
+            </a:fld>
+            <a:endParaRPr lang="en-US" dirty="0"/>
+          </a:p>
+        </p:txBody>
+      </p:sp>
+      <p:pic>
+        <p:nvPicPr>
+          <p:cNvPr id="43" name="Picture 42">
+            <a:extLst>
+              <a:ext uri="{FF2B5EF4-FFF2-40B4-BE49-F238E27FC236}">
+                <a16:creationId xmlns:a16="http://schemas.microsoft.com/office/drawing/2014/main" id="{BA1CF98E-3EEF-4D6B-94EE-D47613490CFB}"/>
+              </a:ext>
+            </a:extLst>
+          </p:cNvPr>
+          <p:cNvPicPr>
+            <a:picLocks noChangeAspect="1"/>
+          </p:cNvPicPr>
+          <p:nvPr/>
+        </p:nvPicPr>
+        <p:blipFill>
+          <a:blip r:embed="rId2"/>
+          <a:stretch>
+            <a:fillRect/>
+          </a:stretch>
+        </p:blipFill>
+        <p:spPr>
+          <a:xfrm>
+            <a:off x="3769360" y="2217740"/>
+            <a:ext cx="5080354" cy="3720222"/>
+          </a:xfrm>
+          <a:prstGeom prst="rect">
+            <a:avLst/>
+          </a:prstGeom>
+        </p:spPr>
+      </p:pic>
+      <p:sp>
+        <p:nvSpPr>
+          <p:cNvPr id="44" name="TextBox 43">
+            <a:extLst>
+              <a:ext uri="{FF2B5EF4-FFF2-40B4-BE49-F238E27FC236}">
+                <a16:creationId xmlns:a16="http://schemas.microsoft.com/office/drawing/2014/main" id="{25D5AF7C-A550-4BF6-98D9-B5D9C37945B8}"/>
+              </a:ext>
+            </a:extLst>
+          </p:cNvPr>
+          <p:cNvSpPr txBox="1"/>
+          <p:nvPr/>
+        </p:nvSpPr>
+        <p:spPr>
+          <a:xfrm rot="19480655">
+            <a:off x="3878978" y="2316480"/>
+            <a:ext cx="7319804" cy="1200329"/>
+          </a:xfrm>
+          <a:prstGeom prst="rect">
+            <a:avLst/>
+          </a:prstGeom>
+          <a:noFill/>
+        </p:spPr>
+        <p:txBody>
+          <a:bodyPr wrap="square" rtlCol="0">
+            <a:spAutoFit/>
+          </a:bodyPr>
+          <a:lstStyle/>
+          <a:p>
+            <a:r>
+              <a:rPr lang="en-US" sz="7200" dirty="0"/>
+              <a:t>In Process</a:t>
+            </a:r>
+          </a:p>
+        </p:txBody>
+      </p:sp>
+    </p:spTree>
+    <p:extLst>
+      <p:ext uri="{BB962C8B-B14F-4D97-AF65-F5344CB8AC3E}">
+        <p14:creationId xmlns:p14="http://schemas.microsoft.com/office/powerpoint/2010/main" val="2619301236"/>
+      </p:ext>
+    </p:extLst>
+  </p:cSld>
+  <p:clrMapOvr>
+    <a:masterClrMapping/>
+  </p:clrMapOvr>
+</p:sld>
+</file>
+
+<file path=ppt/slides/slide15.xml><?xml version="1.0" encoding="utf-8"?>
+<p:sld xmlns:a="http://schemas.openxmlformats.org/drawingml/2006/main" xmlns:r="http://schemas.openxmlformats.org/officeDocument/2006/relationships" xmlns:p="http://schemas.openxmlformats.org/presentationml/2006/main">
+  <p:cSld>
+    <p:spTree>
+      <p:nvGrpSpPr>
+        <p:cNvPr id="1" name=""/>
+        <p:cNvGrpSpPr/>
+        <p:nvPr/>
+      </p:nvGrpSpPr>
+      <p:grpSpPr>
+        <a:xfrm>
+          <a:off x="0" y="0"/>
+          <a:ext cx="0" cy="0"/>
+          <a:chOff x="0" y="0"/>
+          <a:chExt cx="0" cy="0"/>
+        </a:xfrm>
+      </p:grpSpPr>
+      <p:sp>
+        <p:nvSpPr>
+          <p:cNvPr id="2" name="Title 1">
+            <a:extLst>
+              <a:ext uri="{FF2B5EF4-FFF2-40B4-BE49-F238E27FC236}">
+                <a16:creationId xmlns:a16="http://schemas.microsoft.com/office/drawing/2014/main" id="{42DD0E59-4C68-4F87-9821-23C69713D980}"/>
+              </a:ext>
+            </a:extLst>
+          </p:cNvPr>
+          <p:cNvSpPr>
+            <a:spLocks noGrp="1"/>
+          </p:cNvSpPr>
+          <p:nvPr>
+            <p:ph type="title"/>
+          </p:nvPr>
+        </p:nvSpPr>
+        <p:spPr>
+          <a:xfrm rot="19153991">
+            <a:off x="1417797" y="2294257"/>
+            <a:ext cx="8421688" cy="1325563"/>
+          </a:xfrm>
+        </p:spPr>
+        <p:txBody>
+          <a:bodyPr/>
+          <a:lstStyle/>
+          <a:p>
+            <a:r>
+              <a:rPr lang="en-US" dirty="0"/>
+              <a:t>Any Questions</a:t>
+            </a:r>
+          </a:p>
+        </p:txBody>
+      </p:sp>
+      <p:sp>
+        <p:nvSpPr>
+          <p:cNvPr id="56" name="Date Placeholder 55">
+            <a:extLst>
+              <a:ext uri="{FF2B5EF4-FFF2-40B4-BE49-F238E27FC236}">
+                <a16:creationId xmlns:a16="http://schemas.microsoft.com/office/drawing/2014/main" id="{B289356A-BDA0-4234-84F2-9F2F25D0D7BD}"/>
+              </a:ext>
+            </a:extLst>
+          </p:cNvPr>
+          <p:cNvSpPr>
+            <a:spLocks noGrp="1"/>
+          </p:cNvSpPr>
+          <p:nvPr>
+            <p:ph type="dt" sz="half" idx="10"/>
+          </p:nvPr>
+        </p:nvSpPr>
+        <p:spPr>
+          <a:xfrm>
+            <a:off x="838200" y="6356350"/>
+            <a:ext cx="2743200" cy="365125"/>
+          </a:xfrm>
+        </p:spPr>
+        <p:txBody>
+          <a:bodyPr/>
+          <a:lstStyle/>
+          <a:p>
+            <a:r>
+              <a:rPr lang="en-US" dirty="0"/>
+              <a:t>20XX</a:t>
+            </a:r>
+          </a:p>
+        </p:txBody>
+      </p:sp>
+      <p:sp>
+        <p:nvSpPr>
+          <p:cNvPr id="57" name="Footer Placeholder 56">
+            <a:extLst>
+              <a:ext uri="{FF2B5EF4-FFF2-40B4-BE49-F238E27FC236}">
+                <a16:creationId xmlns:a16="http://schemas.microsoft.com/office/drawing/2014/main" id="{3A38BE84-957B-46B9-A315-4B5064DFF1A1}"/>
+              </a:ext>
+            </a:extLst>
+          </p:cNvPr>
+          <p:cNvSpPr>
+            <a:spLocks noGrp="1"/>
+          </p:cNvSpPr>
+          <p:nvPr>
+            <p:ph type="ftr" sz="quarter" idx="11"/>
+          </p:nvPr>
+        </p:nvSpPr>
+        <p:spPr>
+          <a:xfrm>
+            <a:off x="4038600" y="6356350"/>
+            <a:ext cx="4114800" cy="365125"/>
+          </a:xfrm>
+        </p:spPr>
+        <p:txBody>
+          <a:bodyPr/>
+          <a:lstStyle/>
+          <a:p>
+            <a:r>
+              <a:rPr lang="en-US" dirty="0"/>
+              <a:t>PRESENTATION TITLE</a:t>
+            </a:r>
+          </a:p>
+        </p:txBody>
+      </p:sp>
+      <p:sp>
+        <p:nvSpPr>
+          <p:cNvPr id="58" name="Slide Number Placeholder 57">
+            <a:extLst>
+              <a:ext uri="{FF2B5EF4-FFF2-40B4-BE49-F238E27FC236}">
+                <a16:creationId xmlns:a16="http://schemas.microsoft.com/office/drawing/2014/main" id="{E1900601-8B04-4FF3-B06F-6BEFAC6556D3}"/>
+              </a:ext>
+            </a:extLst>
+          </p:cNvPr>
+          <p:cNvSpPr>
+            <a:spLocks noGrp="1"/>
+          </p:cNvSpPr>
+          <p:nvPr>
+            <p:ph type="sldNum" sz="quarter" idx="12"/>
+          </p:nvPr>
+        </p:nvSpPr>
+        <p:spPr>
+          <a:xfrm>
+            <a:off x="8610600" y="6356350"/>
+            <a:ext cx="2743200" cy="365125"/>
+          </a:xfrm>
+        </p:spPr>
+        <p:txBody>
+          <a:bodyPr/>
+          <a:lstStyle/>
+          <a:p>
+            <a:fld id="{A49DFD55-3C28-40EF-9E31-A92D2E4017FF}" type="slidenum">
+              <a:rPr lang="en-US" smtClean="0"/>
+              <a:pPr/>
+              <a:t>15</a:t>
             </a:fld>
             <a:endParaRPr lang="en-US" dirty="0"/>
           </a:p>
@@ -12296,820 +12881,11 @@
           <a:p>
             <a:r>
               <a:rPr lang="en-US" dirty="0"/>
-              <a:t>Project Requirements </a:t>
-            </a:r>
-          </a:p>
-        </p:txBody>
-      </p:sp>
-      <p:graphicFrame>
-        <p:nvGraphicFramePr>
-          <p:cNvPr id="4" name="Table 4">
-            <a:extLst>
-              <a:ext uri="{FF2B5EF4-FFF2-40B4-BE49-F238E27FC236}">
-                <a16:creationId xmlns:a16="http://schemas.microsoft.com/office/drawing/2014/main" id="{390E7E75-E57A-4FF0-A0E4-A4DBCF6EA89A}"/>
-              </a:ext>
-            </a:extLst>
-          </p:cNvPr>
-          <p:cNvGraphicFramePr>
-            <a:graphicFrameLocks noGrp="1"/>
-          </p:cNvGraphicFramePr>
-          <p:nvPr>
-            <p:ph type="tbl" sz="quarter" idx="14"/>
-            <p:extLst>
-              <p:ext uri="{D42A27DB-BD31-4B8C-83A1-F6EECF244321}">
-                <p14:modId xmlns:p14="http://schemas.microsoft.com/office/powerpoint/2010/main" val="3057452346"/>
-              </p:ext>
-            </p:extLst>
-          </p:nvPr>
-        </p:nvGraphicFramePr>
-        <p:xfrm>
-          <a:off x="838200" y="1453242"/>
-          <a:ext cx="10515600" cy="4920434"/>
-        </p:xfrm>
-        <a:graphic>
-          <a:graphicData uri="http://schemas.openxmlformats.org/drawingml/2006/table">
-            <a:tbl>
-              <a:tblPr firstRow="1" bandRow="1">
-                <a:tableStyleId>{7E9639D4-E3E2-4D34-9284-5A2195B3D0D7}</a:tableStyleId>
-              </a:tblPr>
-              <a:tblGrid>
-                <a:gridCol w="2103120">
-                  <a:extLst>
-                    <a:ext uri="{9D8B030D-6E8A-4147-A177-3AD203B41FA5}">
-                      <a16:colId xmlns:a16="http://schemas.microsoft.com/office/drawing/2014/main" val="3261104555"/>
-                    </a:ext>
-                  </a:extLst>
-                </a:gridCol>
-                <a:gridCol w="2103120">
-                  <a:extLst>
-                    <a:ext uri="{9D8B030D-6E8A-4147-A177-3AD203B41FA5}">
-                      <a16:colId xmlns:a16="http://schemas.microsoft.com/office/drawing/2014/main" val="2547279344"/>
-                    </a:ext>
-                  </a:extLst>
-                </a:gridCol>
-                <a:gridCol w="2103120">
-                  <a:extLst>
-                    <a:ext uri="{9D8B030D-6E8A-4147-A177-3AD203B41FA5}">
-                      <a16:colId xmlns:a16="http://schemas.microsoft.com/office/drawing/2014/main" val="2366228292"/>
-                    </a:ext>
-                  </a:extLst>
-                </a:gridCol>
-                <a:gridCol w="2103120">
-                  <a:extLst>
-                    <a:ext uri="{9D8B030D-6E8A-4147-A177-3AD203B41FA5}">
-                      <a16:colId xmlns:a16="http://schemas.microsoft.com/office/drawing/2014/main" val="934788178"/>
-                    </a:ext>
-                  </a:extLst>
-                </a:gridCol>
-                <a:gridCol w="2103120">
-                  <a:extLst>
-                    <a:ext uri="{9D8B030D-6E8A-4147-A177-3AD203B41FA5}">
-                      <a16:colId xmlns:a16="http://schemas.microsoft.com/office/drawing/2014/main" val="2596635212"/>
-                    </a:ext>
-                  </a:extLst>
-                </a:gridCol>
-              </a:tblGrid>
-              <a:tr h="714194">
-                <a:tc>
-                  <a:txBody>
-                    <a:bodyPr/>
-                    <a:lstStyle/>
-                    <a:p>
-                      <a:pPr algn="ctr" rtl="0" fontAlgn="auto"/>
-                      <a:r>
-                        <a:rPr lang="en-US" sz="1600" b="1" i="0" dirty="0">
-                          <a:solidFill>
-                            <a:srgbClr val="FFFFFF"/>
-                          </a:solidFill>
-                          <a:effectLst/>
-                          <a:latin typeface="Times New Roman" panose="02020603050405020304" pitchFamily="18" charset="0"/>
-                          <a:cs typeface="Times New Roman" panose="02020603050405020304" pitchFamily="18" charset="0"/>
-                        </a:rPr>
-                        <a:t>Non-Functional Requirements​</a:t>
-                      </a:r>
-                    </a:p>
-                  </a:txBody>
-                  <a:tcPr anchor="ctr"/>
-                </a:tc>
-                <a:tc>
-                  <a:txBody>
-                    <a:bodyPr/>
-                    <a:lstStyle/>
-                    <a:p>
-                      <a:pPr algn="ctr" rtl="0" fontAlgn="base"/>
-                      <a:r>
-                        <a:rPr lang="en-US" sz="1600" b="1" i="0" dirty="0">
-                          <a:solidFill>
-                            <a:schemeClr val="accent1"/>
-                          </a:solidFill>
-                          <a:effectLst/>
-                          <a:latin typeface="Times New Roman" panose="02020603050405020304" pitchFamily="18" charset="0"/>
-                          <a:cs typeface="Times New Roman" panose="02020603050405020304" pitchFamily="18" charset="0"/>
-                        </a:rPr>
-                        <a:t>User Action</a:t>
-                      </a:r>
-                    </a:p>
-                  </a:txBody>
-                  <a:tcPr anchor="ctr"/>
-                </a:tc>
-                <a:tc>
-                  <a:txBody>
-                    <a:bodyPr/>
-                    <a:lstStyle/>
-                    <a:p>
-                      <a:pPr algn="ctr" rtl="0" fontAlgn="base"/>
-                      <a:r>
-                        <a:rPr lang="en-US" sz="1600" b="1" i="0" dirty="0">
-                          <a:solidFill>
-                            <a:schemeClr val="accent1"/>
-                          </a:solidFill>
-                          <a:effectLst/>
-                          <a:latin typeface="Times New Roman" panose="02020603050405020304" pitchFamily="18" charset="0"/>
-                          <a:cs typeface="Times New Roman" panose="02020603050405020304" pitchFamily="18" charset="0"/>
-                        </a:rPr>
-                        <a:t>Product Action</a:t>
-                      </a:r>
-                    </a:p>
-                  </a:txBody>
-                  <a:tcPr anchor="ctr"/>
-                </a:tc>
-                <a:tc>
-                  <a:txBody>
-                    <a:bodyPr/>
-                    <a:lstStyle/>
-                    <a:p>
-                      <a:pPr algn="ctr" rtl="0" fontAlgn="base"/>
-                      <a:r>
-                        <a:rPr lang="en-US" sz="1600" b="1" i="0" kern="1200" dirty="0">
-                          <a:solidFill>
-                            <a:schemeClr val="accent1"/>
-                          </a:solidFill>
-                          <a:effectLst/>
-                          <a:latin typeface="Times New Roman" panose="02020603050405020304" pitchFamily="18" charset="0"/>
-                          <a:ea typeface="+mn-ea"/>
-                          <a:cs typeface="Times New Roman" panose="02020603050405020304" pitchFamily="18" charset="0"/>
-                        </a:rPr>
-                        <a:t>Safety Conditions</a:t>
-                      </a:r>
-                      <a:endParaRPr lang="en-US" sz="1600" b="1" i="0" dirty="0">
-                        <a:solidFill>
-                          <a:srgbClr val="FFFFFF"/>
-                        </a:solidFill>
-                        <a:effectLst/>
-                        <a:latin typeface="Times New Roman" panose="02020603050405020304" pitchFamily="18" charset="0"/>
-                        <a:cs typeface="Times New Roman" panose="02020603050405020304" pitchFamily="18" charset="0"/>
-                      </a:endParaRPr>
-                    </a:p>
-                  </a:txBody>
-                  <a:tcPr anchor="ctr"/>
-                </a:tc>
-                <a:tc>
-                  <a:txBody>
-                    <a:bodyPr/>
-                    <a:lstStyle/>
-                    <a:p>
-                      <a:pPr algn="ctr" rtl="0" fontAlgn="base"/>
-                      <a:r>
-                        <a:rPr lang="en-US" sz="1600" b="1" i="0" kern="1200" dirty="0">
-                          <a:solidFill>
-                            <a:schemeClr val="accent1"/>
-                          </a:solidFill>
-                          <a:effectLst/>
-                          <a:latin typeface="Times New Roman" panose="02020603050405020304" pitchFamily="18" charset="0"/>
-                          <a:ea typeface="+mn-ea"/>
-                          <a:cs typeface="Times New Roman" panose="02020603050405020304" pitchFamily="18" charset="0"/>
-                        </a:rPr>
-                        <a:t>Project Requirement meet.</a:t>
-                      </a:r>
-                    </a:p>
-                  </a:txBody>
-                  <a:tcPr anchor="ctr"/>
-                </a:tc>
-                <a:extLst>
-                  <a:ext uri="{0D108BD9-81ED-4DB2-BD59-A6C34878D82A}">
-                    <a16:rowId xmlns:a16="http://schemas.microsoft.com/office/drawing/2014/main" val="3441328149"/>
-                  </a:ext>
-                </a:extLst>
-              </a:tr>
-              <a:tr h="714194">
-                <a:tc>
-                  <a:txBody>
-                    <a:bodyPr/>
-                    <a:lstStyle/>
-                    <a:p>
-                      <a:pPr algn="ctr" rtl="0" fontAlgn="base"/>
-                      <a:r>
-                        <a:rPr lang="en-US" sz="1400" dirty="0">
-                          <a:latin typeface="Times New Roman" panose="02020603050405020304" pitchFamily="18" charset="0"/>
-                          <a:cs typeface="Times New Roman" panose="02020603050405020304" pitchFamily="18" charset="0"/>
-                        </a:rPr>
-                        <a:t>Door Opens using handheld device.</a:t>
-                      </a:r>
-                    </a:p>
-                  </a:txBody>
-                  <a:tcPr anchor="ctr">
-                    <a:lnL w="12700" cap="flat" cmpd="sng" algn="ctr">
-                      <a:noFill/>
-                      <a:prstDash val="solid"/>
-                      <a:round/>
-                      <a:headEnd type="none" w="med" len="med"/>
-                      <a:tailEnd type="none" w="med" len="med"/>
-                    </a:lnL>
-                  </a:tcPr>
-                </a:tc>
-                <a:tc>
-                  <a:txBody>
-                    <a:bodyPr/>
-                    <a:lstStyle/>
-                    <a:p>
-                      <a:pPr algn="ctr" rtl="0" fontAlgn="base"/>
-                      <a:r>
-                        <a:rPr lang="en-US" sz="1400" dirty="0">
-                          <a:latin typeface="Times New Roman" panose="02020603050405020304" pitchFamily="18" charset="0"/>
-                          <a:cs typeface="Times New Roman" panose="02020603050405020304" pitchFamily="18" charset="0"/>
-                        </a:rPr>
-                        <a:t>The user says, "Open the right front door."</a:t>
-                      </a:r>
-                    </a:p>
-                  </a:txBody>
-                  <a:tcPr anchor="ctr"/>
-                </a:tc>
-                <a:tc>
-                  <a:txBody>
-                    <a:bodyPr/>
-                    <a:lstStyle/>
-                    <a:p>
-                      <a:pPr algn="ctr" rtl="0" fontAlgn="base"/>
-                      <a:r>
-                        <a:rPr lang="en-US" sz="1400" b="0" i="0" dirty="0">
-                          <a:solidFill>
-                            <a:srgbClr val="333F50"/>
-                          </a:solidFill>
-                          <a:effectLst/>
-                          <a:latin typeface="Times New Roman" panose="02020603050405020304" pitchFamily="18" charset="0"/>
-                          <a:cs typeface="Times New Roman" panose="02020603050405020304" pitchFamily="18" charset="0"/>
-                        </a:rPr>
-                        <a:t>A blue tooth signal is transmitted to the car and  the computer opens the right front door.</a:t>
-                      </a:r>
-                      <a:endParaRPr lang="en-US" sz="1400" b="0" i="0" dirty="0">
-                        <a:solidFill>
-                          <a:srgbClr val="000000"/>
-                        </a:solidFill>
-                        <a:effectLst/>
-                        <a:latin typeface="Times New Roman" panose="02020603050405020304" pitchFamily="18" charset="0"/>
-                        <a:cs typeface="Times New Roman" panose="02020603050405020304" pitchFamily="18" charset="0"/>
-                      </a:endParaRPr>
-                    </a:p>
-                  </a:txBody>
-                  <a:tcPr anchor="ctr"/>
-                </a:tc>
-                <a:tc>
-                  <a:txBody>
-                    <a:bodyPr/>
-                    <a:lstStyle/>
-                    <a:p>
-                      <a:pPr algn="ctr" rtl="0" fontAlgn="base"/>
-                      <a:r>
-                        <a:rPr lang="en-US" sz="1400" b="0" i="0" dirty="0">
-                          <a:solidFill>
-                            <a:srgbClr val="333F50"/>
-                          </a:solidFill>
-                          <a:effectLst/>
-                          <a:latin typeface="Times New Roman" panose="02020603050405020304" pitchFamily="18" charset="0"/>
-                          <a:cs typeface="Times New Roman" panose="02020603050405020304" pitchFamily="18" charset="0"/>
-                        </a:rPr>
-                        <a:t>Parking Brake must be applied. Car must be parked.</a:t>
-                      </a:r>
-                      <a:endParaRPr lang="en-US" sz="1400" b="0" i="0" dirty="0">
-                        <a:solidFill>
-                          <a:srgbClr val="000000"/>
-                        </a:solidFill>
-                        <a:effectLst/>
-                        <a:latin typeface="Times New Roman" panose="02020603050405020304" pitchFamily="18" charset="0"/>
-                        <a:cs typeface="Times New Roman" panose="02020603050405020304" pitchFamily="18" charset="0"/>
-                      </a:endParaRPr>
-                    </a:p>
-                  </a:txBody>
-                  <a:tcPr anchor="ctr">
-                    <a:lnR w="12700" cap="flat" cmpd="sng" algn="ctr">
-                      <a:noFill/>
-                      <a:prstDash val="solid"/>
-                      <a:round/>
-                      <a:headEnd type="none" w="med" len="med"/>
-                      <a:tailEnd type="none" w="med" len="med"/>
-                    </a:lnR>
-                  </a:tcPr>
-                </a:tc>
-                <a:tc>
-                  <a:txBody>
-                    <a:bodyPr/>
-                    <a:lstStyle/>
-                    <a:p>
-                      <a:pPr algn="ctr" rtl="0" fontAlgn="base"/>
-                      <a:r>
-                        <a:rPr lang="en-US" sz="1400" b="0" i="0" dirty="0">
-                          <a:solidFill>
-                            <a:srgbClr val="333F50"/>
-                          </a:solidFill>
-                          <a:effectLst/>
-                          <a:latin typeface="Times New Roman" panose="02020603050405020304" pitchFamily="18" charset="0"/>
-                          <a:cs typeface="Times New Roman" panose="02020603050405020304" pitchFamily="18" charset="0"/>
-                        </a:rPr>
-                        <a:t>Yes</a:t>
-                      </a:r>
-                      <a:endParaRPr lang="en-US" sz="1400" b="0" i="0" dirty="0">
-                        <a:solidFill>
-                          <a:srgbClr val="000000"/>
-                        </a:solidFill>
-                        <a:effectLst/>
-                        <a:latin typeface="Times New Roman" panose="02020603050405020304" pitchFamily="18" charset="0"/>
-                        <a:cs typeface="Times New Roman" panose="02020603050405020304" pitchFamily="18" charset="0"/>
-                      </a:endParaRPr>
-                    </a:p>
-                  </a:txBody>
-                  <a:tcPr anchor="ctr">
-                    <a:lnL w="12700" cap="flat" cmpd="sng" algn="ctr">
-                      <a:noFill/>
-                      <a:prstDash val="solid"/>
-                      <a:round/>
-                      <a:headEnd type="none" w="med" len="med"/>
-                      <a:tailEnd type="none" w="med" len="med"/>
-                    </a:lnL>
-                    <a:lnR w="12700" cap="flat" cmpd="sng" algn="ctr">
-                      <a:noFill/>
-                      <a:prstDash val="solid"/>
-                      <a:round/>
-                      <a:headEnd type="none" w="med" len="med"/>
-                      <a:tailEnd type="none" w="med" len="med"/>
-                    </a:lnR>
-                  </a:tcPr>
-                </a:tc>
-                <a:extLst>
-                  <a:ext uri="{0D108BD9-81ED-4DB2-BD59-A6C34878D82A}">
-                    <a16:rowId xmlns:a16="http://schemas.microsoft.com/office/drawing/2014/main" val="3134841754"/>
-                  </a:ext>
-                </a:extLst>
-              </a:tr>
-              <a:tr h="714194">
-                <a:tc>
-                  <a:txBody>
-                    <a:bodyPr/>
-                    <a:lstStyle/>
-                    <a:p>
-                      <a:pPr algn="ctr" rtl="0" fontAlgn="base"/>
-                      <a:r>
-                        <a:rPr lang="en-US" sz="1400" dirty="0">
-                          <a:latin typeface="Times New Roman" panose="02020603050405020304" pitchFamily="18" charset="0"/>
-                          <a:cs typeface="Times New Roman" panose="02020603050405020304" pitchFamily="18" charset="0"/>
-                        </a:rPr>
-                        <a:t>Door Closes using handheld device.</a:t>
-                      </a:r>
-                    </a:p>
-                  </a:txBody>
-                  <a:tcPr anchor="ctr">
-                    <a:lnL w="12700" cap="flat" cmpd="sng" algn="ctr">
-                      <a:noFill/>
-                      <a:prstDash val="solid"/>
-                      <a:round/>
-                      <a:headEnd type="none" w="med" len="med"/>
-                      <a:tailEnd type="none" w="med" len="med"/>
-                    </a:lnL>
-                  </a:tcPr>
-                </a:tc>
-                <a:tc>
-                  <a:txBody>
-                    <a:bodyPr/>
-                    <a:lstStyle/>
-                    <a:p>
-                      <a:pPr algn="ctr" rtl="0" fontAlgn="base"/>
-                      <a:r>
-                        <a:rPr lang="en-US" sz="1400" dirty="0">
-                          <a:latin typeface="Times New Roman" panose="02020603050405020304" pitchFamily="18" charset="0"/>
-                          <a:cs typeface="Times New Roman" panose="02020603050405020304" pitchFamily="18" charset="0"/>
-                        </a:rPr>
-                        <a:t>The user says, “Close the right front door."</a:t>
-                      </a:r>
-                    </a:p>
-                  </a:txBody>
-                  <a:tcPr anchor="ctr"/>
-                </a:tc>
-                <a:tc>
-                  <a:txBody>
-                    <a:bodyPr/>
-                    <a:lstStyle/>
-                    <a:p>
-                      <a:pPr algn="ctr" rtl="0" fontAlgn="base"/>
-                      <a:r>
-                        <a:rPr lang="en-US" sz="1400" b="0" i="0" dirty="0">
-                          <a:solidFill>
-                            <a:srgbClr val="333F50"/>
-                          </a:solidFill>
-                          <a:effectLst/>
-                          <a:latin typeface="Times New Roman" panose="02020603050405020304" pitchFamily="18" charset="0"/>
-                          <a:cs typeface="Times New Roman" panose="02020603050405020304" pitchFamily="18" charset="0"/>
-                        </a:rPr>
-                        <a:t>A blue tooth signal is transmitted to the car and  the computer opens the right front door.</a:t>
-                      </a:r>
-                      <a:endParaRPr lang="en-US" sz="1400" b="0" i="0" dirty="0">
-                        <a:solidFill>
-                          <a:srgbClr val="000000"/>
-                        </a:solidFill>
-                        <a:effectLst/>
-                        <a:latin typeface="Times New Roman" panose="02020603050405020304" pitchFamily="18" charset="0"/>
-                        <a:cs typeface="Times New Roman" panose="02020603050405020304" pitchFamily="18" charset="0"/>
-                      </a:endParaRPr>
-                    </a:p>
-                  </a:txBody>
-                  <a:tcPr anchor="ctr"/>
-                </a:tc>
-                <a:tc>
-                  <a:txBody>
-                    <a:bodyPr/>
-                    <a:lstStyle/>
-                    <a:p>
-                      <a:pPr algn="ctr" rtl="0" fontAlgn="base"/>
-                      <a:r>
-                        <a:rPr lang="en-US" sz="1400" b="0" i="0" dirty="0">
-                          <a:solidFill>
-                            <a:srgbClr val="333F50"/>
-                          </a:solidFill>
-                          <a:effectLst/>
-                          <a:latin typeface="Times New Roman" panose="02020603050405020304" pitchFamily="18" charset="0"/>
-                          <a:cs typeface="Times New Roman" panose="02020603050405020304" pitchFamily="18" charset="0"/>
-                        </a:rPr>
-                        <a:t>Parking Brake must be applied. Car must be parked.</a:t>
-                      </a:r>
-                      <a:endParaRPr lang="en-US" sz="1400" b="0" i="0" dirty="0">
-                        <a:solidFill>
-                          <a:srgbClr val="000000"/>
-                        </a:solidFill>
-                        <a:effectLst/>
-                        <a:latin typeface="Times New Roman" panose="02020603050405020304" pitchFamily="18" charset="0"/>
-                        <a:cs typeface="Times New Roman" panose="02020603050405020304" pitchFamily="18" charset="0"/>
-                      </a:endParaRPr>
-                    </a:p>
-                  </a:txBody>
-                  <a:tcPr anchor="ctr"/>
-                </a:tc>
-                <a:tc>
-                  <a:txBody>
-                    <a:bodyPr/>
-                    <a:lstStyle/>
-                    <a:p>
-                      <a:pPr algn="ctr" rtl="0" fontAlgn="base"/>
-                      <a:r>
-                        <a:rPr lang="en-US" sz="1400" b="0" i="0" dirty="0">
-                          <a:solidFill>
-                            <a:srgbClr val="333F50"/>
-                          </a:solidFill>
-                          <a:effectLst/>
-                          <a:latin typeface="Times New Roman" panose="02020603050405020304" pitchFamily="18" charset="0"/>
-                          <a:cs typeface="Times New Roman" panose="02020603050405020304" pitchFamily="18" charset="0"/>
-                        </a:rPr>
-                        <a:t>Yes</a:t>
-                      </a:r>
-                      <a:endParaRPr lang="en-US" sz="1400" b="0" i="0" dirty="0">
-                        <a:solidFill>
-                          <a:srgbClr val="000000"/>
-                        </a:solidFill>
-                        <a:effectLst/>
-                        <a:latin typeface="Times New Roman" panose="02020603050405020304" pitchFamily="18" charset="0"/>
-                        <a:cs typeface="Times New Roman" panose="02020603050405020304" pitchFamily="18" charset="0"/>
-                      </a:endParaRPr>
-                    </a:p>
-                  </a:txBody>
-                  <a:tcPr anchor="ctr">
-                    <a:lnR w="12700" cap="flat" cmpd="sng" algn="ctr">
-                      <a:noFill/>
-                      <a:prstDash val="solid"/>
-                      <a:round/>
-                      <a:headEnd type="none" w="med" len="med"/>
-                      <a:tailEnd type="none" w="med" len="med"/>
-                    </a:lnR>
-                  </a:tcPr>
-                </a:tc>
-                <a:extLst>
-                  <a:ext uri="{0D108BD9-81ED-4DB2-BD59-A6C34878D82A}">
-                    <a16:rowId xmlns:a16="http://schemas.microsoft.com/office/drawing/2014/main" val="4129140390"/>
-                  </a:ext>
-                </a:extLst>
-              </a:tr>
-              <a:tr h="714194">
-                <a:tc>
-                  <a:txBody>
-                    <a:bodyPr/>
-                    <a:lstStyle/>
-                    <a:p>
-                      <a:pPr algn="ctr" rtl="0" fontAlgn="base"/>
-                      <a:r>
-                        <a:rPr lang="en-US" sz="1400" dirty="0">
-                          <a:latin typeface="Times New Roman" panose="02020603050405020304" pitchFamily="18" charset="0"/>
-                          <a:cs typeface="Times New Roman" panose="02020603050405020304" pitchFamily="18" charset="0"/>
-                        </a:rPr>
-                        <a:t>Door Blocked while opening.</a:t>
-                      </a:r>
-                    </a:p>
-                  </a:txBody>
-                  <a:tcPr anchor="ctr">
-                    <a:lnL w="12700" cap="flat" cmpd="sng" algn="ctr">
-                      <a:noFill/>
-                      <a:prstDash val="solid"/>
-                      <a:round/>
-                      <a:headEnd type="none" w="med" len="med"/>
-                      <a:tailEnd type="none" w="med" len="med"/>
-                    </a:lnL>
-                  </a:tcPr>
-                </a:tc>
-                <a:tc>
-                  <a:txBody>
-                    <a:bodyPr/>
-                    <a:lstStyle/>
-                    <a:p>
-                      <a:pPr algn="ctr" rtl="0" fontAlgn="base"/>
-                      <a:r>
-                        <a:rPr lang="en-US" sz="1400" b="0" i="0" dirty="0">
-                          <a:solidFill>
-                            <a:srgbClr val="333F50"/>
-                          </a:solidFill>
-                          <a:effectLst/>
-                          <a:latin typeface="Times New Roman" panose="02020603050405020304" pitchFamily="18" charset="0"/>
-                          <a:cs typeface="Times New Roman" panose="02020603050405020304" pitchFamily="18" charset="0"/>
-                        </a:rPr>
-                        <a:t>Determine what obstruction is present and remove it if necessary. </a:t>
-                      </a:r>
-                      <a:endParaRPr lang="en-US" sz="1400" b="0" i="0" dirty="0">
-                        <a:solidFill>
-                          <a:srgbClr val="000000"/>
-                        </a:solidFill>
-                        <a:effectLst/>
-                        <a:latin typeface="Times New Roman" panose="02020603050405020304" pitchFamily="18" charset="0"/>
-                        <a:cs typeface="Times New Roman" panose="02020603050405020304" pitchFamily="18" charset="0"/>
-                      </a:endParaRPr>
-                    </a:p>
-                  </a:txBody>
-                  <a:tcPr anchor="ctr"/>
-                </a:tc>
-                <a:tc>
-                  <a:txBody>
-                    <a:bodyPr/>
-                    <a:lstStyle/>
-                    <a:p>
-                      <a:pPr algn="ctr" rtl="0" fontAlgn="base"/>
-                      <a:r>
-                        <a:rPr lang="en-US" sz="1400" b="0" i="0" dirty="0">
-                          <a:solidFill>
-                            <a:srgbClr val="333F50"/>
-                          </a:solidFill>
-                          <a:effectLst/>
-                          <a:latin typeface="Times New Roman" panose="02020603050405020304" pitchFamily="18" charset="0"/>
-                          <a:cs typeface="Times New Roman" panose="02020603050405020304" pitchFamily="18" charset="0"/>
-                        </a:rPr>
-                        <a:t>Upon removing the blocking item and ensuring all safety measures have been implemented. </a:t>
-                      </a:r>
-                      <a:endParaRPr lang="en-US" sz="1400" b="0" i="0" dirty="0">
-                        <a:solidFill>
-                          <a:srgbClr val="000000"/>
-                        </a:solidFill>
-                        <a:effectLst/>
-                        <a:latin typeface="Times New Roman" panose="02020603050405020304" pitchFamily="18" charset="0"/>
-                        <a:cs typeface="Times New Roman" panose="02020603050405020304" pitchFamily="18" charset="0"/>
-                      </a:endParaRPr>
-                    </a:p>
-                  </a:txBody>
-                  <a:tcPr anchor="ctr"/>
-                </a:tc>
-                <a:tc>
-                  <a:txBody>
-                    <a:bodyPr/>
-                    <a:lstStyle/>
-                    <a:p>
-                      <a:pPr algn="ctr" rtl="0" fontAlgn="base"/>
-                      <a:r>
-                        <a:rPr lang="en-US" sz="1400" b="0" i="0" dirty="0">
-                          <a:solidFill>
-                            <a:srgbClr val="333F50"/>
-                          </a:solidFill>
-                          <a:effectLst/>
-                          <a:latin typeface="Times New Roman" panose="02020603050405020304" pitchFamily="18" charset="0"/>
-                          <a:cs typeface="Times New Roman" panose="02020603050405020304" pitchFamily="18" charset="0"/>
-                        </a:rPr>
-                        <a:t>Object is removed, parking brake applied.</a:t>
-                      </a:r>
-                      <a:endParaRPr lang="en-US" sz="1400" b="0" i="0" dirty="0">
-                        <a:solidFill>
-                          <a:srgbClr val="000000"/>
-                        </a:solidFill>
-                        <a:effectLst/>
-                        <a:latin typeface="Times New Roman" panose="02020603050405020304" pitchFamily="18" charset="0"/>
-                        <a:cs typeface="Times New Roman" panose="02020603050405020304" pitchFamily="18" charset="0"/>
-                      </a:endParaRPr>
-                    </a:p>
-                  </a:txBody>
-                  <a:tcPr anchor="ctr"/>
-                </a:tc>
-                <a:tc>
-                  <a:txBody>
-                    <a:bodyPr/>
-                    <a:lstStyle/>
-                    <a:p>
-                      <a:pPr algn="ctr" rtl="0" fontAlgn="base"/>
-                      <a:r>
-                        <a:rPr lang="en-US" sz="1400" b="0" i="0" dirty="0">
-                          <a:solidFill>
-                            <a:srgbClr val="333F50"/>
-                          </a:solidFill>
-                          <a:effectLst/>
-                          <a:latin typeface="Times New Roman" panose="02020603050405020304" pitchFamily="18" charset="0"/>
-                          <a:cs typeface="Times New Roman" panose="02020603050405020304" pitchFamily="18" charset="0"/>
-                        </a:rPr>
-                        <a:t>Yes</a:t>
-                      </a:r>
-                      <a:endParaRPr lang="en-US" sz="1400" b="0" i="0" dirty="0">
-                        <a:solidFill>
-                          <a:srgbClr val="000000"/>
-                        </a:solidFill>
-                        <a:effectLst/>
-                        <a:latin typeface="Times New Roman" panose="02020603050405020304" pitchFamily="18" charset="0"/>
-                        <a:cs typeface="Times New Roman" panose="02020603050405020304" pitchFamily="18" charset="0"/>
-                      </a:endParaRPr>
-                    </a:p>
-                  </a:txBody>
-                  <a:tcPr anchor="ctr">
-                    <a:lnR w="12700" cap="flat" cmpd="sng" algn="ctr">
-                      <a:noFill/>
-                      <a:prstDash val="solid"/>
-                      <a:round/>
-                      <a:headEnd type="none" w="med" len="med"/>
-                      <a:tailEnd type="none" w="med" len="med"/>
-                    </a:lnR>
-                  </a:tcPr>
-                </a:tc>
-                <a:extLst>
-                  <a:ext uri="{0D108BD9-81ED-4DB2-BD59-A6C34878D82A}">
-                    <a16:rowId xmlns:a16="http://schemas.microsoft.com/office/drawing/2014/main" val="1699990805"/>
-                  </a:ext>
-                </a:extLst>
-              </a:tr>
-              <a:tr h="714194">
-                <a:tc>
-                  <a:txBody>
-                    <a:bodyPr/>
-                    <a:lstStyle/>
-                    <a:p>
-                      <a:pPr algn="ctr" rtl="0" fontAlgn="base"/>
-                      <a:r>
-                        <a:rPr lang="en-US" sz="1400" dirty="0">
-                          <a:latin typeface="Times New Roman" panose="02020603050405020304" pitchFamily="18" charset="0"/>
-                          <a:cs typeface="Times New Roman" panose="02020603050405020304" pitchFamily="18" charset="0"/>
-                        </a:rPr>
-                        <a:t>Door Blocked while closing.</a:t>
-                      </a:r>
-                    </a:p>
-                  </a:txBody>
-                  <a:tcPr anchor="ctr">
-                    <a:lnL w="12700" cap="flat" cmpd="sng" algn="ctr">
-                      <a:noFill/>
-                      <a:prstDash val="solid"/>
-                      <a:round/>
-                      <a:headEnd type="none" w="med" len="med"/>
-                      <a:tailEnd type="none" w="med" len="med"/>
-                    </a:lnL>
-                  </a:tcPr>
-                </a:tc>
-                <a:tc>
-                  <a:txBody>
-                    <a:bodyPr/>
-                    <a:lstStyle/>
-                    <a:p>
-                      <a:pPr algn="ctr" rtl="0" fontAlgn="base"/>
-                      <a:r>
-                        <a:rPr lang="en-US" sz="1400" b="0" i="0" dirty="0">
-                          <a:solidFill>
-                            <a:srgbClr val="333F50"/>
-                          </a:solidFill>
-                          <a:effectLst/>
-                          <a:latin typeface="Times New Roman" panose="02020603050405020304" pitchFamily="18" charset="0"/>
-                          <a:cs typeface="Times New Roman" panose="02020603050405020304" pitchFamily="18" charset="0"/>
-                        </a:rPr>
-                        <a:t>Determine what obstruction is present and remove it if necessary. </a:t>
-                      </a:r>
-                      <a:endParaRPr lang="en-US" sz="1400" b="0" i="0" dirty="0">
-                        <a:solidFill>
-                          <a:srgbClr val="000000"/>
-                        </a:solidFill>
-                        <a:effectLst/>
-                        <a:latin typeface="Times New Roman" panose="02020603050405020304" pitchFamily="18" charset="0"/>
-                        <a:cs typeface="Times New Roman" panose="02020603050405020304" pitchFamily="18" charset="0"/>
-                      </a:endParaRPr>
-                    </a:p>
-                  </a:txBody>
-                  <a:tcPr anchor="ctr"/>
-                </a:tc>
-                <a:tc>
-                  <a:txBody>
-                    <a:bodyPr/>
-                    <a:lstStyle/>
-                    <a:p>
-                      <a:pPr algn="ctr" rtl="0" fontAlgn="base"/>
-                      <a:r>
-                        <a:rPr lang="en-US" sz="1400" b="0" i="0" dirty="0">
-                          <a:solidFill>
-                            <a:srgbClr val="333F50"/>
-                          </a:solidFill>
-                          <a:effectLst/>
-                          <a:latin typeface="Times New Roman" panose="02020603050405020304" pitchFamily="18" charset="0"/>
-                          <a:cs typeface="Times New Roman" panose="02020603050405020304" pitchFamily="18" charset="0"/>
-                        </a:rPr>
-                        <a:t>Upon removing the blocking item and ensuring all safety measures have been implemented. </a:t>
-                      </a:r>
-                      <a:endParaRPr lang="en-US" sz="1400" b="0" i="0" dirty="0">
-                        <a:solidFill>
-                          <a:srgbClr val="000000"/>
-                        </a:solidFill>
-                        <a:effectLst/>
-                        <a:latin typeface="Times New Roman" panose="02020603050405020304" pitchFamily="18" charset="0"/>
-                        <a:cs typeface="Times New Roman" panose="02020603050405020304" pitchFamily="18" charset="0"/>
-                      </a:endParaRPr>
-                    </a:p>
-                  </a:txBody>
-                  <a:tcPr anchor="ctr"/>
-                </a:tc>
-                <a:tc>
-                  <a:txBody>
-                    <a:bodyPr/>
-                    <a:lstStyle/>
-                    <a:p>
-                      <a:pPr algn="ctr" rtl="0" fontAlgn="base"/>
-                      <a:r>
-                        <a:rPr lang="en-US" sz="1400" b="0" i="0" dirty="0">
-                          <a:solidFill>
-                            <a:srgbClr val="333F50"/>
-                          </a:solidFill>
-                          <a:effectLst/>
-                          <a:latin typeface="Times New Roman" panose="02020603050405020304" pitchFamily="18" charset="0"/>
-                          <a:cs typeface="Times New Roman" panose="02020603050405020304" pitchFamily="18" charset="0"/>
-                        </a:rPr>
-                        <a:t>Object is removed, parking brake applied.</a:t>
-                      </a:r>
-                      <a:endParaRPr lang="en-US" sz="1400" b="0" i="0" dirty="0">
-                        <a:solidFill>
-                          <a:srgbClr val="000000"/>
-                        </a:solidFill>
-                        <a:effectLst/>
-                        <a:latin typeface="Times New Roman" panose="02020603050405020304" pitchFamily="18" charset="0"/>
-                        <a:cs typeface="Times New Roman" panose="02020603050405020304" pitchFamily="18" charset="0"/>
-                      </a:endParaRPr>
-                    </a:p>
-                  </a:txBody>
-                  <a:tcPr anchor="ctr"/>
-                </a:tc>
-                <a:tc>
-                  <a:txBody>
-                    <a:bodyPr/>
-                    <a:lstStyle/>
-                    <a:p>
-                      <a:pPr algn="ctr" rtl="0" fontAlgn="base"/>
-                      <a:r>
-                        <a:rPr lang="en-US" sz="1400" b="0" i="0" dirty="0">
-                          <a:solidFill>
-                            <a:srgbClr val="333F50"/>
-                          </a:solidFill>
-                          <a:effectLst/>
-                          <a:latin typeface="Times New Roman" panose="02020603050405020304" pitchFamily="18" charset="0"/>
-                          <a:cs typeface="Times New Roman" panose="02020603050405020304" pitchFamily="18" charset="0"/>
-                        </a:rPr>
-                        <a:t>Yes</a:t>
-                      </a:r>
-                      <a:endParaRPr lang="en-US" sz="1400" b="0" i="0" dirty="0">
-                        <a:solidFill>
-                          <a:srgbClr val="000000"/>
-                        </a:solidFill>
-                        <a:effectLst/>
-                        <a:latin typeface="Times New Roman" panose="02020603050405020304" pitchFamily="18" charset="0"/>
-                        <a:cs typeface="Times New Roman" panose="02020603050405020304" pitchFamily="18" charset="0"/>
-                      </a:endParaRPr>
-                    </a:p>
-                  </a:txBody>
-                  <a:tcPr anchor="ctr">
-                    <a:lnR w="12700" cap="flat" cmpd="sng" algn="ctr">
-                      <a:noFill/>
-                      <a:prstDash val="solid"/>
-                      <a:round/>
-                      <a:headEnd type="none" w="med" len="med"/>
-                      <a:tailEnd type="none" w="med" len="med"/>
-                    </a:lnR>
-                  </a:tcPr>
-                </a:tc>
-                <a:extLst>
-                  <a:ext uri="{0D108BD9-81ED-4DB2-BD59-A6C34878D82A}">
-                    <a16:rowId xmlns:a16="http://schemas.microsoft.com/office/drawing/2014/main" val="3388671141"/>
-                  </a:ext>
-                </a:extLst>
-              </a:tr>
-            </a:tbl>
-          </a:graphicData>
-        </a:graphic>
-      </p:graphicFrame>
+              <a:t>Project Non-Functional Requirements </a:t>
+            </a:r>
+          </a:p>
+        </p:txBody>
+      </p:sp>
       <p:sp>
         <p:nvSpPr>
           <p:cNvPr id="7" name="Date Placeholder 6">
@@ -13171,7 +12947,7 @@
           <a:p>
             <a:r>
               <a:rPr lang="en-US" dirty="0"/>
-              <a:t>PRESENTATION TITLE</a:t>
+              <a:t>Open Sesame</a:t>
             </a:r>
           </a:p>
         </p:txBody>
@@ -13211,6 +12987,90 @@
           </a:p>
         </p:txBody>
       </p:sp>
+      <p:sp>
+        <p:nvSpPr>
+          <p:cNvPr id="6" name="TextBox 5">
+            <a:extLst>
+              <a:ext uri="{FF2B5EF4-FFF2-40B4-BE49-F238E27FC236}">
+                <a16:creationId xmlns:a16="http://schemas.microsoft.com/office/drawing/2014/main" id="{4EAD4575-BFC2-371A-67C5-CEA768781522}"/>
+              </a:ext>
+            </a:extLst>
+          </p:cNvPr>
+          <p:cNvSpPr txBox="1"/>
+          <p:nvPr/>
+        </p:nvSpPr>
+        <p:spPr>
+          <a:xfrm>
+            <a:off x="1320800" y="1786467"/>
+            <a:ext cx="6326284" cy="1200329"/>
+          </a:xfrm>
+          <a:prstGeom prst="rect">
+            <a:avLst/>
+          </a:prstGeom>
+          <a:noFill/>
+        </p:spPr>
+        <p:txBody>
+          <a:bodyPr wrap="none" rtlCol="0">
+            <a:spAutoFit/>
+          </a:bodyPr>
+          <a:lstStyle/>
+          <a:p>
+            <a:r>
+              <a:rPr lang="en-US" b="1" dirty="0"/>
+              <a:t>Platform: </a:t>
+            </a:r>
+            <a:r>
+              <a:rPr lang="en-US" dirty="0"/>
+              <a:t>Mobile App: Only Android OS</a:t>
+            </a:r>
+          </a:p>
+          <a:p>
+            <a:r>
+              <a:rPr lang="en-US" dirty="0"/>
+              <a:t>	  Hardware system: Arduino Uno development board</a:t>
+            </a:r>
+          </a:p>
+          <a:p>
+            <a:endParaRPr lang="en-US" dirty="0"/>
+          </a:p>
+          <a:p>
+            <a:r>
+              <a:rPr lang="en-US" b="1" dirty="0"/>
+              <a:t>Performance: </a:t>
+            </a:r>
+          </a:p>
+        </p:txBody>
+      </p:sp>
+      <p:pic>
+        <p:nvPicPr>
+          <p:cNvPr id="11" name="Picture 10">
+            <a:extLst>
+              <a:ext uri="{FF2B5EF4-FFF2-40B4-BE49-F238E27FC236}">
+                <a16:creationId xmlns:a16="http://schemas.microsoft.com/office/drawing/2014/main" id="{D44F5528-F62F-E4C1-6901-469FC3558B3C}"/>
+              </a:ext>
+            </a:extLst>
+          </p:cNvPr>
+          <p:cNvPicPr>
+            <a:picLocks noChangeAspect="1"/>
+          </p:cNvPicPr>
+          <p:nvPr/>
+        </p:nvPicPr>
+        <p:blipFill>
+          <a:blip r:embed="rId2"/>
+          <a:stretch>
+            <a:fillRect/>
+          </a:stretch>
+        </p:blipFill>
+        <p:spPr>
+          <a:xfrm>
+            <a:off x="3075856" y="2874429"/>
+            <a:ext cx="4799828" cy="3594289"/>
+          </a:xfrm>
+          <a:prstGeom prst="rect">
+            <a:avLst/>
+          </a:prstGeom>
+        </p:spPr>
+      </p:pic>
     </p:spTree>
     <p:extLst>
       <p:ext uri="{BB962C8B-B14F-4D97-AF65-F5344CB8AC3E}">
@@ -13243,100 +13103,59 @@
       </p:grpSpPr>
       <p:sp>
         <p:nvSpPr>
-          <p:cNvPr id="2" name="Title 1">
-            <a:extLst>
-              <a:ext uri="{FF2B5EF4-FFF2-40B4-BE49-F238E27FC236}">
-                <a16:creationId xmlns:a16="http://schemas.microsoft.com/office/drawing/2014/main" id="{D94A2CD4-732A-43E4-BCB9-CBA2055E0AC6}"/>
-              </a:ext>
-            </a:extLst>
-          </p:cNvPr>
-          <p:cNvSpPr>
-            <a:spLocks noGrp="1"/>
-          </p:cNvSpPr>
-          <p:nvPr>
-            <p:ph type="title"/>
-          </p:nvPr>
-        </p:nvSpPr>
-        <p:spPr>
-          <a:xfrm>
-            <a:off x="6096000" y="-954882"/>
-            <a:ext cx="6696075" cy="1909763"/>
-          </a:xfrm>
-        </p:spPr>
+          <p:cNvPr id="4" name="Date Placeholder 3">
+            <a:extLst>
+              <a:ext uri="{FF2B5EF4-FFF2-40B4-BE49-F238E27FC236}">
+                <a16:creationId xmlns:a16="http://schemas.microsoft.com/office/drawing/2014/main" id="{187C367E-4339-7D6A-32CA-4EDD474B9198}"/>
+              </a:ext>
+            </a:extLst>
+          </p:cNvPr>
+          <p:cNvSpPr>
+            <a:spLocks noGrp="1"/>
+          </p:cNvSpPr>
+          <p:nvPr>
+            <p:ph type="dt" sz="half" idx="10"/>
+          </p:nvPr>
+        </p:nvSpPr>
+        <p:spPr/>
         <p:txBody>
           <a:bodyPr/>
           <a:lstStyle/>
           <a:p>
             <a:r>
-              <a:rPr lang="en-US" dirty="0"/>
-              <a:t>Architecture and Design</a:t>
-            </a:r>
-          </a:p>
-        </p:txBody>
-      </p:sp>
-      <p:sp>
-        <p:nvSpPr>
-          <p:cNvPr id="4" name="Date Placeholder 3">
-            <a:extLst>
-              <a:ext uri="{FF2B5EF4-FFF2-40B4-BE49-F238E27FC236}">
-                <a16:creationId xmlns:a16="http://schemas.microsoft.com/office/drawing/2014/main" id="{DA53D834-F1E2-4848-8093-D412A7B081AF}"/>
-              </a:ext>
-            </a:extLst>
-          </p:cNvPr>
-          <p:cNvSpPr>
-            <a:spLocks noGrp="1"/>
-          </p:cNvSpPr>
-          <p:nvPr>
-            <p:ph type="dt" sz="half" idx="10"/>
-          </p:nvPr>
-        </p:nvSpPr>
-        <p:spPr>
-          <a:xfrm>
-            <a:off x="4676774" y="6356350"/>
-            <a:ext cx="1695450" cy="365125"/>
-          </a:xfrm>
-        </p:spPr>
+              <a:rPr lang="en-US"/>
+              <a:t>20XX</a:t>
+            </a:r>
+            <a:endParaRPr lang="en-US" dirty="0"/>
+          </a:p>
+        </p:txBody>
+      </p:sp>
+      <p:sp>
+        <p:nvSpPr>
+          <p:cNvPr id="5" name="Footer Placeholder 4">
+            <a:extLst>
+              <a:ext uri="{FF2B5EF4-FFF2-40B4-BE49-F238E27FC236}">
+                <a16:creationId xmlns:a16="http://schemas.microsoft.com/office/drawing/2014/main" id="{7E7D99BE-8CC1-E4A3-2AAE-BB21F1857544}"/>
+              </a:ext>
+            </a:extLst>
+          </p:cNvPr>
+          <p:cNvSpPr>
+            <a:spLocks noGrp="1"/>
+          </p:cNvSpPr>
+          <p:nvPr>
+            <p:ph type="ftr" sz="quarter" idx="11"/>
+          </p:nvPr>
+        </p:nvSpPr>
+        <p:spPr/>
         <p:txBody>
           <a:bodyPr/>
           <a:lstStyle/>
           <a:p>
             <a:r>
-              <a:rPr lang="en-US" dirty="0"/>
-              <a:t>20XX</a:t>
-            </a:r>
-          </a:p>
-        </p:txBody>
-      </p:sp>
-      <p:sp>
-        <p:nvSpPr>
-          <p:cNvPr id="5" name="Footer Placeholder 4">
-            <a:extLst>
-              <a:ext uri="{FF2B5EF4-FFF2-40B4-BE49-F238E27FC236}">
-                <a16:creationId xmlns:a16="http://schemas.microsoft.com/office/drawing/2014/main" id="{3555A49C-96F4-440D-B89E-A0AE94F70108}"/>
-              </a:ext>
-            </a:extLst>
-          </p:cNvPr>
-          <p:cNvSpPr>
-            <a:spLocks noGrp="1"/>
-          </p:cNvSpPr>
-          <p:nvPr>
-            <p:ph type="ftr" sz="quarter" idx="11"/>
-          </p:nvPr>
-        </p:nvSpPr>
-        <p:spPr>
-          <a:xfrm>
-            <a:off x="6743699" y="6356350"/>
-            <a:ext cx="2543175" cy="365125"/>
-          </a:xfrm>
-        </p:spPr>
-        <p:txBody>
-          <a:bodyPr/>
-          <a:lstStyle/>
-          <a:p>
-            <a:r>
-              <a:rPr lang="en-US" dirty="0"/>
+              <a:rPr lang="en-US"/>
               <a:t>PRESENTATION TITLE</a:t>
             </a:r>
+            <a:endParaRPr lang="en-US" dirty="0"/>
           </a:p>
         </p:txBody>
       </p:sp>
@@ -13345,7 +13164,7 @@
           <p:cNvPr id="6" name="Slide Number Placeholder 5">
             <a:extLst>
               <a:ext uri="{FF2B5EF4-FFF2-40B4-BE49-F238E27FC236}">
-                <a16:creationId xmlns:a16="http://schemas.microsoft.com/office/drawing/2014/main" id="{F2A39FA3-9AE3-4689-A469-B7D2DFCCC2D9}"/>
+                <a16:creationId xmlns:a16="http://schemas.microsoft.com/office/drawing/2014/main" id="{77D3A45A-24D3-8D55-6180-66CCE185E81A}"/>
               </a:ext>
             </a:extLst>
           </p:cNvPr>
@@ -13356,12 +13175,7 @@
             <p:ph type="sldNum" sz="quarter" idx="12"/>
           </p:nvPr>
         </p:nvSpPr>
-        <p:spPr>
-          <a:xfrm>
-            <a:off x="9658350" y="6356350"/>
-            <a:ext cx="1695450" cy="365125"/>
-          </a:xfrm>
-        </p:spPr>
+        <p:spPr/>
         <p:txBody>
           <a:bodyPr/>
           <a:lstStyle/>
@@ -13375,42 +13189,12 @@
           </a:p>
         </p:txBody>
       </p:sp>
-      <p:pic>
-        <p:nvPicPr>
-          <p:cNvPr id="10" name="Picture 9">
-            <a:extLst>
-              <a:ext uri="{FF2B5EF4-FFF2-40B4-BE49-F238E27FC236}">
-                <a16:creationId xmlns:a16="http://schemas.microsoft.com/office/drawing/2014/main" id="{B3133C7A-9735-4110-8DDF-3CDF233F37C0}"/>
-              </a:ext>
-            </a:extLst>
-          </p:cNvPr>
-          <p:cNvPicPr>
-            <a:picLocks noChangeAspect="1"/>
-          </p:cNvPicPr>
-          <p:nvPr/>
-        </p:nvPicPr>
-        <p:blipFill>
-          <a:blip r:embed="rId2"/>
-          <a:stretch>
-            <a:fillRect/>
-          </a:stretch>
-        </p:blipFill>
-        <p:spPr>
-          <a:xfrm>
-            <a:off x="5892733" y="1634252"/>
-            <a:ext cx="1701932" cy="2591002"/>
-          </a:xfrm>
-          <a:prstGeom prst="rect">
-            <a:avLst/>
-          </a:prstGeom>
-        </p:spPr>
-      </p:pic>
-      <p:sp>
-        <p:nvSpPr>
-          <p:cNvPr id="11" name="TextBox 10">
-            <a:extLst>
-              <a:ext uri="{FF2B5EF4-FFF2-40B4-BE49-F238E27FC236}">
-                <a16:creationId xmlns:a16="http://schemas.microsoft.com/office/drawing/2014/main" id="{FDA8DA55-FFB8-4E1D-98C5-904A0D4FFBEA}"/>
+      <p:sp>
+        <p:nvSpPr>
+          <p:cNvPr id="7" name="TextBox 6">
+            <a:extLst>
+              <a:ext uri="{FF2B5EF4-FFF2-40B4-BE49-F238E27FC236}">
+                <a16:creationId xmlns:a16="http://schemas.microsoft.com/office/drawing/2014/main" id="{3D430BC9-5011-D69F-5501-2C843A9B8BD7}"/>
               </a:ext>
             </a:extLst>
           </p:cNvPr>
@@ -13419,8 +13203,8 @@
         </p:nvSpPr>
         <p:spPr>
           <a:xfrm>
-            <a:off x="5952806" y="1154668"/>
-            <a:ext cx="2062480" cy="369332"/>
+            <a:off x="1092200" y="566678"/>
+            <a:ext cx="9745133" cy="5786199"/>
           </a:xfrm>
           <a:prstGeom prst="rect">
             <a:avLst/>
@@ -13434,146 +13218,128 @@
           <a:lstStyle/>
           <a:p>
             <a:r>
-              <a:rPr lang="en-US" dirty="0"/>
-              <a:t>User Interface</a:t>
-            </a:r>
-          </a:p>
-        </p:txBody>
-      </p:sp>
-      <p:pic>
-        <p:nvPicPr>
-          <p:cNvPr id="13" name="Picture 12">
-            <a:extLst>
-              <a:ext uri="{FF2B5EF4-FFF2-40B4-BE49-F238E27FC236}">
-                <a16:creationId xmlns:a16="http://schemas.microsoft.com/office/drawing/2014/main" id="{B460806F-54E2-408F-9C8B-3CD0AE26EF13}"/>
-              </a:ext>
-            </a:extLst>
-          </p:cNvPr>
-          <p:cNvPicPr>
-            <a:picLocks noChangeAspect="1"/>
-          </p:cNvPicPr>
-          <p:nvPr/>
-        </p:nvPicPr>
-        <p:blipFill>
-          <a:blip r:embed="rId3"/>
-          <a:stretch>
-            <a:fillRect/>
-          </a:stretch>
-        </p:blipFill>
-        <p:spPr>
-          <a:xfrm>
-            <a:off x="8812003" y="1537833"/>
-            <a:ext cx="3018958" cy="2591002"/>
-          </a:xfrm>
-          <a:prstGeom prst="rect">
-            <a:avLst/>
-          </a:prstGeom>
-        </p:spPr>
-      </p:pic>
-      <p:sp>
-        <p:nvSpPr>
-          <p:cNvPr id="14" name="TextBox 13">
-            <a:extLst>
-              <a:ext uri="{FF2B5EF4-FFF2-40B4-BE49-F238E27FC236}">
-                <a16:creationId xmlns:a16="http://schemas.microsoft.com/office/drawing/2014/main" id="{001BA39C-6C18-4089-A7B8-BA208FD1DDFB}"/>
-              </a:ext>
-            </a:extLst>
-          </p:cNvPr>
-          <p:cNvSpPr txBox="1"/>
-          <p:nvPr/>
-        </p:nvSpPr>
-        <p:spPr>
-          <a:xfrm>
-            <a:off x="9712960" y="1154668"/>
-            <a:ext cx="2479040" cy="369332"/>
-          </a:xfrm>
-          <a:prstGeom prst="rect">
-            <a:avLst/>
-          </a:prstGeom>
-          <a:noFill/>
-        </p:spPr>
-        <p:txBody>
-          <a:bodyPr wrap="square" rtlCol="0">
-            <a:spAutoFit/>
-          </a:bodyPr>
-          <a:lstStyle/>
-          <a:p>
-            <a:r>
-              <a:rPr lang="en-US" dirty="0"/>
-              <a:t>Schematic </a:t>
-            </a:r>
-          </a:p>
-        </p:txBody>
-      </p:sp>
-      <p:pic>
-        <p:nvPicPr>
-          <p:cNvPr id="16" name="Picture 15">
-            <a:extLst>
-              <a:ext uri="{FF2B5EF4-FFF2-40B4-BE49-F238E27FC236}">
-                <a16:creationId xmlns:a16="http://schemas.microsoft.com/office/drawing/2014/main" id="{E8560A36-97FE-41FA-BE6B-6A89639C0988}"/>
-              </a:ext>
-            </a:extLst>
-          </p:cNvPr>
-          <p:cNvPicPr>
-            <a:picLocks noChangeAspect="1"/>
-          </p:cNvPicPr>
-          <p:nvPr/>
-        </p:nvPicPr>
-        <p:blipFill>
-          <a:blip r:embed="rId4"/>
-          <a:stretch>
-            <a:fillRect/>
-          </a:stretch>
-        </p:blipFill>
-        <p:spPr>
-          <a:xfrm rot="5400000">
-            <a:off x="7539139" y="3223992"/>
-            <a:ext cx="1689221" cy="4575498"/>
-          </a:xfrm>
-          <a:prstGeom prst="rect">
-            <a:avLst/>
-          </a:prstGeom>
-        </p:spPr>
-      </p:pic>
-      <p:sp>
-        <p:nvSpPr>
-          <p:cNvPr id="17" name="TextBox 16">
-            <a:extLst>
-              <a:ext uri="{FF2B5EF4-FFF2-40B4-BE49-F238E27FC236}">
-                <a16:creationId xmlns:a16="http://schemas.microsoft.com/office/drawing/2014/main" id="{3BD39DBA-81E2-46BB-91ED-7554C7C90691}"/>
-              </a:ext>
-            </a:extLst>
-          </p:cNvPr>
-          <p:cNvSpPr txBox="1"/>
-          <p:nvPr/>
-        </p:nvSpPr>
-        <p:spPr>
-          <a:xfrm>
-            <a:off x="4345939" y="5359316"/>
-            <a:ext cx="2357120" cy="369332"/>
-          </a:xfrm>
-          <a:prstGeom prst="rect">
-            <a:avLst/>
-          </a:prstGeom>
-          <a:noFill/>
-        </p:spPr>
-        <p:txBody>
-          <a:bodyPr wrap="square" rtlCol="0">
-            <a:spAutoFit/>
-          </a:bodyPr>
-          <a:lstStyle/>
-          <a:p>
-            <a:r>
-              <a:rPr lang="en-US" dirty="0"/>
-              <a:t>Circuit Board</a:t>
-            </a:r>
+              <a:rPr lang="en-US" b="1" dirty="0">
+                <a:latin typeface="Consolas" panose="020B0609020204030204" pitchFamily="49" charset="0"/>
+              </a:rPr>
+              <a:t>Security: </a:t>
+            </a:r>
+            <a:r>
+              <a:rPr lang="en-US" dirty="0">
+                <a:latin typeface="Consolas" panose="020B0609020204030204" pitchFamily="49" charset="0"/>
+              </a:rPr>
+              <a:t>User name and password, Bluetooth pairing pin</a:t>
+            </a:r>
+          </a:p>
+          <a:p>
+            <a:endParaRPr lang="en-US" dirty="0">
+              <a:latin typeface="Consolas" panose="020B0609020204030204" pitchFamily="49" charset="0"/>
+            </a:endParaRPr>
+          </a:p>
+          <a:p>
+            <a:r>
+              <a:rPr lang="en-US" b="1" dirty="0">
+                <a:latin typeface="Consolas" panose="020B0609020204030204" pitchFamily="49" charset="0"/>
+              </a:rPr>
+              <a:t>User characteristics:</a:t>
+            </a:r>
+          </a:p>
+          <a:p>
+            <a:endParaRPr lang="en-US" sz="2800" dirty="0"/>
+          </a:p>
+          <a:p>
+            <a:pPr marL="342900" indent="-342900">
+              <a:buFont typeface="+mj-lt"/>
+              <a:buAutoNum type="arabicPeriod"/>
+            </a:pPr>
+            <a:r>
+              <a:rPr lang="en-US" b="0" dirty="0">
+                <a:effectLst/>
+                <a:latin typeface="Consolas" panose="020B0609020204030204" pitchFamily="49" charset="0"/>
+              </a:rPr>
+              <a:t>The app must load quickly and after a brief splash screen the app needs to be ready to use.</a:t>
+            </a:r>
+          </a:p>
+          <a:p>
+            <a:endParaRPr lang="en-US" b="0" dirty="0">
+              <a:effectLst/>
+              <a:latin typeface="Consolas" panose="020B0609020204030204" pitchFamily="49" charset="0"/>
+            </a:endParaRPr>
+          </a:p>
+          <a:p>
+            <a:r>
+              <a:rPr lang="en-US" b="0" dirty="0">
+                <a:effectLst/>
+                <a:latin typeface="Consolas" panose="020B0609020204030204" pitchFamily="49" charset="0"/>
+              </a:rPr>
+              <a:t>2. Once on the main screen one button press should set the app in a state to receive voice commands.</a:t>
+            </a:r>
+          </a:p>
+          <a:p>
+            <a:endParaRPr lang="en-US" b="0" dirty="0">
+              <a:effectLst/>
+              <a:latin typeface="Consolas" panose="020B0609020204030204" pitchFamily="49" charset="0"/>
+            </a:endParaRPr>
+          </a:p>
+          <a:p>
+            <a:r>
+              <a:rPr lang="en-US" b="0" dirty="0">
+                <a:effectLst/>
+                <a:latin typeface="Consolas" panose="020B0609020204030204" pitchFamily="49" charset="0"/>
+              </a:rPr>
+              <a:t>3. If a valid command is issued then no further user action should be required to open or close a door.</a:t>
+            </a:r>
+          </a:p>
+          <a:p>
+            <a:br>
+              <a:rPr lang="en-US" b="0" dirty="0">
+                <a:effectLst/>
+                <a:latin typeface="Consolas" panose="020B0609020204030204" pitchFamily="49" charset="0"/>
+              </a:rPr>
+            </a:br>
+            <a:r>
+              <a:rPr lang="en-US" b="0" dirty="0">
+                <a:effectLst/>
+                <a:latin typeface="Consolas" panose="020B0609020204030204" pitchFamily="49" charset="0"/>
+              </a:rPr>
+              <a:t>4. If an error or safety stoppage occurs then the app should clearly communicate the nature of the failure to the user.</a:t>
+            </a:r>
+          </a:p>
+          <a:p>
+            <a:br>
+              <a:rPr lang="en-US" b="0" dirty="0">
+                <a:effectLst/>
+                <a:latin typeface="Consolas" panose="020B0609020204030204" pitchFamily="49" charset="0"/>
+              </a:rPr>
+            </a:br>
+            <a:r>
+              <a:rPr lang="en-US" b="0" dirty="0">
+                <a:effectLst/>
+                <a:latin typeface="Consolas" panose="020B0609020204030204" pitchFamily="49" charset="0"/>
+              </a:rPr>
+              <a:t>5. A home screen widget may be developed to further usability.</a:t>
+            </a:r>
+          </a:p>
+          <a:p>
+            <a:endParaRPr lang="en-US" b="0" dirty="0">
+              <a:effectLst/>
+              <a:latin typeface="Consolas" panose="020B0609020204030204" pitchFamily="49" charset="0"/>
+            </a:endParaRPr>
+          </a:p>
+          <a:p>
+            <a:endParaRPr lang="en-US" b="0" dirty="0">
+              <a:effectLst/>
+              <a:latin typeface="Consolas" panose="020B0609020204030204" pitchFamily="49" charset="0"/>
+            </a:endParaRPr>
+          </a:p>
+          <a:p>
+            <a:endParaRPr lang="en-US" dirty="0"/>
           </a:p>
         </p:txBody>
       </p:sp>
     </p:spTree>
     <p:extLst>
       <p:ext uri="{BB962C8B-B14F-4D97-AF65-F5344CB8AC3E}">
-        <p14:creationId xmlns:p14="http://schemas.microsoft.com/office/powerpoint/2010/main" val="744379741"/>
+        <p14:creationId xmlns:p14="http://schemas.microsoft.com/office/powerpoint/2010/main" val="607391363"/>
       </p:ext>
     </p:extLst>
   </p:cSld>
@@ -13605,7 +13371,7 @@
           <p:cNvPr id="4" name="Date Placeholder 3">
             <a:extLst>
               <a:ext uri="{FF2B5EF4-FFF2-40B4-BE49-F238E27FC236}">
-                <a16:creationId xmlns:a16="http://schemas.microsoft.com/office/drawing/2014/main" id="{DA53D834-F1E2-4848-8093-D412A7B081AF}"/>
+                <a16:creationId xmlns:a16="http://schemas.microsoft.com/office/drawing/2014/main" id="{7C95D56F-D648-D515-2E3A-E8A1A9C62FAF}"/>
               </a:ext>
             </a:extLst>
           </p:cNvPr>
@@ -13616,20 +13382,16 @@
             <p:ph type="dt" sz="half" idx="10"/>
           </p:nvPr>
         </p:nvSpPr>
-        <p:spPr>
-          <a:xfrm>
-            <a:off x="4676774" y="6356350"/>
-            <a:ext cx="1695450" cy="365125"/>
-          </a:xfrm>
-        </p:spPr>
+        <p:spPr/>
         <p:txBody>
           <a:bodyPr/>
           <a:lstStyle/>
           <a:p>
             <a:r>
-              <a:rPr lang="en-US" dirty="0"/>
+              <a:rPr lang="en-US"/>
               <a:t>20XX</a:t>
             </a:r>
+            <a:endParaRPr lang="en-US" dirty="0"/>
           </a:p>
         </p:txBody>
       </p:sp>
@@ -13638,7 +13400,7 @@
           <p:cNvPr id="5" name="Footer Placeholder 4">
             <a:extLst>
               <a:ext uri="{FF2B5EF4-FFF2-40B4-BE49-F238E27FC236}">
-                <a16:creationId xmlns:a16="http://schemas.microsoft.com/office/drawing/2014/main" id="{3555A49C-96F4-440D-B89E-A0AE94F70108}"/>
+                <a16:creationId xmlns:a16="http://schemas.microsoft.com/office/drawing/2014/main" id="{9A7726F5-33A1-2951-42FA-8FD117EB8131}"/>
               </a:ext>
             </a:extLst>
           </p:cNvPr>
@@ -13649,20 +13411,20 @@
             <p:ph type="ftr" sz="quarter" idx="11"/>
           </p:nvPr>
         </p:nvSpPr>
-        <p:spPr>
-          <a:xfrm>
-            <a:off x="6743699" y="6356350"/>
-            <a:ext cx="2543175" cy="365125"/>
-          </a:xfrm>
-        </p:spPr>
+        <p:spPr/>
         <p:txBody>
           <a:bodyPr/>
           <a:lstStyle/>
           <a:p>
             <a:r>
               <a:rPr lang="en-US" dirty="0"/>
-              <a:t>PRESENTATION TITLE</a:t>
-            </a:r>
+              <a:t>Open </a:t>
+            </a:r>
+            <a:r>
+              <a:rPr lang="en-US" dirty="0" err="1"/>
+              <a:t>Seasame</a:t>
+            </a:r>
+            <a:endParaRPr lang="en-US" dirty="0"/>
           </a:p>
         </p:txBody>
       </p:sp>
@@ -13671,7 +13433,7 @@
           <p:cNvPr id="6" name="Slide Number Placeholder 5">
             <a:extLst>
               <a:ext uri="{FF2B5EF4-FFF2-40B4-BE49-F238E27FC236}">
-                <a16:creationId xmlns:a16="http://schemas.microsoft.com/office/drawing/2014/main" id="{F2A39FA3-9AE3-4689-A469-B7D2DFCCC2D9}"/>
+                <a16:creationId xmlns:a16="http://schemas.microsoft.com/office/drawing/2014/main" id="{DC094810-4939-C5B4-F520-A447EC251281}"/>
               </a:ext>
             </a:extLst>
           </p:cNvPr>
@@ -13682,12 +13444,7 @@
             <p:ph type="sldNum" sz="quarter" idx="12"/>
           </p:nvPr>
         </p:nvSpPr>
-        <p:spPr>
-          <a:xfrm>
-            <a:off x="9658350" y="6356350"/>
-            <a:ext cx="1695450" cy="365125"/>
-          </a:xfrm>
-        </p:spPr>
+        <p:spPr/>
         <p:txBody>
           <a:bodyPr/>
           <a:lstStyle/>
@@ -13701,103 +13458,192 @@
           </a:p>
         </p:txBody>
       </p:sp>
-      <p:pic>
-        <p:nvPicPr>
-          <p:cNvPr id="7" name="Picture 6">
-            <a:extLst>
-              <a:ext uri="{FF2B5EF4-FFF2-40B4-BE49-F238E27FC236}">
-                <a16:creationId xmlns:a16="http://schemas.microsoft.com/office/drawing/2014/main" id="{96425852-C763-424D-A32A-2288328A3A8A}"/>
-              </a:ext>
-            </a:extLst>
-          </p:cNvPr>
-          <p:cNvPicPr>
-            <a:picLocks noChangeAspect="1"/>
-          </p:cNvPicPr>
+      <p:sp>
+        <p:nvSpPr>
+          <p:cNvPr id="7" name="TextBox 6">
+            <a:extLst>
+              <a:ext uri="{FF2B5EF4-FFF2-40B4-BE49-F238E27FC236}">
+                <a16:creationId xmlns:a16="http://schemas.microsoft.com/office/drawing/2014/main" id="{709AE6A1-A280-48E5-4E8C-41C32E91E22A}"/>
+              </a:ext>
+            </a:extLst>
+          </p:cNvPr>
+          <p:cNvSpPr txBox="1"/>
           <p:nvPr/>
-        </p:nvPicPr>
-        <p:blipFill>
-          <a:blip r:embed="rId2"/>
-          <a:stretch>
-            <a:fillRect/>
-          </a:stretch>
-        </p:blipFill>
-        <p:spPr>
-          <a:xfrm>
-            <a:off x="4864100" y="581860"/>
-            <a:ext cx="7186491" cy="6073415"/>
+        </p:nvSpPr>
+        <p:spPr>
+          <a:xfrm>
+            <a:off x="939800" y="668867"/>
+            <a:ext cx="11455380" cy="4524315"/>
           </a:xfrm>
           <a:prstGeom prst="rect">
             <a:avLst/>
           </a:prstGeom>
-        </p:spPr>
-      </p:pic>
-      <p:sp>
-        <p:nvSpPr>
-          <p:cNvPr id="2" name="Title 1">
-            <a:extLst>
-              <a:ext uri="{FF2B5EF4-FFF2-40B4-BE49-F238E27FC236}">
-                <a16:creationId xmlns:a16="http://schemas.microsoft.com/office/drawing/2014/main" id="{D94A2CD4-732A-43E4-BCB9-CBA2055E0AC6}"/>
-              </a:ext>
-            </a:extLst>
-          </p:cNvPr>
-          <p:cNvSpPr>
-            <a:spLocks noGrp="1"/>
-          </p:cNvSpPr>
-          <p:nvPr>
-            <p:ph type="title"/>
-          </p:nvPr>
-        </p:nvSpPr>
-        <p:spPr>
-          <a:xfrm>
-            <a:off x="6096000" y="-1340962"/>
-            <a:ext cx="6696075" cy="1909763"/>
-          </a:xfrm>
-        </p:spPr>
-        <p:txBody>
-          <a:bodyPr/>
+          <a:noFill/>
+        </p:spPr>
+        <p:txBody>
+          <a:bodyPr wrap="none" rtlCol="0">
+            <a:spAutoFit/>
+          </a:bodyPr>
           <a:lstStyle/>
           <a:p>
             <a:r>
-              <a:rPr lang="en-US" dirty="0"/>
-              <a:t>Android App</a:t>
-            </a:r>
-          </a:p>
-        </p:txBody>
-      </p:sp>
-      <p:pic>
-        <p:nvPicPr>
-          <p:cNvPr id="9" name="Picture 8">
-            <a:extLst>
-              <a:ext uri="{FF2B5EF4-FFF2-40B4-BE49-F238E27FC236}">
-                <a16:creationId xmlns:a16="http://schemas.microsoft.com/office/drawing/2014/main" id="{4ED1DD61-0511-4351-60AD-862A5111EC3D}"/>
-              </a:ext>
-            </a:extLst>
-          </p:cNvPr>
-          <p:cNvPicPr>
-            <a:picLocks noChangeAspect="1"/>
-          </p:cNvPicPr>
-          <p:nvPr/>
-        </p:nvPicPr>
-        <p:blipFill>
-          <a:blip r:embed="rId3"/>
-          <a:stretch>
-            <a:fillRect/>
-          </a:stretch>
-        </p:blipFill>
-        <p:spPr>
-          <a:xfrm>
-            <a:off x="271584" y="152400"/>
-            <a:ext cx="2892381" cy="3810000"/>
-          </a:xfrm>
-          <a:prstGeom prst="rect">
-            <a:avLst/>
-          </a:prstGeom>
-        </p:spPr>
-      </p:pic>
+              <a:rPr lang="en-US" b="1" dirty="0">
+                <a:effectLst/>
+                <a:latin typeface="Consolas" panose="020B0609020204030204" pitchFamily="49" charset="0"/>
+              </a:rPr>
+              <a:t>Data Formats:</a:t>
+            </a:r>
+            <a:endParaRPr lang="en-US" b="0" dirty="0">
+              <a:effectLst/>
+              <a:latin typeface="Consolas" panose="020B0609020204030204" pitchFamily="49" charset="0"/>
+            </a:endParaRPr>
+          </a:p>
+          <a:p>
+            <a:br>
+              <a:rPr lang="en-US" b="0" dirty="0">
+                <a:effectLst/>
+                <a:latin typeface="Consolas" panose="020B0609020204030204" pitchFamily="49" charset="0"/>
+              </a:rPr>
+            </a:br>
+            <a:r>
+              <a:rPr lang="en-US" b="0" dirty="0">
+                <a:effectLst/>
+                <a:latin typeface="Consolas" panose="020B0609020204030204" pitchFamily="49" charset="0"/>
+              </a:rPr>
+              <a:t>Mobile app input methods will consist of both voice commands and button presses. </a:t>
+            </a:r>
+          </a:p>
+          <a:p>
+            <a:r>
+              <a:rPr lang="en-US" b="0" dirty="0">
+                <a:effectLst/>
+                <a:latin typeface="Consolas" panose="020B0609020204030204" pitchFamily="49" charset="0"/>
+              </a:rPr>
+              <a:t>The app will connect with the development board via Bluetooth. Bluetooth 2.0 will be </a:t>
+            </a:r>
+          </a:p>
+          <a:p>
+            <a:r>
+              <a:rPr lang="en-US" b="0" dirty="0">
+                <a:effectLst/>
+                <a:latin typeface="Consolas" panose="020B0609020204030204" pitchFamily="49" charset="0"/>
+              </a:rPr>
+              <a:t>used.</a:t>
+            </a:r>
+          </a:p>
+          <a:p>
+            <a:br>
+              <a:rPr lang="en-US" b="0" dirty="0">
+                <a:effectLst/>
+                <a:latin typeface="Consolas" panose="020B0609020204030204" pitchFamily="49" charset="0"/>
+              </a:rPr>
+            </a:br>
+            <a:r>
+              <a:rPr lang="en-US" b="0" dirty="0">
+                <a:effectLst/>
+                <a:latin typeface="Consolas" panose="020B0609020204030204" pitchFamily="49" charset="0"/>
+              </a:rPr>
+              <a:t>The development board will connect to 4 servos that opens individual doors. The 4 servos </a:t>
+            </a:r>
+          </a:p>
+          <a:p>
+            <a:r>
+              <a:rPr lang="en-US" b="0" dirty="0">
+                <a:effectLst/>
+                <a:latin typeface="Consolas" panose="020B0609020204030204" pitchFamily="49" charset="0"/>
+              </a:rPr>
+              <a:t>Will</a:t>
+            </a:r>
+            <a:r>
+              <a:rPr lang="en-US" dirty="0">
+                <a:latin typeface="Consolas" panose="020B0609020204030204" pitchFamily="49" charset="0"/>
+              </a:rPr>
+              <a:t> </a:t>
+            </a:r>
+            <a:r>
+              <a:rPr lang="en-US" b="0" dirty="0">
+                <a:effectLst/>
+                <a:latin typeface="Consolas" panose="020B0609020204030204" pitchFamily="49" charset="0"/>
+              </a:rPr>
+              <a:t>use the PWM pins on the dev board.</a:t>
+            </a:r>
+          </a:p>
+          <a:p>
+            <a:br>
+              <a:rPr lang="en-US" b="0" dirty="0">
+                <a:effectLst/>
+                <a:latin typeface="Consolas" panose="020B0609020204030204" pitchFamily="49" charset="0"/>
+              </a:rPr>
+            </a:br>
+            <a:r>
+              <a:rPr lang="en-US" b="1" dirty="0">
+                <a:effectLst/>
+                <a:latin typeface="Consolas" panose="020B0609020204030204" pitchFamily="49" charset="0"/>
+              </a:rPr>
+              <a:t>Internationalization:</a:t>
+            </a:r>
+            <a:endParaRPr lang="en-US" b="0" dirty="0">
+              <a:effectLst/>
+              <a:latin typeface="Consolas" panose="020B0609020204030204" pitchFamily="49" charset="0"/>
+            </a:endParaRPr>
+          </a:p>
+          <a:p>
+            <a:br>
+              <a:rPr lang="en-US" b="0" dirty="0">
+                <a:effectLst/>
+                <a:latin typeface="Consolas" panose="020B0609020204030204" pitchFamily="49" charset="0"/>
+              </a:rPr>
+            </a:br>
+            <a:r>
+              <a:rPr lang="en-US" b="0" dirty="0">
+                <a:effectLst/>
+                <a:latin typeface="Consolas" panose="020B0609020204030204" pitchFamily="49" charset="0"/>
+              </a:rPr>
+              <a:t>Open Sesame will only support English at this time.</a:t>
+            </a:r>
+          </a:p>
+          <a:p>
+            <a:endParaRPr lang="en-US" dirty="0">
+              <a:latin typeface="Consolas" panose="020B0609020204030204" pitchFamily="49" charset="0"/>
+            </a:endParaRPr>
+          </a:p>
+          <a:p>
+            <a:r>
+              <a:rPr lang="en-US" b="1" dirty="0">
+                <a:effectLst/>
+                <a:latin typeface="Consolas" panose="020B0609020204030204" pitchFamily="49" charset="0"/>
+              </a:rPr>
+              <a:t>Environment: </a:t>
+            </a:r>
+            <a:r>
+              <a:rPr lang="en-US" b="0" dirty="0">
+                <a:effectLst/>
+                <a:latin typeface="Consolas" panose="020B0609020204030204" pitchFamily="49" charset="0"/>
+              </a:rPr>
+              <a:t>This prototype will only be subjected to indoor climate controlled </a:t>
+            </a:r>
+          </a:p>
+          <a:p>
+            <a:r>
+              <a:rPr lang="en-US" dirty="0">
+                <a:latin typeface="Consolas" panose="020B0609020204030204" pitchFamily="49" charset="0"/>
+              </a:rPr>
+              <a:t>	      environments</a:t>
+            </a:r>
+            <a:endParaRPr lang="en-US" b="0" dirty="0">
+              <a:effectLst/>
+              <a:latin typeface="Consolas" panose="020B0609020204030204" pitchFamily="49" charset="0"/>
+            </a:endParaRPr>
+          </a:p>
+          <a:p>
+            <a:endParaRPr lang="en-US" dirty="0"/>
+          </a:p>
+        </p:txBody>
+      </p:sp>
     </p:spTree>
     <p:extLst>
       <p:ext uri="{BB962C8B-B14F-4D97-AF65-F5344CB8AC3E}">
-        <p14:creationId xmlns:p14="http://schemas.microsoft.com/office/powerpoint/2010/main" val="1850918978"/>
+        <p14:creationId xmlns:p14="http://schemas.microsoft.com/office/powerpoint/2010/main" val="4091005877"/>
       </p:ext>
     </p:extLst>
   </p:cSld>
@@ -14599,6 +14445,34 @@
 </file>
 
 <file path=customXml/item1.xml><?xml version="1.0" encoding="utf-8"?>
+<p:properties xmlns:p="http://schemas.microsoft.com/office/2006/metadata/properties" xmlns:xsi="http://www.w3.org/2001/XMLSchema-instance" xmlns:pc="http://schemas.microsoft.com/office/infopath/2007/PartnerControls">
+  <documentManagement>
+    <_ip_UnifiedCompliancePolicyUIAction xmlns="http://schemas.microsoft.com/sharepoint/v3" xsi:nil="true"/>
+    <Image xmlns="71af3243-3dd4-4a8d-8c0d-dd76da1f02a5">
+      <Url xsi:nil="true"/>
+      <Description xsi:nil="true"/>
+    </Image>
+    <Status xmlns="71af3243-3dd4-4a8d-8c0d-dd76da1f02a5">Not started</Status>
+    <_ip_UnifiedCompliancePolicyProperties xmlns="http://schemas.microsoft.com/sharepoint/v3" xsi:nil="true"/>
+    <ImageTagsTaxHTField xmlns="71af3243-3dd4-4a8d-8c0d-dd76da1f02a5">
+      <Terms xmlns="http://schemas.microsoft.com/office/infopath/2007/PartnerControls"/>
+    </ImageTagsTaxHTField>
+    <TaxCatchAll xmlns="230e9df3-be65-4c73-a93b-d1236ebd677e"/>
+    <MediaServiceKeyPoints xmlns="71af3243-3dd4-4a8d-8c0d-dd76da1f02a5" xsi:nil="true"/>
+  </documentManagement>
+</p:properties>
+</file>
+
+<file path=customXml/item2.xml><?xml version="1.0" encoding="utf-8"?>
+<?mso-contentType ?>
+<FormTemplates xmlns="http://schemas.microsoft.com/sharepoint/v3/contenttype/forms">
+  <Display>DocumentLibraryForm</Display>
+  <Edit>DocumentLibraryForm</Edit>
+  <New>DocumentLibraryForm</New>
+</FormTemplates>
+</file>
+
+<file path=customXml/item3.xml><?xml version="1.0" encoding="utf-8"?>
 <ct:contentTypeSchema xmlns:ct="http://schemas.microsoft.com/office/2006/metadata/contentType" xmlns:ma="http://schemas.microsoft.com/office/2006/metadata/properties/metaAttributes" ct:_="" ma:_="" ma:contentTypeName="Document" ma:contentTypeID="0x01010079F111ED35F8CC479449609E8A0923A6" ma:contentTypeVersion="20" ma:contentTypeDescription="Create a new document." ma:contentTypeScope="" ma:versionID="1267097ee5f5874adfcc408041ae252e">
   <xsd:schema xmlns:xsd="http://www.w3.org/2001/XMLSchema" xmlns:xs="http://www.w3.org/2001/XMLSchema" xmlns:p="http://schemas.microsoft.com/office/2006/metadata/properties" xmlns:ns1="http://schemas.microsoft.com/sharepoint/v3" xmlns:ns2="71af3243-3dd4-4a8d-8c0d-dd76da1f02a5" xmlns:ns3="16c05727-aa75-4e4a-9b5f-8a80a1165891" xmlns:ns4="230e9df3-be65-4c73-a93b-d1236ebd677e" targetNamespace="http://schemas.microsoft.com/office/2006/metadata/properties" ma:root="true" ma:fieldsID="395891a93df65b14727750f2c06c306c" ns1:_="" ns2:_="" ns3:_="" ns4:_="">
     <xsd:import namespace="http://schemas.microsoft.com/sharepoint/v3"/>
@@ -14874,35 +14748,27 @@
 </ct:contentTypeSchema>
 </file>
 
-<file path=customXml/item2.xml><?xml version="1.0" encoding="utf-8"?>
-<?mso-contentType ?>
-<FormTemplates xmlns="http://schemas.microsoft.com/sharepoint/v3/contenttype/forms">
-  <Display>DocumentLibraryForm</Display>
-  <Edit>DocumentLibraryForm</Edit>
-  <New>DocumentLibraryForm</New>
-</FormTemplates>
+<file path=customXml/itemProps1.xml><?xml version="1.0" encoding="utf-8"?>
+<ds:datastoreItem xmlns:ds="http://schemas.openxmlformats.org/officeDocument/2006/customXml" ds:itemID="{29C43685-694E-4579-B109-3C418D49DA65}">
+  <ds:schemaRefs>
+    <ds:schemaRef ds:uri="http://schemas.microsoft.com/office/2006/metadata/properties"/>
+    <ds:schemaRef ds:uri="http://schemas.microsoft.com/office/infopath/2007/PartnerControls"/>
+    <ds:schemaRef ds:uri="http://schemas.microsoft.com/sharepoint/v3"/>
+    <ds:schemaRef ds:uri="71af3243-3dd4-4a8d-8c0d-dd76da1f02a5"/>
+    <ds:schemaRef ds:uri="230e9df3-be65-4c73-a93b-d1236ebd677e"/>
+  </ds:schemaRefs>
+</ds:datastoreItem>
 </file>
 
-<file path=customXml/item3.xml><?xml version="1.0" encoding="utf-8"?>
-<p:properties xmlns:p="http://schemas.microsoft.com/office/2006/metadata/properties" xmlns:xsi="http://www.w3.org/2001/XMLSchema-instance" xmlns:pc="http://schemas.microsoft.com/office/infopath/2007/PartnerControls">
-  <documentManagement>
-    <_ip_UnifiedCompliancePolicyUIAction xmlns="http://schemas.microsoft.com/sharepoint/v3" xsi:nil="true"/>
-    <Image xmlns="71af3243-3dd4-4a8d-8c0d-dd76da1f02a5">
-      <Url xsi:nil="true"/>
-      <Description xsi:nil="true"/>
-    </Image>
-    <Status xmlns="71af3243-3dd4-4a8d-8c0d-dd76da1f02a5">Not started</Status>
-    <_ip_UnifiedCompliancePolicyProperties xmlns="http://schemas.microsoft.com/sharepoint/v3" xsi:nil="true"/>
-    <ImageTagsTaxHTField xmlns="71af3243-3dd4-4a8d-8c0d-dd76da1f02a5">
-      <Terms xmlns="http://schemas.microsoft.com/office/infopath/2007/PartnerControls"/>
-    </ImageTagsTaxHTField>
-    <TaxCatchAll xmlns="230e9df3-be65-4c73-a93b-d1236ebd677e"/>
-    <MediaServiceKeyPoints xmlns="71af3243-3dd4-4a8d-8c0d-dd76da1f02a5" xsi:nil="true"/>
-  </documentManagement>
-</p:properties>
+<file path=customXml/itemProps2.xml><?xml version="1.0" encoding="utf-8"?>
+<ds:datastoreItem xmlns:ds="http://schemas.openxmlformats.org/officeDocument/2006/customXml" ds:itemID="{0FD6FE22-81A0-4500-AFD0-342D21BB9A2C}">
+  <ds:schemaRefs>
+    <ds:schemaRef ds:uri="http://schemas.microsoft.com/sharepoint/v3/contenttype/forms"/>
+  </ds:schemaRefs>
+</ds:datastoreItem>
 </file>
 
-<file path=customXml/itemProps1.xml><?xml version="1.0" encoding="utf-8"?>
+<file path=customXml/itemProps3.xml><?xml version="1.0" encoding="utf-8"?>
 <ds:datastoreItem xmlns:ds="http://schemas.openxmlformats.org/officeDocument/2006/customXml" ds:itemID="{CC96B61E-1B64-430F-934F-7D1B90028029}">
   <ds:schemaRefs>
     <ds:schemaRef ds:uri="http://schemas.microsoft.com/office/2006/metadata/contentType"/>
@@ -14923,26 +14789,6 @@
 </ds:datastoreItem>
 </file>
 
-<file path=customXml/itemProps2.xml><?xml version="1.0" encoding="utf-8"?>
-<ds:datastoreItem xmlns:ds="http://schemas.openxmlformats.org/officeDocument/2006/customXml" ds:itemID="{0FD6FE22-81A0-4500-AFD0-342D21BB9A2C}">
-  <ds:schemaRefs>
-    <ds:schemaRef ds:uri="http://schemas.microsoft.com/sharepoint/v3/contenttype/forms"/>
-  </ds:schemaRefs>
-</ds:datastoreItem>
-</file>
-
-<file path=customXml/itemProps3.xml><?xml version="1.0" encoding="utf-8"?>
-<ds:datastoreItem xmlns:ds="http://schemas.openxmlformats.org/officeDocument/2006/customXml" ds:itemID="{29C43685-694E-4579-B109-3C418D49DA65}">
-  <ds:schemaRefs>
-    <ds:schemaRef ds:uri="http://schemas.microsoft.com/office/2006/metadata/properties"/>
-    <ds:schemaRef ds:uri="http://schemas.microsoft.com/office/infopath/2007/PartnerControls"/>
-    <ds:schemaRef ds:uri="http://schemas.microsoft.com/sharepoint/v3"/>
-    <ds:schemaRef ds:uri="71af3243-3dd4-4a8d-8c0d-dd76da1f02a5"/>
-    <ds:schemaRef ds:uri="230e9df3-be65-4c73-a93b-d1236ebd677e"/>
-  </ds:schemaRefs>
-</ds:datastoreItem>
-</file>
-
 <file path=docMetadata/LabelInfo.xml><?xml version="1.0" encoding="utf-8"?>
 <clbl:labelList xmlns:clbl="http://schemas.microsoft.com/office/2020/mipLabelMetadata">
   <clbl:label id="{f42aa342-8706-4288-bd11-ebb85995028c}" enabled="1" method="Standard" siteId="{72f988bf-86f1-41af-91ab-2d7cd011db47}" removed="0"/>
